--- a/Output/pourtaste_3.pptx
+++ b/Output/pourtaste_3.pptx
@@ -5,10 +5,10 @@
     <p:sldMasterId id="2147483648" r:id="rId1"/>
   </p:sldMasterIdLst>
   <p:notesMasterIdLst>
-    <p:notesMasterId r:id="rId28"/>
+    <p:notesMasterId r:id="rId29"/>
   </p:notesMasterIdLst>
   <p:handoutMasterIdLst>
-    <p:handoutMasterId r:id="rId29"/>
+    <p:handoutMasterId r:id="rId30"/>
   </p:handoutMasterIdLst>
   <p:sldIdLst>
     <p:sldId id="258" r:id="rId2"/>
@@ -20,23 +20,24 @@
     <p:sldId id="310" r:id="rId8"/>
     <p:sldId id="311" r:id="rId9"/>
     <p:sldId id="312" r:id="rId10"/>
-    <p:sldId id="313" r:id="rId11"/>
-    <p:sldId id="295" r:id="rId12"/>
-    <p:sldId id="293" r:id="rId13"/>
-    <p:sldId id="296" r:id="rId14"/>
-    <p:sldId id="291" r:id="rId15"/>
-    <p:sldId id="292" r:id="rId16"/>
+    <p:sldId id="295" r:id="rId11"/>
+    <p:sldId id="293" r:id="rId12"/>
+    <p:sldId id="296" r:id="rId13"/>
+    <p:sldId id="291" r:id="rId14"/>
+    <p:sldId id="292" r:id="rId15"/>
+    <p:sldId id="315" r:id="rId16"/>
     <p:sldId id="294" r:id="rId17"/>
     <p:sldId id="297" r:id="rId18"/>
     <p:sldId id="298" r:id="rId19"/>
-    <p:sldId id="299" r:id="rId20"/>
-    <p:sldId id="300" r:id="rId21"/>
-    <p:sldId id="301" r:id="rId22"/>
-    <p:sldId id="285" r:id="rId23"/>
-    <p:sldId id="282" r:id="rId24"/>
-    <p:sldId id="302" r:id="rId25"/>
-    <p:sldId id="307" r:id="rId26"/>
-    <p:sldId id="306" r:id="rId27"/>
+    <p:sldId id="316" r:id="rId20"/>
+    <p:sldId id="299" r:id="rId21"/>
+    <p:sldId id="300" r:id="rId22"/>
+    <p:sldId id="301" r:id="rId23"/>
+    <p:sldId id="285" r:id="rId24"/>
+    <p:sldId id="282" r:id="rId25"/>
+    <p:sldId id="302" r:id="rId26"/>
+    <p:sldId id="307" r:id="rId27"/>
+    <p:sldId id="306" r:id="rId28"/>
   </p:sldIdLst>
   <p:sldSz cx="12192000" cy="6858000"/>
   <p:notesSz cx="6858000" cy="9144000"/>
@@ -44042,7 +44043,7 @@
           <p:cNvPr id="2" name="Title 1">
             <a:extLst>
               <a:ext uri="{FF2B5EF4-FFF2-40B4-BE49-F238E27FC236}">
-                <a16:creationId xmlns:a16="http://schemas.microsoft.com/office/drawing/2014/main" id="{A9679FAE-816A-4325-AEB2-3685FF90D2CB}"/>
+                <a16:creationId xmlns:a16="http://schemas.microsoft.com/office/drawing/2014/main" id="{974879D8-B384-4D8D-B10F-259048EAFDA2}"/>
               </a:ext>
             </a:extLst>
           </p:cNvPr>
@@ -44050,34 +44051,27 @@
             <a:spLocks noGrp="1"/>
           </p:cNvSpPr>
           <p:nvPr>
-            <p:ph type="title"/>
+            <p:ph type="ctrTitle"/>
           </p:nvPr>
         </p:nvSpPr>
-        <p:spPr>
-          <a:xfrm>
-            <a:off x="239349" y="421775"/>
-            <a:ext cx="7330069" cy="517409"/>
-          </a:xfrm>
-        </p:spPr>
-        <p:txBody>
-          <a:bodyPr>
-            <a:normAutofit fontScale="90000"/>
-          </a:bodyPr>
+        <p:spPr/>
+        <p:txBody>
+          <a:bodyPr/>
           <a:lstStyle/>
           <a:p>
             <a:r>
               <a:rPr lang="en-US" dirty="0"/>
-              <a:t>Average Price per Region (Bottom 10)</a:t>
-            </a:r>
-          </a:p>
-        </p:txBody>
-      </p:sp>
-      <p:sp>
-        <p:nvSpPr>
-          <p:cNvPr id="4" name="Date Placeholder 3">
-            <a:extLst>
-              <a:ext uri="{FF2B5EF4-FFF2-40B4-BE49-F238E27FC236}">
-                <a16:creationId xmlns:a16="http://schemas.microsoft.com/office/drawing/2014/main" id="{219C0E0B-15D2-4F81-9B57-4466853691FA}"/>
+              <a:t>Vintages</a:t>
+            </a:r>
+          </a:p>
+        </p:txBody>
+      </p:sp>
+      <p:sp>
+        <p:nvSpPr>
+          <p:cNvPr id="3" name="Date Placeholder 2">
+            <a:extLst>
+              <a:ext uri="{FF2B5EF4-FFF2-40B4-BE49-F238E27FC236}">
+                <a16:creationId xmlns:a16="http://schemas.microsoft.com/office/drawing/2014/main" id="{C4CA2D46-597C-4BAD-AE18-70CCEE836D54}"/>
               </a:ext>
             </a:extLst>
           </p:cNvPr>
@@ -44088,14 +44082,19 @@
             <p:ph type="dt" sz="half" idx="10"/>
           </p:nvPr>
         </p:nvSpPr>
-        <p:spPr/>
+        <p:spPr>
+          <a:xfrm>
+            <a:off x="9999518" y="5878720"/>
+            <a:ext cx="1336964" cy="298800"/>
+          </a:xfrm>
+        </p:spPr>
         <p:txBody>
           <a:bodyPr/>
           <a:lstStyle/>
           <a:p>
             <a:r>
-              <a:rPr lang="en-US"/>
-              <a:t>MM.DD.20XX</a:t>
+              <a:rPr lang="en-US" dirty="0"/>
+              <a:t>11.10.2018</a:t>
             </a:r>
             <a:endParaRPr lang="ru-RU" dirty="0"/>
           </a:p>
@@ -44103,39 +44102,10 @@
       </p:sp>
       <p:sp>
         <p:nvSpPr>
-          <p:cNvPr id="5" name="Footer Placeholder 4">
-            <a:extLst>
-              <a:ext uri="{FF2B5EF4-FFF2-40B4-BE49-F238E27FC236}">
-                <a16:creationId xmlns:a16="http://schemas.microsoft.com/office/drawing/2014/main" id="{9F880DB2-A412-449F-9C30-530748A2AC41}"/>
-              </a:ext>
-            </a:extLst>
-          </p:cNvPr>
-          <p:cNvSpPr>
-            <a:spLocks noGrp="1"/>
-          </p:cNvSpPr>
-          <p:nvPr>
-            <p:ph type="ftr" sz="quarter" idx="11"/>
-          </p:nvPr>
-        </p:nvSpPr>
-        <p:spPr/>
-        <p:txBody>
-          <a:bodyPr/>
-          <a:lstStyle/>
-          <a:p>
-            <a:r>
-              <a:rPr lang="en-US"/>
-              <a:t>ADD A FOOTER</a:t>
-            </a:r>
-            <a:endParaRPr lang="ru-RU" dirty="0"/>
-          </a:p>
-        </p:txBody>
-      </p:sp>
-      <p:sp>
-        <p:nvSpPr>
-          <p:cNvPr id="6" name="Slide Number Placeholder 5">
-            <a:extLst>
-              <a:ext uri="{FF2B5EF4-FFF2-40B4-BE49-F238E27FC236}">
-                <a16:creationId xmlns:a16="http://schemas.microsoft.com/office/drawing/2014/main" id="{8045CBC9-441B-4169-8EB8-C9A8106416D7}"/>
+          <p:cNvPr id="5" name="Slide Number Placeholder 4">
+            <a:extLst>
+              <a:ext uri="{FF2B5EF4-FFF2-40B4-BE49-F238E27FC236}">
+                <a16:creationId xmlns:a16="http://schemas.microsoft.com/office/drawing/2014/main" id="{4C4F2C2B-ECFB-4395-9383-B8834808C311}"/>
               </a:ext>
             </a:extLst>
           </p:cNvPr>
@@ -44161,10 +44131,10 @@
       </p:sp>
       <p:sp>
         <p:nvSpPr>
-          <p:cNvPr id="8" name="Text Placeholder 7">
-            <a:extLst>
-              <a:ext uri="{FF2B5EF4-FFF2-40B4-BE49-F238E27FC236}">
-                <a16:creationId xmlns:a16="http://schemas.microsoft.com/office/drawing/2014/main" id="{7CD91CE9-400D-4573-AB68-F24925340D43}"/>
+          <p:cNvPr id="6" name="Subtitle 5">
+            <a:extLst>
+              <a:ext uri="{FF2B5EF4-FFF2-40B4-BE49-F238E27FC236}">
+                <a16:creationId xmlns:a16="http://schemas.microsoft.com/office/drawing/2014/main" id="{D2CBDDAB-49D4-492F-9099-CF94AC3E78C9}"/>
               </a:ext>
             </a:extLst>
           </p:cNvPr>
@@ -44172,60 +44142,25 @@
             <a:spLocks noGrp="1"/>
           </p:cNvSpPr>
           <p:nvPr>
-            <p:ph type="body" idx="14"/>
+            <p:ph type="subTitle" idx="1"/>
           </p:nvPr>
         </p:nvSpPr>
-        <p:spPr>
-          <a:xfrm>
-            <a:off x="175669" y="3120245"/>
-            <a:ext cx="3044610" cy="2077434"/>
-          </a:xfrm>
-        </p:spPr>
+        <p:spPr/>
         <p:txBody>
           <a:bodyPr/>
           <a:lstStyle/>
           <a:p>
             <a:r>
               <a:rPr lang="en-US" dirty="0"/>
-              <a:t> - The lowest priced wines had 8 in Other and 2 in Portugal</a:t>
-            </a:r>
-          </a:p>
-        </p:txBody>
-      </p:sp>
-      <p:pic>
-        <p:nvPicPr>
-          <p:cNvPr id="9" name="Picture 8">
-            <a:extLst>
-              <a:ext uri="{FF2B5EF4-FFF2-40B4-BE49-F238E27FC236}">
-                <a16:creationId xmlns:a16="http://schemas.microsoft.com/office/drawing/2014/main" id="{CC11C9E3-97F3-4C9C-B5CB-AD5C60A77C0E}"/>
-              </a:ext>
-            </a:extLst>
-          </p:cNvPr>
-          <p:cNvPicPr>
-            <a:picLocks noChangeAspect="1"/>
-          </p:cNvPicPr>
-          <p:nvPr/>
-        </p:nvPicPr>
-        <p:blipFill>
-          <a:blip r:embed="rId2"/>
-          <a:stretch>
-            <a:fillRect/>
-          </a:stretch>
-        </p:blipFill>
-        <p:spPr>
-          <a:xfrm>
-            <a:off x="3458817" y="1372614"/>
-            <a:ext cx="8557515" cy="4233056"/>
-          </a:xfrm>
-          <a:prstGeom prst="rect">
-            <a:avLst/>
-          </a:prstGeom>
-        </p:spPr>
-      </p:pic>
+              <a:t>Stripping a specific value from strings</a:t>
+            </a:r>
+          </a:p>
+        </p:txBody>
+      </p:sp>
     </p:spTree>
     <p:extLst>
       <p:ext uri="{BB962C8B-B14F-4D97-AF65-F5344CB8AC3E}">
-        <p14:creationId xmlns:p14="http://schemas.microsoft.com/office/powerpoint/2010/main" val="404559672"/>
+        <p14:creationId xmlns:p14="http://schemas.microsoft.com/office/powerpoint/2010/main" val="4048649735"/>
       </p:ext>
     </p:extLst>
   </p:cSld>
@@ -44252,40 +44187,42 @@
           <a:chExt cx="0" cy="0"/>
         </a:xfrm>
       </p:grpSpPr>
-      <p:sp>
-        <p:nvSpPr>
-          <p:cNvPr id="2" name="Title 1">
-            <a:extLst>
-              <a:ext uri="{FF2B5EF4-FFF2-40B4-BE49-F238E27FC236}">
-                <a16:creationId xmlns:a16="http://schemas.microsoft.com/office/drawing/2014/main" id="{974879D8-B384-4D8D-B10F-259048EAFDA2}"/>
-              </a:ext>
-            </a:extLst>
-          </p:cNvPr>
-          <p:cNvSpPr>
-            <a:spLocks noGrp="1"/>
-          </p:cNvSpPr>
-          <p:nvPr>
-            <p:ph type="ctrTitle"/>
-          </p:nvPr>
-        </p:nvSpPr>
-        <p:spPr/>
-        <p:txBody>
-          <a:bodyPr/>
-          <a:lstStyle/>
-          <a:p>
-            <a:r>
-              <a:rPr lang="en-US" dirty="0"/>
-              <a:t>Vintages</a:t>
-            </a:r>
-          </a:p>
-        </p:txBody>
-      </p:sp>
-      <p:sp>
-        <p:nvSpPr>
-          <p:cNvPr id="3" name="Date Placeholder 2">
-            <a:extLst>
-              <a:ext uri="{FF2B5EF4-FFF2-40B4-BE49-F238E27FC236}">
-                <a16:creationId xmlns:a16="http://schemas.microsoft.com/office/drawing/2014/main" id="{C4CA2D46-597C-4BAD-AE18-70CCEE836D54}"/>
+      <p:pic>
+        <p:nvPicPr>
+          <p:cNvPr id="5" name="Picture 4">
+            <a:extLst>
+              <a:ext uri="{FF2B5EF4-FFF2-40B4-BE49-F238E27FC236}">
+                <a16:creationId xmlns:a16="http://schemas.microsoft.com/office/drawing/2014/main" id="{AE40F5DC-02E5-4BB1-8806-86FA8D7BB12E}"/>
+              </a:ext>
+            </a:extLst>
+          </p:cNvPr>
+          <p:cNvPicPr>
+            <a:picLocks noChangeAspect="1"/>
+          </p:cNvPicPr>
+          <p:nvPr/>
+        </p:nvPicPr>
+        <p:blipFill>
+          <a:blip r:embed="rId2"/>
+          <a:stretch>
+            <a:fillRect/>
+          </a:stretch>
+        </p:blipFill>
+        <p:spPr>
+          <a:xfrm>
+            <a:off x="1133135" y="1411931"/>
+            <a:ext cx="6972640" cy="2482276"/>
+          </a:xfrm>
+          <a:prstGeom prst="rect">
+            <a:avLst/>
+          </a:prstGeom>
+        </p:spPr>
+      </p:pic>
+      <p:sp>
+        <p:nvSpPr>
+          <p:cNvPr id="2" name="Date Placeholder 1">
+            <a:extLst>
+              <a:ext uri="{FF2B5EF4-FFF2-40B4-BE49-F238E27FC236}">
+                <a16:creationId xmlns:a16="http://schemas.microsoft.com/office/drawing/2014/main" id="{26458645-5678-4DCA-A5B0-728A0037A195}"/>
               </a:ext>
             </a:extLst>
           </p:cNvPr>
@@ -44296,12 +44233,7 @@
             <p:ph type="dt" sz="half" idx="10"/>
           </p:nvPr>
         </p:nvSpPr>
-        <p:spPr>
-          <a:xfrm>
-            <a:off x="9999518" y="5878720"/>
-            <a:ext cx="1336964" cy="298800"/>
-          </a:xfrm>
-        </p:spPr>
+        <p:spPr/>
         <p:txBody>
           <a:bodyPr/>
           <a:lstStyle/>
@@ -44316,10 +44248,10 @@
       </p:sp>
       <p:sp>
         <p:nvSpPr>
-          <p:cNvPr id="5" name="Slide Number Placeholder 4">
-            <a:extLst>
-              <a:ext uri="{FF2B5EF4-FFF2-40B4-BE49-F238E27FC236}">
-                <a16:creationId xmlns:a16="http://schemas.microsoft.com/office/drawing/2014/main" id="{4C4F2C2B-ECFB-4395-9383-B8834808C311}"/>
+          <p:cNvPr id="4" name="Slide Number Placeholder 3">
+            <a:extLst>
+              <a:ext uri="{FF2B5EF4-FFF2-40B4-BE49-F238E27FC236}">
+                <a16:creationId xmlns:a16="http://schemas.microsoft.com/office/drawing/2014/main" id="{3B466F3B-63B6-4427-AF2E-7CB97575E095}"/>
               </a:ext>
             </a:extLst>
           </p:cNvPr>
@@ -44337,6 +44269,7 @@
           <a:p>
             <a:fld id="{8D581BC7-E183-40DB-AC97-C19EA4EB8894}" type="slidenum">
               <a:rPr lang="ru-RU" smtClean="0"/>
+              <a:pPr/>
               <a:t>11</a:t>
             </a:fld>
             <a:endParaRPr lang="ru-RU" dirty="0"/>
@@ -44345,28 +44278,227 @@
       </p:sp>
       <p:sp>
         <p:nvSpPr>
-          <p:cNvPr id="6" name="Subtitle 5">
-            <a:extLst>
-              <a:ext uri="{FF2B5EF4-FFF2-40B4-BE49-F238E27FC236}">
-                <a16:creationId xmlns:a16="http://schemas.microsoft.com/office/drawing/2014/main" id="{D2CBDDAB-49D4-492F-9099-CF94AC3E78C9}"/>
-              </a:ext>
-            </a:extLst>
-          </p:cNvPr>
-          <p:cNvSpPr>
-            <a:spLocks noGrp="1"/>
+          <p:cNvPr id="6" name="Title 1">
+            <a:extLst>
+              <a:ext uri="{FF2B5EF4-FFF2-40B4-BE49-F238E27FC236}">
+                <a16:creationId xmlns:a16="http://schemas.microsoft.com/office/drawing/2014/main" id="{923928E6-39B6-4BB2-ACD8-BC901E78CF43}"/>
+              </a:ext>
+            </a:extLst>
+          </p:cNvPr>
+          <p:cNvSpPr txBox="1">
+            <a:spLocks/>
           </p:cNvSpPr>
-          <p:nvPr>
-            <p:ph type="subTitle" idx="1"/>
-          </p:nvPr>
-        </p:nvSpPr>
-        <p:spPr/>
+          <p:nvPr/>
+        </p:nvSpPr>
+        <p:spPr>
+          <a:xfrm>
+            <a:off x="838200" y="365126"/>
+            <a:ext cx="10515600" cy="652969"/>
+          </a:xfrm>
+          <a:prstGeom prst="rect">
+            <a:avLst/>
+          </a:prstGeom>
+        </p:spPr>
         <p:txBody>
           <a:bodyPr/>
+          <a:lstStyle>
+            <a:lvl1pPr algn="l" defTabSz="914400" rtl="0" eaLnBrk="1" latinLnBrk="0" hangingPunct="1">
+              <a:lnSpc>
+                <a:spcPct val="90000"/>
+              </a:lnSpc>
+              <a:spcBef>
+                <a:spcPct val="0"/>
+              </a:spcBef>
+              <a:buNone/>
+              <a:defRPr sz="3600" b="1" kern="1200">
+                <a:solidFill>
+                  <a:schemeClr val="bg2"/>
+                </a:solidFill>
+                <a:latin typeface="+mj-lt"/>
+                <a:ea typeface="+mj-ea"/>
+                <a:cs typeface="+mj-cs"/>
+              </a:defRPr>
+            </a:lvl1pPr>
+          </a:lstStyle>
+          <a:p>
+            <a:r>
+              <a:rPr lang="en-US" dirty="0"/>
+              <a:t>Dataframe Cleanup</a:t>
+            </a:r>
+          </a:p>
+        </p:txBody>
+      </p:sp>
+      <p:sp>
+        <p:nvSpPr>
+          <p:cNvPr id="7" name="Oval 6">
+            <a:extLst>
+              <a:ext uri="{FF2B5EF4-FFF2-40B4-BE49-F238E27FC236}">
+                <a16:creationId xmlns:a16="http://schemas.microsoft.com/office/drawing/2014/main" id="{A35C6A30-F6EC-418A-90B9-1F591F844EE8}"/>
+              </a:ext>
+            </a:extLst>
+          </p:cNvPr>
+          <p:cNvSpPr/>
+          <p:nvPr/>
+        </p:nvSpPr>
+        <p:spPr>
+          <a:xfrm>
+            <a:off x="3381375" y="2343150"/>
+            <a:ext cx="695325" cy="457200"/>
+          </a:xfrm>
+          <a:prstGeom prst="ellipse">
+            <a:avLst/>
+          </a:prstGeom>
+          <a:noFill/>
+          <a:ln>
+            <a:solidFill>
+              <a:schemeClr val="accent3">
+                <a:lumMod val="60000"/>
+                <a:lumOff val="40000"/>
+              </a:schemeClr>
+            </a:solidFill>
+          </a:ln>
+        </p:spPr>
+        <p:style>
+          <a:lnRef idx="2">
+            <a:schemeClr val="accent1">
+              <a:shade val="50000"/>
+            </a:schemeClr>
+          </a:lnRef>
+          <a:fillRef idx="1">
+            <a:schemeClr val="accent1"/>
+          </a:fillRef>
+          <a:effectRef idx="0">
+            <a:schemeClr val="accent1"/>
+          </a:effectRef>
+          <a:fontRef idx="minor">
+            <a:schemeClr val="lt1"/>
+          </a:fontRef>
+        </p:style>
+        <p:txBody>
+          <a:bodyPr rot="0" spcFirstLastPara="0" vertOverflow="overflow" horzOverflow="overflow" vert="horz" wrap="square" lIns="91440" tIns="45720" rIns="91440" bIns="45720" numCol="1" spcCol="0" rtlCol="0" fromWordArt="0" anchor="ctr" anchorCtr="0" forceAA="0" compatLnSpc="1">
+            <a:prstTxWarp prst="textNoShape">
+              <a:avLst/>
+            </a:prstTxWarp>
+            <a:noAutofit/>
+          </a:bodyPr>
           <a:lstStyle/>
           <a:p>
+            <a:pPr algn="ctr"/>
+            <a:endParaRPr lang="en-US" dirty="0"/>
+          </a:p>
+        </p:txBody>
+      </p:sp>
+      <p:sp>
+        <p:nvSpPr>
+          <p:cNvPr id="8" name="Oval 7">
+            <a:extLst>
+              <a:ext uri="{FF2B5EF4-FFF2-40B4-BE49-F238E27FC236}">
+                <a16:creationId xmlns:a16="http://schemas.microsoft.com/office/drawing/2014/main" id="{FE4F8680-AA0D-4443-9F87-F62647C7A341}"/>
+              </a:ext>
+            </a:extLst>
+          </p:cNvPr>
+          <p:cNvSpPr/>
+          <p:nvPr/>
+        </p:nvSpPr>
+        <p:spPr>
+          <a:xfrm>
+            <a:off x="2909887" y="2653069"/>
+            <a:ext cx="695325" cy="457200"/>
+          </a:xfrm>
+          <a:prstGeom prst="ellipse">
+            <a:avLst/>
+          </a:prstGeom>
+          <a:noFill/>
+          <a:ln>
+            <a:solidFill>
+              <a:schemeClr val="accent3">
+                <a:lumMod val="60000"/>
+                <a:lumOff val="40000"/>
+              </a:schemeClr>
+            </a:solidFill>
+          </a:ln>
+        </p:spPr>
+        <p:style>
+          <a:lnRef idx="2">
+            <a:schemeClr val="accent1">
+              <a:shade val="50000"/>
+            </a:schemeClr>
+          </a:lnRef>
+          <a:fillRef idx="1">
+            <a:schemeClr val="accent1"/>
+          </a:fillRef>
+          <a:effectRef idx="0">
+            <a:schemeClr val="accent1"/>
+          </a:effectRef>
+          <a:fontRef idx="minor">
+            <a:schemeClr val="lt1"/>
+          </a:fontRef>
+        </p:style>
+        <p:txBody>
+          <a:bodyPr rot="0" spcFirstLastPara="0" vertOverflow="overflow" horzOverflow="overflow" vert="horz" wrap="square" lIns="91440" tIns="45720" rIns="91440" bIns="45720" numCol="1" spcCol="0" rtlCol="0" fromWordArt="0" anchor="ctr" anchorCtr="0" forceAA="0" compatLnSpc="1">
+            <a:prstTxWarp prst="textNoShape">
+              <a:avLst/>
+            </a:prstTxWarp>
+            <a:noAutofit/>
+          </a:bodyPr>
+          <a:lstStyle/>
+          <a:p>
+            <a:pPr algn="ctr"/>
+            <a:endParaRPr lang="en-US" dirty="0"/>
+          </a:p>
+        </p:txBody>
+      </p:sp>
+      <p:sp>
+        <p:nvSpPr>
+          <p:cNvPr id="10" name="TextBox 9">
+            <a:extLst>
+              <a:ext uri="{FF2B5EF4-FFF2-40B4-BE49-F238E27FC236}">
+                <a16:creationId xmlns:a16="http://schemas.microsoft.com/office/drawing/2014/main" id="{EAE171EB-BAE7-4A57-AE8E-A98367A3FEE6}"/>
+              </a:ext>
+            </a:extLst>
+          </p:cNvPr>
+          <p:cNvSpPr txBox="1"/>
+          <p:nvPr/>
+        </p:nvSpPr>
+        <p:spPr>
+          <a:xfrm>
+            <a:off x="838200" y="4041488"/>
+            <a:ext cx="4767603" cy="923330"/>
+          </a:xfrm>
+          <a:prstGeom prst="rect">
+            <a:avLst/>
+          </a:prstGeom>
+          <a:noFill/>
+        </p:spPr>
+        <p:txBody>
+          <a:bodyPr wrap="square" rtlCol="0">
+            <a:spAutoFit/>
+          </a:bodyPr>
+          <a:lstStyle/>
+          <a:p>
             <a:r>
               <a:rPr lang="en-US" dirty="0"/>
-              <a:t>Stripping a specific value from strings</a:t>
+              <a:t>Issues:  </a:t>
+            </a:r>
+          </a:p>
+          <a:p>
+            <a:pPr marL="285750" indent="-285750">
+              <a:buFont typeface="Arial" panose="020B0604020202020204" pitchFamily="34" charset="0"/>
+              <a:buChar char="•"/>
+            </a:pPr>
+            <a:r>
+              <a:rPr lang="en-US" dirty="0"/>
+              <a:t>The year or vintage is buried in a text string</a:t>
+            </a:r>
+          </a:p>
+          <a:p>
+            <a:pPr marL="285750" indent="-285750">
+              <a:buFont typeface="Arial" panose="020B0604020202020204" pitchFamily="34" charset="0"/>
+              <a:buChar char="•"/>
+            </a:pPr>
+            <a:r>
+              <a:rPr lang="en-US" dirty="0"/>
+              <a:t>Location in the string varies</a:t>
             </a:r>
           </a:p>
         </p:txBody>
@@ -44374,7 +44506,7 @@
     </p:spTree>
     <p:extLst>
       <p:ext uri="{BB962C8B-B14F-4D97-AF65-F5344CB8AC3E}">
-        <p14:creationId xmlns:p14="http://schemas.microsoft.com/office/powerpoint/2010/main" val="4048649735"/>
+        <p14:creationId xmlns:p14="http://schemas.microsoft.com/office/powerpoint/2010/main" val="277565364"/>
       </p:ext>
     </p:extLst>
   </p:cSld>
@@ -44401,12 +44533,261 @@
           <a:chExt cx="0" cy="0"/>
         </a:xfrm>
       </p:grpSpPr>
+      <p:sp>
+        <p:nvSpPr>
+          <p:cNvPr id="2" name="Date Placeholder 1">
+            <a:extLst>
+              <a:ext uri="{FF2B5EF4-FFF2-40B4-BE49-F238E27FC236}">
+                <a16:creationId xmlns:a16="http://schemas.microsoft.com/office/drawing/2014/main" id="{26458645-5678-4DCA-A5B0-728A0037A195}"/>
+              </a:ext>
+            </a:extLst>
+          </p:cNvPr>
+          <p:cNvSpPr>
+            <a:spLocks noGrp="1"/>
+          </p:cNvSpPr>
+          <p:nvPr>
+            <p:ph type="dt" sz="half" idx="10"/>
+          </p:nvPr>
+        </p:nvSpPr>
+        <p:spPr/>
+        <p:txBody>
+          <a:bodyPr/>
+          <a:lstStyle/>
+          <a:p>
+            <a:r>
+              <a:rPr lang="en-US" dirty="0"/>
+              <a:t>11.10.2018</a:t>
+            </a:r>
+            <a:endParaRPr lang="ru-RU" dirty="0"/>
+          </a:p>
+        </p:txBody>
+      </p:sp>
+      <p:sp>
+        <p:nvSpPr>
+          <p:cNvPr id="3" name="Footer Placeholder 2">
+            <a:extLst>
+              <a:ext uri="{FF2B5EF4-FFF2-40B4-BE49-F238E27FC236}">
+                <a16:creationId xmlns:a16="http://schemas.microsoft.com/office/drawing/2014/main" id="{38543BA3-BD6A-4419-A160-81C5CCACCDEC}"/>
+              </a:ext>
+            </a:extLst>
+          </p:cNvPr>
+          <p:cNvSpPr>
+            <a:spLocks noGrp="1"/>
+          </p:cNvSpPr>
+          <p:nvPr>
+            <p:ph type="ftr" sz="quarter" idx="11"/>
+          </p:nvPr>
+        </p:nvSpPr>
+        <p:spPr>
+          <a:xfrm>
+            <a:off x="1169960" y="5878720"/>
+            <a:ext cx="8235978" cy="298800"/>
+          </a:xfrm>
+        </p:spPr>
+        <p:txBody>
+          <a:bodyPr/>
+          <a:lstStyle/>
+          <a:p>
+            <a:r>
+              <a:rPr lang="en-US" sz="1400" dirty="0"/>
+              <a:t>This was a very helpful resource:   https://stackabuse.com/using-regex-for-text-manipulation-in-python/</a:t>
+            </a:r>
+            <a:endParaRPr lang="ru-RU" sz="1400" dirty="0"/>
+          </a:p>
+        </p:txBody>
+      </p:sp>
+      <p:sp>
+        <p:nvSpPr>
+          <p:cNvPr id="4" name="Slide Number Placeholder 3">
+            <a:extLst>
+              <a:ext uri="{FF2B5EF4-FFF2-40B4-BE49-F238E27FC236}">
+                <a16:creationId xmlns:a16="http://schemas.microsoft.com/office/drawing/2014/main" id="{3B466F3B-63B6-4427-AF2E-7CB97575E095}"/>
+              </a:ext>
+            </a:extLst>
+          </p:cNvPr>
+          <p:cNvSpPr>
+            <a:spLocks noGrp="1"/>
+          </p:cNvSpPr>
+          <p:nvPr>
+            <p:ph type="sldNum" sz="quarter" idx="12"/>
+          </p:nvPr>
+        </p:nvSpPr>
+        <p:spPr/>
+        <p:txBody>
+          <a:bodyPr/>
+          <a:lstStyle/>
+          <a:p>
+            <a:fld id="{8D581BC7-E183-40DB-AC97-C19EA4EB8894}" type="slidenum">
+              <a:rPr lang="ru-RU" smtClean="0"/>
+              <a:pPr/>
+              <a:t>12</a:t>
+            </a:fld>
+            <a:endParaRPr lang="ru-RU" dirty="0"/>
+          </a:p>
+        </p:txBody>
+      </p:sp>
+      <p:sp>
+        <p:nvSpPr>
+          <p:cNvPr id="6" name="Title 1">
+            <a:extLst>
+              <a:ext uri="{FF2B5EF4-FFF2-40B4-BE49-F238E27FC236}">
+                <a16:creationId xmlns:a16="http://schemas.microsoft.com/office/drawing/2014/main" id="{923928E6-39B6-4BB2-ACD8-BC901E78CF43}"/>
+              </a:ext>
+            </a:extLst>
+          </p:cNvPr>
+          <p:cNvSpPr txBox="1">
+            <a:spLocks/>
+          </p:cNvSpPr>
+          <p:nvPr/>
+        </p:nvSpPr>
+        <p:spPr>
+          <a:xfrm>
+            <a:off x="838200" y="365126"/>
+            <a:ext cx="10515600" cy="652969"/>
+          </a:xfrm>
+          <a:prstGeom prst="rect">
+            <a:avLst/>
+          </a:prstGeom>
+        </p:spPr>
+        <p:txBody>
+          <a:bodyPr/>
+          <a:lstStyle>
+            <a:lvl1pPr algn="l" defTabSz="914400" rtl="0" eaLnBrk="1" latinLnBrk="0" hangingPunct="1">
+              <a:lnSpc>
+                <a:spcPct val="90000"/>
+              </a:lnSpc>
+              <a:spcBef>
+                <a:spcPct val="0"/>
+              </a:spcBef>
+              <a:buNone/>
+              <a:defRPr sz="3600" b="1" kern="1200">
+                <a:solidFill>
+                  <a:schemeClr val="bg2"/>
+                </a:solidFill>
+                <a:latin typeface="+mj-lt"/>
+                <a:ea typeface="+mj-ea"/>
+                <a:cs typeface="+mj-cs"/>
+              </a:defRPr>
+            </a:lvl1pPr>
+          </a:lstStyle>
+          <a:p>
+            <a:r>
+              <a:rPr lang="en-US" dirty="0"/>
+              <a:t>Iterrows and regular expressions</a:t>
+            </a:r>
+          </a:p>
+        </p:txBody>
+      </p:sp>
+      <p:sp>
+        <p:nvSpPr>
+          <p:cNvPr id="10" name="TextBox 9">
+            <a:extLst>
+              <a:ext uri="{FF2B5EF4-FFF2-40B4-BE49-F238E27FC236}">
+                <a16:creationId xmlns:a16="http://schemas.microsoft.com/office/drawing/2014/main" id="{EAE171EB-BAE7-4A57-AE8E-A98367A3FEE6}"/>
+              </a:ext>
+            </a:extLst>
+          </p:cNvPr>
+          <p:cNvSpPr txBox="1"/>
+          <p:nvPr/>
+        </p:nvSpPr>
+        <p:spPr>
+          <a:xfrm>
+            <a:off x="7715250" y="1234829"/>
+            <a:ext cx="3829050" cy="3416320"/>
+          </a:xfrm>
+          <a:prstGeom prst="rect">
+            <a:avLst/>
+          </a:prstGeom>
+          <a:noFill/>
+        </p:spPr>
+        <p:txBody>
+          <a:bodyPr wrap="square" rtlCol="0">
+            <a:spAutoFit/>
+          </a:bodyPr>
+          <a:lstStyle/>
+          <a:p>
+            <a:r>
+              <a:rPr lang="en-US" dirty="0"/>
+              <a:t>Result:</a:t>
+            </a:r>
+          </a:p>
+          <a:p>
+            <a:pPr marL="285750" indent="-285750">
+              <a:buFontTx/>
+              <a:buChar char="-"/>
+            </a:pPr>
+            <a:r>
+              <a:rPr lang="en-US" dirty="0"/>
+              <a:t>Four digit strings representing year</a:t>
+            </a:r>
+          </a:p>
+          <a:p>
+            <a:pPr marL="285750" indent="-285750">
+              <a:buFontTx/>
+              <a:buChar char="-"/>
+            </a:pPr>
+            <a:r>
+              <a:rPr lang="en-US" dirty="0"/>
+              <a:t>dtype = object</a:t>
+            </a:r>
+          </a:p>
+          <a:p>
+            <a:endParaRPr lang="en-US" dirty="0"/>
+          </a:p>
+          <a:p>
+            <a:r>
+              <a:rPr lang="en-US" dirty="0"/>
+              <a:t>Issues Encountered with Method:</a:t>
+            </a:r>
+          </a:p>
+          <a:p>
+            <a:pPr marL="285750" indent="-285750">
+              <a:buFontTx/>
+              <a:buChar char="-"/>
+            </a:pPr>
+            <a:r>
+              <a:rPr lang="en-US" dirty="0"/>
+              <a:t>Object not sortable</a:t>
+            </a:r>
+          </a:p>
+          <a:p>
+            <a:pPr marL="285750" indent="-285750">
+              <a:buFontTx/>
+              <a:buChar char="-"/>
+            </a:pPr>
+            <a:r>
+              <a:rPr lang="en-US" dirty="0"/>
+              <a:t>Had to convert to an integer</a:t>
+            </a:r>
+          </a:p>
+          <a:p>
+            <a:pPr marL="285750" indent="-285750">
+              <a:buFontTx/>
+              <a:buChar char="-"/>
+            </a:pPr>
+            <a:r>
+              <a:rPr lang="en-US" dirty="0"/>
+              <a:t>Due to “NaN” or null / missing values, it wanted to default to a float.  </a:t>
+            </a:r>
+          </a:p>
+          <a:p>
+            <a:endParaRPr lang="en-US" dirty="0"/>
+          </a:p>
+          <a:p>
+            <a:pPr marL="285750" indent="-285750">
+              <a:buFontTx/>
+              <a:buChar char="-"/>
+            </a:pPr>
+            <a:endParaRPr lang="en-US" dirty="0"/>
+          </a:p>
+        </p:txBody>
+      </p:sp>
       <p:pic>
         <p:nvPicPr>
-          <p:cNvPr id="5" name="Picture 4">
-            <a:extLst>
-              <a:ext uri="{FF2B5EF4-FFF2-40B4-BE49-F238E27FC236}">
-                <a16:creationId xmlns:a16="http://schemas.microsoft.com/office/drawing/2014/main" id="{AE40F5DC-02E5-4BB1-8806-86FA8D7BB12E}"/>
+          <p:cNvPr id="9" name="Picture 8">
+            <a:extLst>
+              <a:ext uri="{FF2B5EF4-FFF2-40B4-BE49-F238E27FC236}">
+                <a16:creationId xmlns:a16="http://schemas.microsoft.com/office/drawing/2014/main" id="{DD277D44-D706-417A-B0CF-FFEE341AFC95}"/>
               </a:ext>
             </a:extLst>
           </p:cNvPr>
@@ -44423,304 +44804,48 @@
         </p:blipFill>
         <p:spPr>
           <a:xfrm>
-            <a:off x="914060" y="1224072"/>
-            <a:ext cx="6972640" cy="2482276"/>
+            <a:off x="955889" y="2063504"/>
+            <a:ext cx="6553476" cy="3706224"/>
           </a:xfrm>
           <a:prstGeom prst="rect">
             <a:avLst/>
           </a:prstGeom>
         </p:spPr>
       </p:pic>
-      <p:sp>
-        <p:nvSpPr>
-          <p:cNvPr id="2" name="Date Placeholder 1">
-            <a:extLst>
-              <a:ext uri="{FF2B5EF4-FFF2-40B4-BE49-F238E27FC236}">
-                <a16:creationId xmlns:a16="http://schemas.microsoft.com/office/drawing/2014/main" id="{26458645-5678-4DCA-A5B0-728A0037A195}"/>
-              </a:ext>
-            </a:extLst>
-          </p:cNvPr>
-          <p:cNvSpPr>
-            <a:spLocks noGrp="1"/>
-          </p:cNvSpPr>
-          <p:nvPr>
-            <p:ph type="dt" sz="half" idx="10"/>
-          </p:nvPr>
-        </p:nvSpPr>
-        <p:spPr/>
-        <p:txBody>
-          <a:bodyPr/>
-          <a:lstStyle/>
-          <a:p>
-            <a:r>
-              <a:rPr lang="en-US" dirty="0"/>
-              <a:t>11.10.2018</a:t>
-            </a:r>
-            <a:endParaRPr lang="ru-RU" dirty="0"/>
-          </a:p>
-        </p:txBody>
-      </p:sp>
-      <p:sp>
-        <p:nvSpPr>
-          <p:cNvPr id="4" name="Slide Number Placeholder 3">
-            <a:extLst>
-              <a:ext uri="{FF2B5EF4-FFF2-40B4-BE49-F238E27FC236}">
-                <a16:creationId xmlns:a16="http://schemas.microsoft.com/office/drawing/2014/main" id="{3B466F3B-63B6-4427-AF2E-7CB97575E095}"/>
-              </a:ext>
-            </a:extLst>
-          </p:cNvPr>
-          <p:cNvSpPr>
-            <a:spLocks noGrp="1"/>
-          </p:cNvSpPr>
-          <p:nvPr>
-            <p:ph type="sldNum" sz="quarter" idx="12"/>
-          </p:nvPr>
-        </p:nvSpPr>
-        <p:spPr/>
-        <p:txBody>
-          <a:bodyPr/>
-          <a:lstStyle/>
-          <a:p>
-            <a:fld id="{8D581BC7-E183-40DB-AC97-C19EA4EB8894}" type="slidenum">
-              <a:rPr lang="ru-RU" smtClean="0"/>
-              <a:pPr/>
-              <a:t>12</a:t>
-            </a:fld>
-            <a:endParaRPr lang="ru-RU" dirty="0"/>
-          </a:p>
-        </p:txBody>
-      </p:sp>
-      <p:sp>
-        <p:nvSpPr>
-          <p:cNvPr id="6" name="Title 1">
-            <a:extLst>
-              <a:ext uri="{FF2B5EF4-FFF2-40B4-BE49-F238E27FC236}">
-                <a16:creationId xmlns:a16="http://schemas.microsoft.com/office/drawing/2014/main" id="{923928E6-39B6-4BB2-ACD8-BC901E78CF43}"/>
-              </a:ext>
-            </a:extLst>
-          </p:cNvPr>
-          <p:cNvSpPr txBox="1">
-            <a:spLocks/>
-          </p:cNvSpPr>
+      <p:pic>
+        <p:nvPicPr>
+          <p:cNvPr id="14" name="Picture 13">
+            <a:extLst>
+              <a:ext uri="{FF2B5EF4-FFF2-40B4-BE49-F238E27FC236}">
+                <a16:creationId xmlns:a16="http://schemas.microsoft.com/office/drawing/2014/main" id="{F0F9499B-AECD-4BF5-B8BF-C08720A477D7}"/>
+              </a:ext>
+            </a:extLst>
+          </p:cNvPr>
+          <p:cNvPicPr>
+            <a:picLocks noChangeAspect="1"/>
+          </p:cNvPicPr>
           <p:nvPr/>
-        </p:nvSpPr>
-        <p:spPr>
-          <a:xfrm>
-            <a:off x="838200" y="365126"/>
-            <a:ext cx="10515600" cy="652969"/>
+        </p:nvPicPr>
+        <p:blipFill>
+          <a:blip r:embed="rId3"/>
+          <a:stretch>
+            <a:fillRect/>
+          </a:stretch>
+        </p:blipFill>
+        <p:spPr>
+          <a:xfrm>
+            <a:off x="955890" y="1352195"/>
+            <a:ext cx="6553476" cy="318948"/>
           </a:xfrm>
           <a:prstGeom prst="rect">
             <a:avLst/>
           </a:prstGeom>
         </p:spPr>
-        <p:txBody>
-          <a:bodyPr/>
-          <a:lstStyle>
-            <a:lvl1pPr algn="l" defTabSz="914400" rtl="0" eaLnBrk="1" latinLnBrk="0" hangingPunct="1">
-              <a:lnSpc>
-                <a:spcPct val="90000"/>
-              </a:lnSpc>
-              <a:spcBef>
-                <a:spcPct val="0"/>
-              </a:spcBef>
-              <a:buNone/>
-              <a:defRPr sz="3600" b="1" kern="1200">
-                <a:solidFill>
-                  <a:schemeClr val="bg2"/>
-                </a:solidFill>
-                <a:latin typeface="+mj-lt"/>
-                <a:ea typeface="+mj-ea"/>
-                <a:cs typeface="+mj-cs"/>
-              </a:defRPr>
-            </a:lvl1pPr>
-          </a:lstStyle>
-          <a:p>
-            <a:r>
-              <a:rPr lang="en-US" dirty="0"/>
-              <a:t>Dataframe Cleanup</a:t>
-            </a:r>
-          </a:p>
-        </p:txBody>
-      </p:sp>
-      <p:sp>
-        <p:nvSpPr>
-          <p:cNvPr id="7" name="Oval 6">
-            <a:extLst>
-              <a:ext uri="{FF2B5EF4-FFF2-40B4-BE49-F238E27FC236}">
-                <a16:creationId xmlns:a16="http://schemas.microsoft.com/office/drawing/2014/main" id="{A35C6A30-F6EC-418A-90B9-1F591F844EE8}"/>
-              </a:ext>
-            </a:extLst>
-          </p:cNvPr>
-          <p:cNvSpPr/>
-          <p:nvPr/>
-        </p:nvSpPr>
-        <p:spPr>
-          <a:xfrm>
-            <a:off x="3381375" y="2343150"/>
-            <a:ext cx="695325" cy="457200"/>
-          </a:xfrm>
-          <a:prstGeom prst="ellipse">
-            <a:avLst/>
-          </a:prstGeom>
-          <a:noFill/>
-          <a:ln>
-            <a:solidFill>
-              <a:schemeClr val="accent3">
-                <a:lumMod val="60000"/>
-                <a:lumOff val="40000"/>
-              </a:schemeClr>
-            </a:solidFill>
-          </a:ln>
-        </p:spPr>
-        <p:style>
-          <a:lnRef idx="2">
-            <a:schemeClr val="accent1">
-              <a:shade val="50000"/>
-            </a:schemeClr>
-          </a:lnRef>
-          <a:fillRef idx="1">
-            <a:schemeClr val="accent1"/>
-          </a:fillRef>
-          <a:effectRef idx="0">
-            <a:schemeClr val="accent1"/>
-          </a:effectRef>
-          <a:fontRef idx="minor">
-            <a:schemeClr val="lt1"/>
-          </a:fontRef>
-        </p:style>
-        <p:txBody>
-          <a:bodyPr rot="0" spcFirstLastPara="0" vertOverflow="overflow" horzOverflow="overflow" vert="horz" wrap="square" lIns="91440" tIns="45720" rIns="91440" bIns="45720" numCol="1" spcCol="0" rtlCol="0" fromWordArt="0" anchor="ctr" anchorCtr="0" forceAA="0" compatLnSpc="1">
-            <a:prstTxWarp prst="textNoShape">
-              <a:avLst/>
-            </a:prstTxWarp>
-            <a:noAutofit/>
-          </a:bodyPr>
-          <a:lstStyle/>
-          <a:p>
-            <a:pPr algn="ctr"/>
-            <a:endParaRPr lang="en-US" dirty="0"/>
-          </a:p>
-        </p:txBody>
-      </p:sp>
-      <p:sp>
-        <p:nvSpPr>
-          <p:cNvPr id="8" name="Oval 7">
-            <a:extLst>
-              <a:ext uri="{FF2B5EF4-FFF2-40B4-BE49-F238E27FC236}">
-                <a16:creationId xmlns:a16="http://schemas.microsoft.com/office/drawing/2014/main" id="{FE4F8680-AA0D-4443-9F87-F62647C7A341}"/>
-              </a:ext>
-            </a:extLst>
-          </p:cNvPr>
-          <p:cNvSpPr/>
-          <p:nvPr/>
-        </p:nvSpPr>
-        <p:spPr>
-          <a:xfrm>
-            <a:off x="2909887" y="2653069"/>
-            <a:ext cx="695325" cy="457200"/>
-          </a:xfrm>
-          <a:prstGeom prst="ellipse">
-            <a:avLst/>
-          </a:prstGeom>
-          <a:noFill/>
-          <a:ln>
-            <a:solidFill>
-              <a:schemeClr val="accent3">
-                <a:lumMod val="60000"/>
-                <a:lumOff val="40000"/>
-              </a:schemeClr>
-            </a:solidFill>
-          </a:ln>
-        </p:spPr>
-        <p:style>
-          <a:lnRef idx="2">
-            <a:schemeClr val="accent1">
-              <a:shade val="50000"/>
-            </a:schemeClr>
-          </a:lnRef>
-          <a:fillRef idx="1">
-            <a:schemeClr val="accent1"/>
-          </a:fillRef>
-          <a:effectRef idx="0">
-            <a:schemeClr val="accent1"/>
-          </a:effectRef>
-          <a:fontRef idx="minor">
-            <a:schemeClr val="lt1"/>
-          </a:fontRef>
-        </p:style>
-        <p:txBody>
-          <a:bodyPr rot="0" spcFirstLastPara="0" vertOverflow="overflow" horzOverflow="overflow" vert="horz" wrap="square" lIns="91440" tIns="45720" rIns="91440" bIns="45720" numCol="1" spcCol="0" rtlCol="0" fromWordArt="0" anchor="ctr" anchorCtr="0" forceAA="0" compatLnSpc="1">
-            <a:prstTxWarp prst="textNoShape">
-              <a:avLst/>
-            </a:prstTxWarp>
-            <a:noAutofit/>
-          </a:bodyPr>
-          <a:lstStyle/>
-          <a:p>
-            <a:pPr algn="ctr"/>
-            <a:endParaRPr lang="en-US" dirty="0"/>
-          </a:p>
-        </p:txBody>
-      </p:sp>
-      <p:sp>
-        <p:nvSpPr>
-          <p:cNvPr id="10" name="TextBox 9">
-            <a:extLst>
-              <a:ext uri="{FF2B5EF4-FFF2-40B4-BE49-F238E27FC236}">
-                <a16:creationId xmlns:a16="http://schemas.microsoft.com/office/drawing/2014/main" id="{EAE171EB-BAE7-4A57-AE8E-A98367A3FEE6}"/>
-              </a:ext>
-            </a:extLst>
-          </p:cNvPr>
-          <p:cNvSpPr txBox="1"/>
-          <p:nvPr/>
-        </p:nvSpPr>
-        <p:spPr>
-          <a:xfrm>
-            <a:off x="838200" y="3767682"/>
-            <a:ext cx="4767603" cy="923330"/>
-          </a:xfrm>
-          <a:prstGeom prst="rect">
-            <a:avLst/>
-          </a:prstGeom>
-          <a:noFill/>
-        </p:spPr>
-        <p:txBody>
-          <a:bodyPr wrap="square" rtlCol="0">
-            <a:spAutoFit/>
-          </a:bodyPr>
-          <a:lstStyle/>
-          <a:p>
-            <a:r>
-              <a:rPr lang="en-US" dirty="0"/>
-              <a:t>Issues:  </a:t>
-            </a:r>
-          </a:p>
-          <a:p>
-            <a:pPr marL="285750" indent="-285750">
-              <a:buFont typeface="Arial" panose="020B0604020202020204" pitchFamily="34" charset="0"/>
-              <a:buChar char="•"/>
-            </a:pPr>
-            <a:r>
-              <a:rPr lang="en-US" dirty="0"/>
-              <a:t>The year or vintage is buried in a text string</a:t>
-            </a:r>
-          </a:p>
-          <a:p>
-            <a:pPr marL="285750" indent="-285750">
-              <a:buFont typeface="Arial" panose="020B0604020202020204" pitchFamily="34" charset="0"/>
-              <a:buChar char="•"/>
-            </a:pPr>
-            <a:r>
-              <a:rPr lang="en-US" dirty="0"/>
-              <a:t>Location in the string varies</a:t>
-            </a:r>
-          </a:p>
-        </p:txBody>
-      </p:sp>
+      </p:pic>
     </p:spTree>
     <p:extLst>
       <p:ext uri="{BB962C8B-B14F-4D97-AF65-F5344CB8AC3E}">
-        <p14:creationId xmlns:p14="http://schemas.microsoft.com/office/powerpoint/2010/main" val="277565364"/>
+        <p14:creationId xmlns:p14="http://schemas.microsoft.com/office/powerpoint/2010/main" val="2211332692"/>
       </p:ext>
     </p:extLst>
   </p:cSld>
@@ -44749,10 +44874,45 @@
       </p:grpSpPr>
       <p:sp>
         <p:nvSpPr>
-          <p:cNvPr id="2" name="Date Placeholder 1">
-            <a:extLst>
-              <a:ext uri="{FF2B5EF4-FFF2-40B4-BE49-F238E27FC236}">
-                <a16:creationId xmlns:a16="http://schemas.microsoft.com/office/drawing/2014/main" id="{26458645-5678-4DCA-A5B0-728A0037A195}"/>
+          <p:cNvPr id="2" name="Title 1">
+            <a:extLst>
+              <a:ext uri="{FF2B5EF4-FFF2-40B4-BE49-F238E27FC236}">
+                <a16:creationId xmlns:a16="http://schemas.microsoft.com/office/drawing/2014/main" id="{C23E0FD3-D0E6-48A7-BD5D-D62633B3D248}"/>
+              </a:ext>
+            </a:extLst>
+          </p:cNvPr>
+          <p:cNvSpPr>
+            <a:spLocks noGrp="1"/>
+          </p:cNvSpPr>
+          <p:nvPr>
+            <p:ph type="title"/>
+          </p:nvPr>
+        </p:nvSpPr>
+        <p:spPr>
+          <a:xfrm>
+            <a:off x="4292599" y="4269117"/>
+            <a:ext cx="7104280" cy="804338"/>
+          </a:xfrm>
+        </p:spPr>
+        <p:txBody>
+          <a:bodyPr>
+            <a:normAutofit fontScale="90000"/>
+          </a:bodyPr>
+          <a:lstStyle/>
+          <a:p>
+            <a:r>
+              <a:rPr lang="en-US" dirty="0"/>
+              <a:t>What vintages are most prevalent?</a:t>
+            </a:r>
+          </a:p>
+        </p:txBody>
+      </p:sp>
+      <p:sp>
+        <p:nvSpPr>
+          <p:cNvPr id="3" name="Date Placeholder 2">
+            <a:extLst>
+              <a:ext uri="{FF2B5EF4-FFF2-40B4-BE49-F238E27FC236}">
+                <a16:creationId xmlns:a16="http://schemas.microsoft.com/office/drawing/2014/main" id="{7D374778-3FD0-41C5-BBB7-089F90AE2115}"/>
               </a:ext>
             </a:extLst>
           </p:cNvPr>
@@ -44778,10 +44938,10 @@
       </p:sp>
       <p:sp>
         <p:nvSpPr>
-          <p:cNvPr id="3" name="Footer Placeholder 2">
-            <a:extLst>
-              <a:ext uri="{FF2B5EF4-FFF2-40B4-BE49-F238E27FC236}">
-                <a16:creationId xmlns:a16="http://schemas.microsoft.com/office/drawing/2014/main" id="{38543BA3-BD6A-4419-A160-81C5CCACCDEC}"/>
+          <p:cNvPr id="4" name="Footer Placeholder 3">
+            <a:extLst>
+              <a:ext uri="{FF2B5EF4-FFF2-40B4-BE49-F238E27FC236}">
+                <a16:creationId xmlns:a16="http://schemas.microsoft.com/office/drawing/2014/main" id="{E1BF5346-7BD4-44CE-9487-D284ED90E960}"/>
               </a:ext>
             </a:extLst>
           </p:cNvPr>
@@ -44792,30 +44952,25 @@
             <p:ph type="ftr" sz="quarter" idx="11"/>
           </p:nvPr>
         </p:nvSpPr>
-        <p:spPr>
-          <a:xfrm>
-            <a:off x="1169960" y="5878720"/>
-            <a:ext cx="8235978" cy="298800"/>
-          </a:xfrm>
-        </p:spPr>
+        <p:spPr/>
         <p:txBody>
           <a:bodyPr/>
           <a:lstStyle/>
           <a:p>
             <a:r>
-              <a:rPr lang="en-US" sz="1400" dirty="0"/>
-              <a:t>This was a very helpful resource:   https://stackabuse.com/using-regex-for-text-manipulation-in-python/</a:t>
-            </a:r>
-            <a:endParaRPr lang="ru-RU" sz="1400" dirty="0"/>
-          </a:p>
-        </p:txBody>
-      </p:sp>
-      <p:sp>
-        <p:nvSpPr>
-          <p:cNvPr id="4" name="Slide Number Placeholder 3">
-            <a:extLst>
-              <a:ext uri="{FF2B5EF4-FFF2-40B4-BE49-F238E27FC236}">
-                <a16:creationId xmlns:a16="http://schemas.microsoft.com/office/drawing/2014/main" id="{3B466F3B-63B6-4427-AF2E-7CB97575E095}"/>
+              <a:rPr lang="en-US" dirty="0"/>
+              <a:t>Wine information from cellarnotes.net, and wine spectator.com</a:t>
+            </a:r>
+            <a:endParaRPr lang="ru-RU" dirty="0"/>
+          </a:p>
+        </p:txBody>
+      </p:sp>
+      <p:sp>
+        <p:nvSpPr>
+          <p:cNvPr id="5" name="Slide Number Placeholder 4">
+            <a:extLst>
+              <a:ext uri="{FF2B5EF4-FFF2-40B4-BE49-F238E27FC236}">
+                <a16:creationId xmlns:a16="http://schemas.microsoft.com/office/drawing/2014/main" id="{4E0D58E0-FB88-44D3-8151-6E5B0CF49491}"/>
               </a:ext>
             </a:extLst>
           </p:cNvPr>
@@ -44840,226 +44995,205 @@
           </a:p>
         </p:txBody>
       </p:sp>
-      <p:sp>
-        <p:nvSpPr>
-          <p:cNvPr id="6" name="Title 1">
-            <a:extLst>
-              <a:ext uri="{FF2B5EF4-FFF2-40B4-BE49-F238E27FC236}">
-                <a16:creationId xmlns:a16="http://schemas.microsoft.com/office/drawing/2014/main" id="{923928E6-39B6-4BB2-ACD8-BC901E78CF43}"/>
-              </a:ext>
-            </a:extLst>
-          </p:cNvPr>
-          <p:cNvSpPr txBox="1">
-            <a:spLocks/>
-          </p:cNvSpPr>
-          <p:nvPr/>
-        </p:nvSpPr>
-        <p:spPr>
-          <a:xfrm>
-            <a:off x="838200" y="365126"/>
-            <a:ext cx="10515600" cy="652969"/>
-          </a:xfrm>
-          <a:prstGeom prst="rect">
-            <a:avLst/>
-          </a:prstGeom>
-        </p:spPr>
-        <p:txBody>
-          <a:bodyPr/>
-          <a:lstStyle>
-            <a:lvl1pPr algn="l" defTabSz="914400" rtl="0" eaLnBrk="1" latinLnBrk="0" hangingPunct="1">
-              <a:lnSpc>
-                <a:spcPct val="90000"/>
-              </a:lnSpc>
-              <a:spcBef>
-                <a:spcPct val="0"/>
-              </a:spcBef>
-              <a:buNone/>
-              <a:defRPr sz="3600" b="1" kern="1200">
-                <a:solidFill>
-                  <a:schemeClr val="bg2"/>
-                </a:solidFill>
-                <a:latin typeface="+mj-lt"/>
-                <a:ea typeface="+mj-ea"/>
-                <a:cs typeface="+mj-cs"/>
-              </a:defRPr>
-            </a:lvl1pPr>
-          </a:lstStyle>
-          <a:p>
-            <a:r>
-              <a:rPr lang="en-US" dirty="0"/>
-              <a:t>Iterrows and regular expressions</a:t>
-            </a:r>
-          </a:p>
-        </p:txBody>
-      </p:sp>
-      <p:sp>
-        <p:nvSpPr>
-          <p:cNvPr id="10" name="TextBox 9">
-            <a:extLst>
-              <a:ext uri="{FF2B5EF4-FFF2-40B4-BE49-F238E27FC236}">
-                <a16:creationId xmlns:a16="http://schemas.microsoft.com/office/drawing/2014/main" id="{EAE171EB-BAE7-4A57-AE8E-A98367A3FEE6}"/>
-              </a:ext>
-            </a:extLst>
-          </p:cNvPr>
-          <p:cNvSpPr txBox="1"/>
-          <p:nvPr/>
-        </p:nvSpPr>
-        <p:spPr>
-          <a:xfrm>
-            <a:off x="7715250" y="1234829"/>
-            <a:ext cx="3829050" cy="3416320"/>
-          </a:xfrm>
-          <a:prstGeom prst="rect">
-            <a:avLst/>
-          </a:prstGeom>
-          <a:noFill/>
-        </p:spPr>
-        <p:txBody>
-          <a:bodyPr wrap="square" rtlCol="0">
-            <a:spAutoFit/>
-          </a:bodyPr>
-          <a:lstStyle/>
-          <a:p>
-            <a:r>
-              <a:rPr lang="en-US" dirty="0"/>
-              <a:t>Result:</a:t>
-            </a:r>
-          </a:p>
-          <a:p>
-            <a:pPr marL="285750" indent="-285750">
-              <a:buFontTx/>
-              <a:buChar char="-"/>
-            </a:pPr>
-            <a:r>
-              <a:rPr lang="en-US" dirty="0"/>
-              <a:t>Four digit strings representing year</a:t>
-            </a:r>
-          </a:p>
-          <a:p>
-            <a:pPr marL="285750" indent="-285750">
-              <a:buFontTx/>
-              <a:buChar char="-"/>
-            </a:pPr>
-            <a:r>
-              <a:rPr lang="en-US" dirty="0"/>
-              <a:t>dtype = object</a:t>
-            </a:r>
-          </a:p>
-          <a:p>
-            <a:endParaRPr lang="en-US" dirty="0"/>
-          </a:p>
-          <a:p>
-            <a:r>
-              <a:rPr lang="en-US" dirty="0"/>
-              <a:t>Issues Encountered with Method:</a:t>
-            </a:r>
-          </a:p>
-          <a:p>
-            <a:pPr marL="285750" indent="-285750">
-              <a:buFontTx/>
-              <a:buChar char="-"/>
-            </a:pPr>
-            <a:r>
-              <a:rPr lang="en-US" dirty="0"/>
-              <a:t>Object not sortable</a:t>
-            </a:r>
-          </a:p>
-          <a:p>
-            <a:pPr marL="285750" indent="-285750">
-              <a:buFontTx/>
-              <a:buChar char="-"/>
-            </a:pPr>
-            <a:r>
-              <a:rPr lang="en-US" dirty="0"/>
-              <a:t>Had to convert to an integer</a:t>
-            </a:r>
-          </a:p>
-          <a:p>
-            <a:pPr marL="285750" indent="-285750">
-              <a:buFontTx/>
-              <a:buChar char="-"/>
-            </a:pPr>
-            <a:r>
-              <a:rPr lang="en-US" dirty="0"/>
-              <a:t>Due to “NaN” or null / missing values, it wanted to default to a float.  </a:t>
-            </a:r>
-          </a:p>
-          <a:p>
-            <a:endParaRPr lang="en-US" dirty="0"/>
-          </a:p>
-          <a:p>
-            <a:pPr marL="285750" indent="-285750">
-              <a:buFontTx/>
-              <a:buChar char="-"/>
-            </a:pPr>
-            <a:endParaRPr lang="en-US" dirty="0"/>
-          </a:p>
-        </p:txBody>
-      </p:sp>
       <p:pic>
         <p:nvPicPr>
-          <p:cNvPr id="9" name="Picture 8">
-            <a:extLst>
-              <a:ext uri="{FF2B5EF4-FFF2-40B4-BE49-F238E27FC236}">
-                <a16:creationId xmlns:a16="http://schemas.microsoft.com/office/drawing/2014/main" id="{DD277D44-D706-417A-B0CF-FFEE341AFC95}"/>
+          <p:cNvPr id="30" name="Picture Placeholder 29">
+            <a:extLst>
+              <a:ext uri="{FF2B5EF4-FFF2-40B4-BE49-F238E27FC236}">
+                <a16:creationId xmlns:a16="http://schemas.microsoft.com/office/drawing/2014/main" id="{FE1D9133-7426-456F-AFCF-900BF23C7962}"/>
               </a:ext>
             </a:extLst>
           </p:cNvPr>
           <p:cNvPicPr>
-            <a:picLocks noChangeAspect="1"/>
+            <a:picLocks noGrp="1" noChangeAspect="1"/>
           </p:cNvPicPr>
-          <p:nvPr/>
+          <p:nvPr>
+            <p:ph type="pic" sz="quarter" idx="13"/>
+          </p:nvPr>
         </p:nvPicPr>
         <p:blipFill>
           <a:blip r:embed="rId2"/>
+          <a:srcRect l="725" r="725"/>
           <a:stretch>
             <a:fillRect/>
           </a:stretch>
         </p:blipFill>
         <p:spPr>
           <a:xfrm>
-            <a:off x="955889" y="2063504"/>
-            <a:ext cx="6553476" cy="3706224"/>
+            <a:off x="4292600" y="555812"/>
+            <a:ext cx="7213634" cy="3667949"/>
+          </a:xfrm>
+          <a:effectLst>
+            <a:outerShdw blurRad="50800" dist="38100" dir="2700000" algn="tl" rotWithShape="0">
+              <a:prstClr val="black">
+                <a:alpha val="40000"/>
+              </a:prstClr>
+            </a:outerShdw>
+          </a:effectLst>
+        </p:spPr>
+      </p:pic>
+      <p:sp>
+        <p:nvSpPr>
+          <p:cNvPr id="18" name="Content Placeholder 17">
+            <a:extLst>
+              <a:ext uri="{FF2B5EF4-FFF2-40B4-BE49-F238E27FC236}">
+                <a16:creationId xmlns:a16="http://schemas.microsoft.com/office/drawing/2014/main" id="{7AD4EFBE-FBAC-4B70-9CE9-BCDA648E19F8}"/>
+              </a:ext>
+            </a:extLst>
+          </p:cNvPr>
+          <p:cNvSpPr>
+            <a:spLocks noGrp="1"/>
+          </p:cNvSpPr>
+          <p:nvPr>
+            <p:ph type="body" idx="14"/>
+          </p:nvPr>
+        </p:nvSpPr>
+        <p:spPr>
+          <a:xfrm>
+            <a:off x="392573" y="3392200"/>
+            <a:ext cx="3776016" cy="2210173"/>
+          </a:xfrm>
+        </p:spPr>
+        <p:txBody>
+          <a:bodyPr/>
+          <a:lstStyle/>
+          <a:p>
+            <a:r>
+              <a:rPr lang="en-US" dirty="0">
+                <a:solidFill>
+                  <a:schemeClr val="bg2"/>
+                </a:solidFill>
+              </a:rPr>
+              <a:t>The bulk of the data is found between 2005 to 2016.  This is a range of 12 years.  </a:t>
+            </a:r>
+          </a:p>
+          <a:p>
+            <a:r>
+              <a:rPr lang="en-US" b="1" dirty="0">
+                <a:solidFill>
+                  <a:schemeClr val="bg2"/>
+                </a:solidFill>
+              </a:rPr>
+              <a:t>The most prevalent wines in the dataset are from 2012 – 2014.</a:t>
+            </a:r>
+          </a:p>
+          <a:p>
+            <a:r>
+              <a:rPr lang="en-US" dirty="0"/>
+              <a:t>Based on this research, we should not be worried that we won’t find a “good” wine that hasn’t aged for over 10 years… </a:t>
+            </a:r>
+          </a:p>
+        </p:txBody>
+      </p:sp>
+      <p:sp>
+        <p:nvSpPr>
+          <p:cNvPr id="31" name="Rectangle 30">
+            <a:extLst>
+              <a:ext uri="{FF2B5EF4-FFF2-40B4-BE49-F238E27FC236}">
+                <a16:creationId xmlns:a16="http://schemas.microsoft.com/office/drawing/2014/main" id="{F5D7BB3A-CC60-4585-AD75-53595EDFB5BC}"/>
+              </a:ext>
+            </a:extLst>
+          </p:cNvPr>
+          <p:cNvSpPr/>
+          <p:nvPr/>
+        </p:nvSpPr>
+        <p:spPr>
+          <a:xfrm>
+            <a:off x="551330" y="680480"/>
+            <a:ext cx="3585882" cy="1754326"/>
           </a:xfrm>
           <a:prstGeom prst="rect">
             <a:avLst/>
           </a:prstGeom>
         </p:spPr>
-      </p:pic>
-      <p:pic>
-        <p:nvPicPr>
-          <p:cNvPr id="14" name="Picture 13">
-            <a:extLst>
-              <a:ext uri="{FF2B5EF4-FFF2-40B4-BE49-F238E27FC236}">
-                <a16:creationId xmlns:a16="http://schemas.microsoft.com/office/drawing/2014/main" id="{F0F9499B-AECD-4BF5-B8BF-C08720A477D7}"/>
-              </a:ext>
-            </a:extLst>
-          </p:cNvPr>
-          <p:cNvPicPr>
-            <a:picLocks noChangeAspect="1"/>
-          </p:cNvPicPr>
+        <p:txBody>
+          <a:bodyPr wrap="square">
+            <a:spAutoFit/>
+          </a:bodyPr>
+          <a:lstStyle/>
+          <a:p>
+            <a:r>
+              <a:rPr lang="en-US" dirty="0">
+                <a:solidFill>
+                  <a:schemeClr val="bg2"/>
+                </a:solidFill>
+                <a:latin typeface="Arial" panose="020B0604020202020204" pitchFamily="34" charset="0"/>
+              </a:rPr>
+              <a:t>“…</a:t>
+            </a:r>
+            <a:r>
+              <a:rPr lang="en-US" dirty="0"/>
+              <a:t>today's wine lover is well advised to buy fine wines, cellar them in a cool space for five years—10 years, tops—and then drink them…</a:t>
+            </a:r>
+            <a:r>
+              <a:rPr lang="en-US" dirty="0">
+                <a:solidFill>
+                  <a:schemeClr val="bg2"/>
+                </a:solidFill>
+                <a:latin typeface="Arial" panose="020B0604020202020204" pitchFamily="34" charset="0"/>
+              </a:rPr>
+              <a:t> ”</a:t>
+            </a:r>
+            <a:br>
+              <a:rPr lang="en-US" dirty="0">
+                <a:solidFill>
+                  <a:schemeClr val="bg2"/>
+                </a:solidFill>
+              </a:rPr>
+            </a:br>
+            <a:endParaRPr lang="en-US" dirty="0">
+              <a:solidFill>
+                <a:schemeClr val="bg2"/>
+              </a:solidFill>
+            </a:endParaRPr>
+          </a:p>
+        </p:txBody>
+      </p:sp>
+      <p:sp>
+        <p:nvSpPr>
+          <p:cNvPr id="34" name="Rectangle 33">
+            <a:extLst>
+              <a:ext uri="{FF2B5EF4-FFF2-40B4-BE49-F238E27FC236}">
+                <a16:creationId xmlns:a16="http://schemas.microsoft.com/office/drawing/2014/main" id="{5F87E1B6-CF59-4803-922B-353ECA9AEDC2}"/>
+              </a:ext>
+            </a:extLst>
+          </p:cNvPr>
+          <p:cNvSpPr/>
           <p:nvPr/>
-        </p:nvPicPr>
-        <p:blipFill>
-          <a:blip r:embed="rId3"/>
-          <a:stretch>
-            <a:fillRect/>
-          </a:stretch>
-        </p:blipFill>
-        <p:spPr>
-          <a:xfrm>
-            <a:off x="955890" y="1352195"/>
-            <a:ext cx="6553476" cy="318948"/>
+        </p:nvSpPr>
+        <p:spPr>
+          <a:xfrm>
+            <a:off x="4452464" y="5187033"/>
+            <a:ext cx="6096000" cy="646331"/>
           </a:xfrm>
           <a:prstGeom prst="rect">
             <a:avLst/>
           </a:prstGeom>
         </p:spPr>
-      </p:pic>
+        <p:txBody>
+          <a:bodyPr>
+            <a:spAutoFit/>
+          </a:bodyPr>
+          <a:lstStyle/>
+          <a:p>
+            <a:r>
+              <a:rPr lang="en-US" i="1" dirty="0">
+                <a:solidFill>
+                  <a:schemeClr val="accent2">
+                    <a:lumMod val="60000"/>
+                    <a:lumOff val="40000"/>
+                  </a:schemeClr>
+                </a:solidFill>
+              </a:rPr>
+              <a:t>“Of all the wines produced, more than 90% are designed to be consumed within a couple of years after they are produced. ”</a:t>
+            </a:r>
+          </a:p>
+        </p:txBody>
+      </p:sp>
     </p:spTree>
     <p:extLst>
       <p:ext uri="{BB962C8B-B14F-4D97-AF65-F5344CB8AC3E}">
-        <p14:creationId xmlns:p14="http://schemas.microsoft.com/office/powerpoint/2010/main" val="2211332692"/>
+        <p14:creationId xmlns:p14="http://schemas.microsoft.com/office/powerpoint/2010/main" val="1289532836"/>
       </p:ext>
     </p:extLst>
   </p:cSld>
@@ -45088,6 +45222,94 @@
       </p:grpSpPr>
       <p:sp>
         <p:nvSpPr>
+          <p:cNvPr id="3" name="Date Placeholder 2">
+            <a:extLst>
+              <a:ext uri="{FF2B5EF4-FFF2-40B4-BE49-F238E27FC236}">
+                <a16:creationId xmlns:a16="http://schemas.microsoft.com/office/drawing/2014/main" id="{7D374778-3FD0-41C5-BBB7-089F90AE2115}"/>
+              </a:ext>
+            </a:extLst>
+          </p:cNvPr>
+          <p:cNvSpPr>
+            <a:spLocks noGrp="1"/>
+          </p:cNvSpPr>
+          <p:nvPr>
+            <p:ph type="dt" sz="half" idx="10"/>
+          </p:nvPr>
+        </p:nvSpPr>
+        <p:spPr/>
+        <p:txBody>
+          <a:bodyPr/>
+          <a:lstStyle/>
+          <a:p>
+            <a:r>
+              <a:rPr lang="en-US" dirty="0"/>
+              <a:t>11.10.2018</a:t>
+            </a:r>
+            <a:endParaRPr lang="ru-RU" dirty="0"/>
+          </a:p>
+        </p:txBody>
+      </p:sp>
+      <p:sp>
+        <p:nvSpPr>
+          <p:cNvPr id="4" name="Footer Placeholder 3">
+            <a:extLst>
+              <a:ext uri="{FF2B5EF4-FFF2-40B4-BE49-F238E27FC236}">
+                <a16:creationId xmlns:a16="http://schemas.microsoft.com/office/drawing/2014/main" id="{E1BF5346-7BD4-44CE-9487-D284ED90E960}"/>
+              </a:ext>
+            </a:extLst>
+          </p:cNvPr>
+          <p:cNvSpPr>
+            <a:spLocks noGrp="1"/>
+          </p:cNvSpPr>
+          <p:nvPr>
+            <p:ph type="ftr" sz="quarter" idx="11"/>
+          </p:nvPr>
+        </p:nvSpPr>
+        <p:spPr/>
+        <p:txBody>
+          <a:bodyPr/>
+          <a:lstStyle/>
+          <a:p>
+            <a:r>
+              <a:rPr lang="en-US" dirty="0"/>
+              <a:t>Wine information from cellarnotes.net, and wine spectator.com, Vintage data was extracted from the dataset’s wine title. </a:t>
+            </a:r>
+            <a:endParaRPr lang="ru-RU" dirty="0"/>
+          </a:p>
+        </p:txBody>
+      </p:sp>
+      <p:sp>
+        <p:nvSpPr>
+          <p:cNvPr id="5" name="Slide Number Placeholder 4">
+            <a:extLst>
+              <a:ext uri="{FF2B5EF4-FFF2-40B4-BE49-F238E27FC236}">
+                <a16:creationId xmlns:a16="http://schemas.microsoft.com/office/drawing/2014/main" id="{4E0D58E0-FB88-44D3-8151-6E5B0CF49491}"/>
+              </a:ext>
+            </a:extLst>
+          </p:cNvPr>
+          <p:cNvSpPr>
+            <a:spLocks noGrp="1"/>
+          </p:cNvSpPr>
+          <p:nvPr>
+            <p:ph type="sldNum" sz="quarter" idx="12"/>
+          </p:nvPr>
+        </p:nvSpPr>
+        <p:spPr/>
+        <p:txBody>
+          <a:bodyPr/>
+          <a:lstStyle/>
+          <a:p>
+            <a:fld id="{8D581BC7-E183-40DB-AC97-C19EA4EB8894}" type="slidenum">
+              <a:rPr lang="ru-RU" smtClean="0"/>
+              <a:pPr/>
+              <a:t>14</a:t>
+            </a:fld>
+            <a:endParaRPr lang="ru-RU" dirty="0"/>
+          </a:p>
+        </p:txBody>
+      </p:sp>
+      <p:sp>
+        <p:nvSpPr>
           <p:cNvPr id="2" name="Title 1">
             <a:extLst>
               <a:ext uri="{FF2B5EF4-FFF2-40B4-BE49-F238E27FC236}">
@@ -45104,8 +45326,8 @@
         </p:nvSpPr>
         <p:spPr>
           <a:xfrm>
-            <a:off x="4292599" y="4269117"/>
-            <a:ext cx="7104280" cy="804338"/>
+            <a:off x="645660" y="427788"/>
+            <a:ext cx="8045903" cy="505383"/>
           </a:xfrm>
         </p:spPr>
         <p:txBody>
@@ -45116,142 +45338,17 @@
           <a:p>
             <a:r>
               <a:rPr lang="en-US" dirty="0"/>
-              <a:t>What vintages are most prevalent?</a:t>
-            </a:r>
-          </a:p>
-        </p:txBody>
-      </p:sp>
-      <p:sp>
-        <p:nvSpPr>
-          <p:cNvPr id="3" name="Date Placeholder 2">
-            <a:extLst>
-              <a:ext uri="{FF2B5EF4-FFF2-40B4-BE49-F238E27FC236}">
-                <a16:creationId xmlns:a16="http://schemas.microsoft.com/office/drawing/2014/main" id="{7D374778-3FD0-41C5-BBB7-089F90AE2115}"/>
-              </a:ext>
-            </a:extLst>
-          </p:cNvPr>
-          <p:cNvSpPr>
-            <a:spLocks noGrp="1"/>
-          </p:cNvSpPr>
-          <p:nvPr>
-            <p:ph type="dt" sz="half" idx="10"/>
-          </p:nvPr>
-        </p:nvSpPr>
-        <p:spPr/>
-        <p:txBody>
-          <a:bodyPr/>
-          <a:lstStyle/>
-          <a:p>
-            <a:r>
-              <a:rPr lang="en-US" dirty="0"/>
-              <a:t>11.10.2018</a:t>
-            </a:r>
-            <a:endParaRPr lang="ru-RU" dirty="0"/>
-          </a:p>
-        </p:txBody>
-      </p:sp>
-      <p:sp>
-        <p:nvSpPr>
-          <p:cNvPr id="4" name="Footer Placeholder 3">
-            <a:extLst>
-              <a:ext uri="{FF2B5EF4-FFF2-40B4-BE49-F238E27FC236}">
-                <a16:creationId xmlns:a16="http://schemas.microsoft.com/office/drawing/2014/main" id="{E1BF5346-7BD4-44CE-9487-D284ED90E960}"/>
-              </a:ext>
-            </a:extLst>
-          </p:cNvPr>
-          <p:cNvSpPr>
-            <a:spLocks noGrp="1"/>
-          </p:cNvSpPr>
-          <p:nvPr>
-            <p:ph type="ftr" sz="quarter" idx="11"/>
-          </p:nvPr>
-        </p:nvSpPr>
-        <p:spPr/>
-        <p:txBody>
-          <a:bodyPr/>
-          <a:lstStyle/>
-          <a:p>
-            <a:r>
-              <a:rPr lang="en-US" dirty="0"/>
-              <a:t>Wine information from cellarnotes.net, and wine spectator.com</a:t>
-            </a:r>
-            <a:endParaRPr lang="ru-RU" dirty="0"/>
-          </a:p>
-        </p:txBody>
-      </p:sp>
-      <p:sp>
-        <p:nvSpPr>
-          <p:cNvPr id="5" name="Slide Number Placeholder 4">
-            <a:extLst>
-              <a:ext uri="{FF2B5EF4-FFF2-40B4-BE49-F238E27FC236}">
-                <a16:creationId xmlns:a16="http://schemas.microsoft.com/office/drawing/2014/main" id="{4E0D58E0-FB88-44D3-8151-6E5B0CF49491}"/>
-              </a:ext>
-            </a:extLst>
-          </p:cNvPr>
-          <p:cNvSpPr>
-            <a:spLocks noGrp="1"/>
-          </p:cNvSpPr>
-          <p:nvPr>
-            <p:ph type="sldNum" sz="quarter" idx="12"/>
-          </p:nvPr>
-        </p:nvSpPr>
-        <p:spPr/>
-        <p:txBody>
-          <a:bodyPr/>
-          <a:lstStyle/>
-          <a:p>
-            <a:fld id="{8D581BC7-E183-40DB-AC97-C19EA4EB8894}" type="slidenum">
-              <a:rPr lang="ru-RU" smtClean="0"/>
-              <a:pPr/>
-              <a:t>14</a:t>
-            </a:fld>
-            <a:endParaRPr lang="ru-RU" dirty="0"/>
-          </a:p>
-        </p:txBody>
-      </p:sp>
-      <p:pic>
-        <p:nvPicPr>
-          <p:cNvPr id="30" name="Picture Placeholder 29">
-            <a:extLst>
-              <a:ext uri="{FF2B5EF4-FFF2-40B4-BE49-F238E27FC236}">
-                <a16:creationId xmlns:a16="http://schemas.microsoft.com/office/drawing/2014/main" id="{FE1D9133-7426-456F-AFCF-900BF23C7962}"/>
-              </a:ext>
-            </a:extLst>
-          </p:cNvPr>
-          <p:cNvPicPr>
-            <a:picLocks noGrp="1" noChangeAspect="1"/>
-          </p:cNvPicPr>
-          <p:nvPr>
-            <p:ph type="pic" sz="quarter" idx="13"/>
-          </p:nvPr>
-        </p:nvPicPr>
-        <p:blipFill>
-          <a:blip r:embed="rId2"/>
-          <a:srcRect l="725" r="725"/>
-          <a:stretch>
-            <a:fillRect/>
-          </a:stretch>
-        </p:blipFill>
-        <p:spPr>
-          <a:xfrm>
-            <a:off x="4292600" y="555812"/>
-            <a:ext cx="7213634" cy="3667949"/>
-          </a:xfrm>
-          <a:effectLst>
-            <a:outerShdw blurRad="50800" dist="38100" dir="2700000" algn="tl" rotWithShape="0">
-              <a:prstClr val="black">
-                <a:alpha val="40000"/>
-              </a:prstClr>
-            </a:outerShdw>
-          </a:effectLst>
-        </p:spPr>
-      </p:pic>
-      <p:sp>
-        <p:nvSpPr>
-          <p:cNvPr id="18" name="Content Placeholder 17">
-            <a:extLst>
-              <a:ext uri="{FF2B5EF4-FFF2-40B4-BE49-F238E27FC236}">
-                <a16:creationId xmlns:a16="http://schemas.microsoft.com/office/drawing/2014/main" id="{7AD4EFBE-FBAC-4B70-9CE9-BCDA648E19F8}"/>
+              <a:t>How does price vary over time or vintage?</a:t>
+            </a:r>
+          </a:p>
+        </p:txBody>
+      </p:sp>
+      <p:sp>
+        <p:nvSpPr>
+          <p:cNvPr id="6" name="Text Placeholder 5">
+            <a:extLst>
+              <a:ext uri="{FF2B5EF4-FFF2-40B4-BE49-F238E27FC236}">
+                <a16:creationId xmlns:a16="http://schemas.microsoft.com/office/drawing/2014/main" id="{ABD3681E-C31A-4CE7-A02F-357F3C1E47D9}"/>
               </a:ext>
             </a:extLst>
           </p:cNvPr>
@@ -45264,8 +45361,8 @@
         </p:nvSpPr>
         <p:spPr>
           <a:xfrm>
-            <a:off x="392573" y="3392200"/>
-            <a:ext cx="3776016" cy="2210173"/>
+            <a:off x="8215675" y="2447926"/>
+            <a:ext cx="3161911" cy="2482558"/>
           </a:xfrm>
         </p:spPr>
         <p:txBody>
@@ -45273,38 +45370,24 @@
           <a:lstStyle/>
           <a:p>
             <a:r>
-              <a:rPr lang="en-US" dirty="0">
-                <a:solidFill>
-                  <a:schemeClr val="bg2"/>
-                </a:solidFill>
-              </a:rPr>
-              <a:t>The bulk of the data is found between 2005 to 2016.  This is a range of 12 years.  </a:t>
-            </a:r>
-          </a:p>
-          <a:p>
-            <a:r>
-              <a:rPr lang="en-US" b="1" dirty="0">
-                <a:solidFill>
-                  <a:schemeClr val="bg2"/>
-                </a:solidFill>
-              </a:rPr>
-              <a:t>The most prevalent wines in the dataset are from 2012 – 2014.</a:t>
-            </a:r>
-          </a:p>
-          <a:p>
-            <a:r>
               <a:rPr lang="en-US" dirty="0"/>
-              <a:t>Based on this research, we should not be worried that we won’t find a “good” wine that hasn’t aged for over 10 years… </a:t>
-            </a:r>
-          </a:p>
-        </p:txBody>
-      </p:sp>
-      <p:sp>
-        <p:nvSpPr>
-          <p:cNvPr id="31" name="Rectangle 30">
-            <a:extLst>
-              <a:ext uri="{FF2B5EF4-FFF2-40B4-BE49-F238E27FC236}">
-                <a16:creationId xmlns:a16="http://schemas.microsoft.com/office/drawing/2014/main" id="{F5D7BB3A-CC60-4585-AD75-53595EDFB5BC}"/>
+              <a:t>Wine price appears to be higher as the wine has aged.  On average, older wines are more expensive.</a:t>
+            </a:r>
+          </a:p>
+          <a:p>
+            <a:r>
+              <a:rPr lang="en-US" dirty="0"/>
+              <a:t>However, this is not an accurate predictor of price.    </a:t>
+            </a:r>
+          </a:p>
+        </p:txBody>
+      </p:sp>
+      <p:sp>
+        <p:nvSpPr>
+          <p:cNvPr id="34" name="Rectangle 33">
+            <a:extLst>
+              <a:ext uri="{FF2B5EF4-FFF2-40B4-BE49-F238E27FC236}">
+                <a16:creationId xmlns:a16="http://schemas.microsoft.com/office/drawing/2014/main" id="{5F87E1B6-CF59-4803-922B-353ECA9AEDC2}"/>
               </a:ext>
             </a:extLst>
           </p:cNvPr>
@@ -45313,72 +45396,8 @@
         </p:nvSpPr>
         <p:spPr>
           <a:xfrm>
-            <a:off x="551330" y="680480"/>
-            <a:ext cx="3585882" cy="1754326"/>
-          </a:xfrm>
-          <a:prstGeom prst="rect">
-            <a:avLst/>
-          </a:prstGeom>
-        </p:spPr>
-        <p:txBody>
-          <a:bodyPr wrap="square">
-            <a:spAutoFit/>
-          </a:bodyPr>
-          <a:lstStyle/>
-          <a:p>
-            <a:r>
-              <a:rPr lang="en-US" dirty="0">
-                <a:solidFill>
-                  <a:schemeClr val="bg2"/>
-                </a:solidFill>
-                <a:latin typeface="Arial" panose="020B0604020202020204" pitchFamily="34" charset="0"/>
-              </a:rPr>
-              <a:t>“…</a:t>
-            </a:r>
-            <a:r>
-              <a:rPr lang="en-US" dirty="0"/>
-              <a:t>today's wine lover is well advised to buy fine wines, cellar them in a cool space for five years—10 years, tops—and then drink them…</a:t>
-            </a:r>
-            <a:r>
-              <a:rPr lang="en-US" dirty="0">
-                <a:solidFill>
-                  <a:schemeClr val="bg2"/>
-                </a:solidFill>
-                <a:latin typeface="Arial" panose="020B0604020202020204" pitchFamily="34" charset="0"/>
-              </a:rPr>
-              <a:t> ”</a:t>
-            </a:r>
-            <a:br>
-              <a:rPr lang="en-US" dirty="0">
-                <a:solidFill>
-                  <a:schemeClr val="bg2"/>
-                </a:solidFill>
-              </a:rPr>
-            </a:br>
-            <a:endParaRPr lang="en-US" dirty="0">
-              <a:solidFill>
-                <a:schemeClr val="bg2"/>
-              </a:solidFill>
-            </a:endParaRPr>
-          </a:p>
-        </p:txBody>
-      </p:sp>
-      <p:sp>
-        <p:nvSpPr>
-          <p:cNvPr id="34" name="Rectangle 33">
-            <a:extLst>
-              <a:ext uri="{FF2B5EF4-FFF2-40B4-BE49-F238E27FC236}">
-                <a16:creationId xmlns:a16="http://schemas.microsoft.com/office/drawing/2014/main" id="{5F87E1B6-CF59-4803-922B-353ECA9AEDC2}"/>
-              </a:ext>
-            </a:extLst>
-          </p:cNvPr>
-          <p:cNvSpPr/>
-          <p:nvPr/>
-        </p:nvSpPr>
-        <p:spPr>
-          <a:xfrm>
-            <a:off x="4452464" y="5187033"/>
-            <a:ext cx="6096000" cy="646331"/>
+            <a:off x="4668611" y="5049162"/>
+            <a:ext cx="6096000" cy="923330"/>
           </a:xfrm>
           <a:prstGeom prst="rect">
             <a:avLst/>
@@ -45399,7 +45418,85 @@
                   </a:schemeClr>
                 </a:solidFill>
               </a:rPr>
-              <a:t>“Of all the wines produced, more than 90% are designed to be consumed within a couple of years after they are produced. ”</a:t>
+              <a:t>“</a:t>
+            </a:r>
+            <a:r>
+              <a:rPr lang="en-US" dirty="0"/>
+              <a:t>In general, more expensive wines are usually designed to become better with age. Most inexpensive wines do not benefit from aging.</a:t>
+            </a:r>
+            <a:r>
+              <a:rPr lang="en-US" i="1" dirty="0">
+                <a:solidFill>
+                  <a:schemeClr val="accent2">
+                    <a:lumMod val="60000"/>
+                    <a:lumOff val="40000"/>
+                  </a:schemeClr>
+                </a:solidFill>
+              </a:rPr>
+              <a:t>”</a:t>
+            </a:r>
+          </a:p>
+        </p:txBody>
+      </p:sp>
+      <p:pic>
+        <p:nvPicPr>
+          <p:cNvPr id="15" name="Picture 14">
+            <a:extLst>
+              <a:ext uri="{FF2B5EF4-FFF2-40B4-BE49-F238E27FC236}">
+                <a16:creationId xmlns:a16="http://schemas.microsoft.com/office/drawing/2014/main" id="{B0A5F733-F453-4626-94DA-017161E35C82}"/>
+              </a:ext>
+            </a:extLst>
+          </p:cNvPr>
+          <p:cNvPicPr>
+            <a:picLocks noChangeAspect="1"/>
+          </p:cNvPicPr>
+          <p:nvPr/>
+        </p:nvPicPr>
+        <p:blipFill>
+          <a:blip r:embed="rId2"/>
+          <a:stretch>
+            <a:fillRect/>
+          </a:stretch>
+        </p:blipFill>
+        <p:spPr>
+          <a:xfrm>
+            <a:off x="366828" y="1098951"/>
+            <a:ext cx="7315200" cy="3657600"/>
+          </a:xfrm>
+          <a:prstGeom prst="rect">
+            <a:avLst/>
+          </a:prstGeom>
+        </p:spPr>
+      </p:pic>
+      <p:sp>
+        <p:nvSpPr>
+          <p:cNvPr id="17" name="Text Placeholder 16">
+            <a:extLst>
+              <a:ext uri="{FF2B5EF4-FFF2-40B4-BE49-F238E27FC236}">
+                <a16:creationId xmlns:a16="http://schemas.microsoft.com/office/drawing/2014/main" id="{E8DE2FEF-4CD8-43AE-A690-CB12DD6C988F}"/>
+              </a:ext>
+            </a:extLst>
+          </p:cNvPr>
+          <p:cNvSpPr>
+            <a:spLocks noGrp="1"/>
+          </p:cNvSpPr>
+          <p:nvPr>
+            <p:ph type="body" idx="1"/>
+          </p:nvPr>
+        </p:nvSpPr>
+        <p:spPr>
+          <a:xfrm>
+            <a:off x="8151040" y="1975179"/>
+            <a:ext cx="3395300" cy="626157"/>
+          </a:xfrm>
+        </p:spPr>
+        <p:txBody>
+          <a:bodyPr/>
+          <a:lstStyle/>
+          <a:p>
+            <a:r>
+              <a:rPr lang="en-US" dirty="0"/>
+              <a:t>Are “aged” wines more expensive? </a:t>
             </a:r>
           </a:p>
         </p:txBody>
@@ -45407,7 +45504,7 @@
     </p:spTree>
     <p:extLst>
       <p:ext uri="{BB962C8B-B14F-4D97-AF65-F5344CB8AC3E}">
-        <p14:creationId xmlns:p14="http://schemas.microsoft.com/office/powerpoint/2010/main" val="1289532836"/>
+        <p14:creationId xmlns:p14="http://schemas.microsoft.com/office/powerpoint/2010/main" val="1366038642"/>
       </p:ext>
     </p:extLst>
   </p:cSld>
@@ -45436,10 +45533,38 @@
       </p:grpSpPr>
       <p:sp>
         <p:nvSpPr>
+          <p:cNvPr id="2" name="Title 1">
+            <a:extLst>
+              <a:ext uri="{FF2B5EF4-FFF2-40B4-BE49-F238E27FC236}">
+                <a16:creationId xmlns:a16="http://schemas.microsoft.com/office/drawing/2014/main" id="{974879D8-B384-4D8D-B10F-259048EAFDA2}"/>
+              </a:ext>
+            </a:extLst>
+          </p:cNvPr>
+          <p:cNvSpPr>
+            <a:spLocks noGrp="1"/>
+          </p:cNvSpPr>
+          <p:nvPr>
+            <p:ph type="ctrTitle"/>
+          </p:nvPr>
+        </p:nvSpPr>
+        <p:spPr/>
+        <p:txBody>
+          <a:bodyPr/>
+          <a:lstStyle/>
+          <a:p>
+            <a:r>
+              <a:rPr lang="en-US" dirty="0"/>
+              <a:t>Point Value vs. Price</a:t>
+            </a:r>
+          </a:p>
+        </p:txBody>
+      </p:sp>
+      <p:sp>
+        <p:nvSpPr>
           <p:cNvPr id="3" name="Date Placeholder 2">
             <a:extLst>
               <a:ext uri="{FF2B5EF4-FFF2-40B4-BE49-F238E27FC236}">
-                <a16:creationId xmlns:a16="http://schemas.microsoft.com/office/drawing/2014/main" id="{7D374778-3FD0-41C5-BBB7-089F90AE2115}"/>
+                <a16:creationId xmlns:a16="http://schemas.microsoft.com/office/drawing/2014/main" id="{C4CA2D46-597C-4BAD-AE18-70CCEE836D54}"/>
               </a:ext>
             </a:extLst>
           </p:cNvPr>
@@ -45450,7 +45575,12 @@
             <p:ph type="dt" sz="half" idx="10"/>
           </p:nvPr>
         </p:nvSpPr>
-        <p:spPr/>
+        <p:spPr>
+          <a:xfrm>
+            <a:off x="9999518" y="5878720"/>
+            <a:ext cx="1336964" cy="298800"/>
+          </a:xfrm>
+        </p:spPr>
         <p:txBody>
           <a:bodyPr/>
           <a:lstStyle/>
@@ -45465,39 +45595,10 @@
       </p:sp>
       <p:sp>
         <p:nvSpPr>
-          <p:cNvPr id="4" name="Footer Placeholder 3">
-            <a:extLst>
-              <a:ext uri="{FF2B5EF4-FFF2-40B4-BE49-F238E27FC236}">
-                <a16:creationId xmlns:a16="http://schemas.microsoft.com/office/drawing/2014/main" id="{E1BF5346-7BD4-44CE-9487-D284ED90E960}"/>
-              </a:ext>
-            </a:extLst>
-          </p:cNvPr>
-          <p:cNvSpPr>
-            <a:spLocks noGrp="1"/>
-          </p:cNvSpPr>
-          <p:nvPr>
-            <p:ph type="ftr" sz="quarter" idx="11"/>
-          </p:nvPr>
-        </p:nvSpPr>
-        <p:spPr/>
-        <p:txBody>
-          <a:bodyPr/>
-          <a:lstStyle/>
-          <a:p>
-            <a:r>
-              <a:rPr lang="en-US" dirty="0"/>
-              <a:t>Wine information from cellarnotes.net, and wine spectator.com, Vintage data was extracted from the dataset’s wine title. </a:t>
-            </a:r>
-            <a:endParaRPr lang="ru-RU" dirty="0"/>
-          </a:p>
-        </p:txBody>
-      </p:sp>
-      <p:sp>
-        <p:nvSpPr>
           <p:cNvPr id="5" name="Slide Number Placeholder 4">
             <a:extLst>
               <a:ext uri="{FF2B5EF4-FFF2-40B4-BE49-F238E27FC236}">
-                <a16:creationId xmlns:a16="http://schemas.microsoft.com/office/drawing/2014/main" id="{4E0D58E0-FB88-44D3-8151-6E5B0CF49491}"/>
+                <a16:creationId xmlns:a16="http://schemas.microsoft.com/office/drawing/2014/main" id="{4C4F2C2B-ECFB-4395-9383-B8834808C311}"/>
               </a:ext>
             </a:extLst>
           </p:cNvPr>
@@ -45515,210 +45616,16 @@
           <a:p>
             <a:fld id="{8D581BC7-E183-40DB-AC97-C19EA4EB8894}" type="slidenum">
               <a:rPr lang="ru-RU" smtClean="0"/>
-              <a:pPr/>
               <a:t>15</a:t>
             </a:fld>
             <a:endParaRPr lang="ru-RU" dirty="0"/>
           </a:p>
         </p:txBody>
       </p:sp>
-      <p:sp>
-        <p:nvSpPr>
-          <p:cNvPr id="2" name="Title 1">
-            <a:extLst>
-              <a:ext uri="{FF2B5EF4-FFF2-40B4-BE49-F238E27FC236}">
-                <a16:creationId xmlns:a16="http://schemas.microsoft.com/office/drawing/2014/main" id="{C23E0FD3-D0E6-48A7-BD5D-D62633B3D248}"/>
-              </a:ext>
-            </a:extLst>
-          </p:cNvPr>
-          <p:cNvSpPr>
-            <a:spLocks noGrp="1"/>
-          </p:cNvSpPr>
-          <p:nvPr>
-            <p:ph type="title"/>
-          </p:nvPr>
-        </p:nvSpPr>
-        <p:spPr>
-          <a:xfrm>
-            <a:off x="645660" y="427788"/>
-            <a:ext cx="8045903" cy="505383"/>
-          </a:xfrm>
-        </p:spPr>
-        <p:txBody>
-          <a:bodyPr>
-            <a:normAutofit fontScale="90000"/>
-          </a:bodyPr>
-          <a:lstStyle/>
-          <a:p>
-            <a:r>
-              <a:rPr lang="en-US" dirty="0"/>
-              <a:t>How does price vary over time or vintage?</a:t>
-            </a:r>
-          </a:p>
-        </p:txBody>
-      </p:sp>
-      <p:sp>
-        <p:nvSpPr>
-          <p:cNvPr id="6" name="Text Placeholder 5">
-            <a:extLst>
-              <a:ext uri="{FF2B5EF4-FFF2-40B4-BE49-F238E27FC236}">
-                <a16:creationId xmlns:a16="http://schemas.microsoft.com/office/drawing/2014/main" id="{ABD3681E-C31A-4CE7-A02F-357F3C1E47D9}"/>
-              </a:ext>
-            </a:extLst>
-          </p:cNvPr>
-          <p:cNvSpPr>
-            <a:spLocks noGrp="1"/>
-          </p:cNvSpPr>
-          <p:nvPr>
-            <p:ph type="body" idx="14"/>
-          </p:nvPr>
-        </p:nvSpPr>
-        <p:spPr>
-          <a:xfrm>
-            <a:off x="8215675" y="2447926"/>
-            <a:ext cx="3161911" cy="2482558"/>
-          </a:xfrm>
-        </p:spPr>
-        <p:txBody>
-          <a:bodyPr/>
-          <a:lstStyle/>
-          <a:p>
-            <a:r>
-              <a:rPr lang="en-US" dirty="0"/>
-              <a:t>Wine price appears to be higher as the wine has aged.  On average, older wines are more expensive.</a:t>
-            </a:r>
-          </a:p>
-          <a:p>
-            <a:r>
-              <a:rPr lang="en-US" dirty="0"/>
-              <a:t>However, this is not an accurate predictor of price.    </a:t>
-            </a:r>
-          </a:p>
-        </p:txBody>
-      </p:sp>
-      <p:sp>
-        <p:nvSpPr>
-          <p:cNvPr id="34" name="Rectangle 33">
-            <a:extLst>
-              <a:ext uri="{FF2B5EF4-FFF2-40B4-BE49-F238E27FC236}">
-                <a16:creationId xmlns:a16="http://schemas.microsoft.com/office/drawing/2014/main" id="{5F87E1B6-CF59-4803-922B-353ECA9AEDC2}"/>
-              </a:ext>
-            </a:extLst>
-          </p:cNvPr>
-          <p:cNvSpPr/>
-          <p:nvPr/>
-        </p:nvSpPr>
-        <p:spPr>
-          <a:xfrm>
-            <a:off x="4668611" y="5049162"/>
-            <a:ext cx="6096000" cy="923330"/>
-          </a:xfrm>
-          <a:prstGeom prst="rect">
-            <a:avLst/>
-          </a:prstGeom>
-        </p:spPr>
-        <p:txBody>
-          <a:bodyPr>
-            <a:spAutoFit/>
-          </a:bodyPr>
-          <a:lstStyle/>
-          <a:p>
-            <a:r>
-              <a:rPr lang="en-US" i="1" dirty="0">
-                <a:solidFill>
-                  <a:schemeClr val="accent2">
-                    <a:lumMod val="60000"/>
-                    <a:lumOff val="40000"/>
-                  </a:schemeClr>
-                </a:solidFill>
-              </a:rPr>
-              <a:t>“</a:t>
-            </a:r>
-            <a:r>
-              <a:rPr lang="en-US" dirty="0"/>
-              <a:t>In general, more expensive wines are usually designed to become better with age. Most inexpensive wines do not benefit from aging.</a:t>
-            </a:r>
-            <a:r>
-              <a:rPr lang="en-US" i="1" dirty="0">
-                <a:solidFill>
-                  <a:schemeClr val="accent2">
-                    <a:lumMod val="60000"/>
-                    <a:lumOff val="40000"/>
-                  </a:schemeClr>
-                </a:solidFill>
-              </a:rPr>
-              <a:t>”</a:t>
-            </a:r>
-          </a:p>
-        </p:txBody>
-      </p:sp>
-      <p:pic>
-        <p:nvPicPr>
-          <p:cNvPr id="15" name="Picture 14">
-            <a:extLst>
-              <a:ext uri="{FF2B5EF4-FFF2-40B4-BE49-F238E27FC236}">
-                <a16:creationId xmlns:a16="http://schemas.microsoft.com/office/drawing/2014/main" id="{B0A5F733-F453-4626-94DA-017161E35C82}"/>
-              </a:ext>
-            </a:extLst>
-          </p:cNvPr>
-          <p:cNvPicPr>
-            <a:picLocks noChangeAspect="1"/>
-          </p:cNvPicPr>
-          <p:nvPr/>
-        </p:nvPicPr>
-        <p:blipFill>
-          <a:blip r:embed="rId2"/>
-          <a:stretch>
-            <a:fillRect/>
-          </a:stretch>
-        </p:blipFill>
-        <p:spPr>
-          <a:xfrm>
-            <a:off x="366828" y="1098951"/>
-            <a:ext cx="7315200" cy="3657600"/>
-          </a:xfrm>
-          <a:prstGeom prst="rect">
-            <a:avLst/>
-          </a:prstGeom>
-        </p:spPr>
-      </p:pic>
-      <p:sp>
-        <p:nvSpPr>
-          <p:cNvPr id="17" name="Text Placeholder 16">
-            <a:extLst>
-              <a:ext uri="{FF2B5EF4-FFF2-40B4-BE49-F238E27FC236}">
-                <a16:creationId xmlns:a16="http://schemas.microsoft.com/office/drawing/2014/main" id="{E8DE2FEF-4CD8-43AE-A690-CB12DD6C988F}"/>
-              </a:ext>
-            </a:extLst>
-          </p:cNvPr>
-          <p:cNvSpPr>
-            <a:spLocks noGrp="1"/>
-          </p:cNvSpPr>
-          <p:nvPr>
-            <p:ph type="body" idx="1"/>
-          </p:nvPr>
-        </p:nvSpPr>
-        <p:spPr>
-          <a:xfrm>
-            <a:off x="8151040" y="1975179"/>
-            <a:ext cx="3395300" cy="626157"/>
-          </a:xfrm>
-        </p:spPr>
-        <p:txBody>
-          <a:bodyPr/>
-          <a:lstStyle/>
-          <a:p>
-            <a:r>
-              <a:rPr lang="en-US" dirty="0"/>
-              <a:t>Are “aged” wines more expensive? </a:t>
-            </a:r>
-          </a:p>
-        </p:txBody>
-      </p:sp>
     </p:spTree>
     <p:extLst>
       <p:ext uri="{BB962C8B-B14F-4D97-AF65-F5344CB8AC3E}">
-        <p14:creationId xmlns:p14="http://schemas.microsoft.com/office/powerpoint/2010/main" val="1366038642"/>
+        <p14:creationId xmlns:p14="http://schemas.microsoft.com/office/powerpoint/2010/main" val="1479971351"/>
       </p:ext>
     </p:extLst>
   </p:cSld>
@@ -45922,7 +45829,7 @@
               <a:defRPr/>
             </a:pPr>
             <a:r>
-              <a:rPr lang="en-US" sz="1200">
+              <a:rPr lang="en-US" sz="1200" dirty="0">
                 <a:solidFill>
                   <a:prstClr val="black">
                     <a:tint val="75000"/>
@@ -45930,57 +45837,7 @@
                 </a:solidFill>
                 <a:latin typeface="Calibri" panose="020F0502020204030204"/>
               </a:rPr>
-              <a:t>MM.DD.20XX</a:t>
-            </a:r>
-          </a:p>
-        </p:txBody>
-      </p:sp>
-      <p:sp>
-        <p:nvSpPr>
-          <p:cNvPr id="3" name="Footer Placeholder 2">
-            <a:extLst>
-              <a:ext uri="{FF2B5EF4-FFF2-40B4-BE49-F238E27FC236}">
-                <a16:creationId xmlns:a16="http://schemas.microsoft.com/office/drawing/2014/main" id="{38543BA3-BD6A-4419-A160-81C5CCACCDEC}"/>
-              </a:ext>
-            </a:extLst>
-          </p:cNvPr>
-          <p:cNvSpPr>
-            <a:spLocks noGrp="1"/>
-          </p:cNvSpPr>
-          <p:nvPr>
-            <p:ph type="ftr" sz="quarter" idx="11"/>
-          </p:nvPr>
-        </p:nvSpPr>
-        <p:spPr>
-          <a:xfrm>
-            <a:off x="4038600" y="6356350"/>
-            <a:ext cx="4114800" cy="365125"/>
-          </a:xfrm>
-        </p:spPr>
-        <p:txBody>
-          <a:bodyPr vert="horz" lIns="91440" tIns="45720" rIns="91440" bIns="45720" rtlCol="0" anchor="ctr">
-            <a:normAutofit/>
-          </a:bodyPr>
-          <a:lstStyle/>
-          <a:p>
-            <a:pPr algn="ctr">
-              <a:spcAft>
-                <a:spcPts val="600"/>
-              </a:spcAft>
-              <a:defRPr/>
-            </a:pPr>
-            <a:r>
-              <a:rPr lang="en-US" sz="1200" kern="1200">
-                <a:solidFill>
-                  <a:prstClr val="black">
-                    <a:tint val="75000"/>
-                  </a:prstClr>
-                </a:solidFill>
-                <a:latin typeface="Calibri" panose="020F0502020204030204"/>
-                <a:ea typeface="+mn-ea"/>
-                <a:cs typeface="+mn-cs"/>
-              </a:rPr>
-              <a:t>ADD A FOOTER</a:t>
+              <a:t>11/10/2018</a:t>
             </a:r>
           </a:p>
         </p:txBody>
@@ -46099,8 +45956,8 @@
           <a:lstStyle/>
           <a:p>
             <a:r>
-              <a:rPr lang="en-US"/>
-              <a:t>MM.DD.20XX</a:t>
+              <a:rPr lang="en-US" dirty="0"/>
+              <a:t>11/10/2018</a:t>
             </a:r>
             <a:endParaRPr lang="ru-RU" dirty="0"/>
           </a:p>
@@ -46128,8 +45985,14 @@
           <a:lstStyle/>
           <a:p>
             <a:r>
-              <a:rPr lang="en-US"/>
-              <a:t>ADD A FOOTER</a:t>
+              <a:rPr lang="en-US" dirty="0"/>
+              <a:t>Sorry Brady about the Pie Chart </a:t>
+            </a:r>
+            <a:r>
+              <a:rPr lang="en-US" dirty="0">
+                <a:sym typeface="Wingdings" panose="05000000000000000000" pitchFamily="2" charset="2"/>
+              </a:rPr>
+              <a:t></a:t>
             </a:r>
             <a:endParaRPr lang="ru-RU" dirty="0"/>
           </a:p>
@@ -46227,24 +46090,6 @@
       </p:sp>
       <p:sp>
         <p:nvSpPr>
-          <p:cNvPr id="10" name="Picture Placeholder 9">
-            <a:extLst>
-              <a:ext uri="{FF2B5EF4-FFF2-40B4-BE49-F238E27FC236}">
-                <a16:creationId xmlns:a16="http://schemas.microsoft.com/office/drawing/2014/main" id="{3B4C1FFC-BA8F-410B-B48B-5466F3B2034D}"/>
-              </a:ext>
-            </a:extLst>
-          </p:cNvPr>
-          <p:cNvSpPr>
-            <a:spLocks noGrp="1"/>
-          </p:cNvSpPr>
-          <p:nvPr>
-            <p:ph type="pic" sz="quarter" idx="13"/>
-          </p:nvPr>
-        </p:nvSpPr>
-        <p:spPr/>
-      </p:sp>
-      <p:sp>
-        <p:nvSpPr>
           <p:cNvPr id="11" name="Text Placeholder 10">
             <a:extLst>
               <a:ext uri="{FF2B5EF4-FFF2-40B4-BE49-F238E27FC236}">
@@ -46270,7 +46115,15 @@
                   <a:schemeClr val="tx1"/>
                 </a:solidFill>
               </a:rPr>
-              <a:t>80-84 wines are above average to good</a:t>
+              <a:t>80-84 wines are above average to </a:t>
+            </a:r>
+            <a:r>
+              <a:rPr lang="en-US" sz="2000" b="1" dirty="0">
+                <a:solidFill>
+                  <a:schemeClr val="tx1"/>
+                </a:solidFill>
+              </a:rPr>
+              <a:t>good</a:t>
             </a:r>
           </a:p>
           <a:p>
@@ -46280,7 +46133,15 @@
                   <a:schemeClr val="tx1"/>
                 </a:solidFill>
               </a:rPr>
-              <a:t>85-90 wines are good to very good</a:t>
+              <a:t>85-90 wines are good to </a:t>
+            </a:r>
+            <a:r>
+              <a:rPr lang="en-US" sz="2000" b="1" dirty="0">
+                <a:solidFill>
+                  <a:schemeClr val="tx1"/>
+                </a:solidFill>
+              </a:rPr>
+              <a:t>very good</a:t>
             </a:r>
           </a:p>
           <a:p>
@@ -46290,7 +46151,15 @@
                   <a:schemeClr val="tx1"/>
                 </a:solidFill>
               </a:rPr>
-              <a:t>90-94 wines are superior to exceptional</a:t>
+              <a:t>90-94 wines are superior to </a:t>
+            </a:r>
+            <a:r>
+              <a:rPr lang="en-US" sz="2000" b="1" dirty="0">
+                <a:solidFill>
+                  <a:schemeClr val="tx1"/>
+                </a:solidFill>
+              </a:rPr>
+              <a:t>exceptional</a:t>
             </a:r>
           </a:p>
           <a:p>
@@ -46300,7 +46169,15 @@
                   <a:schemeClr val="tx1"/>
                 </a:solidFill>
               </a:rPr>
-              <a:t>95-100. Wines are benchmark examples or classic</a:t>
+              <a:t>95-100. Wines are benchmark examples or </a:t>
+            </a:r>
+            <a:r>
+              <a:rPr lang="en-US" sz="2000" b="1" dirty="0">
+                <a:solidFill>
+                  <a:schemeClr val="tx1"/>
+                </a:solidFill>
+              </a:rPr>
+              <a:t>classic</a:t>
             </a:r>
           </a:p>
           <a:p>
@@ -46331,7 +46208,12 @@
             <a:fillRect/>
           </a:stretch>
         </p:blipFill>
-        <p:spPr/>
+        <p:spPr>
+          <a:xfrm>
+            <a:off x="380603" y="1411243"/>
+            <a:ext cx="6073999" cy="3721608"/>
+          </a:xfrm>
+        </p:spPr>
       </p:pic>
     </p:spTree>
     <p:extLst>
@@ -46545,55 +46427,6 @@
       </p:pic>
       <p:sp>
         <p:nvSpPr>
-          <p:cNvPr id="3" name="Footer Placeholder 2">
-            <a:extLst>
-              <a:ext uri="{FF2B5EF4-FFF2-40B4-BE49-F238E27FC236}">
-                <a16:creationId xmlns:a16="http://schemas.microsoft.com/office/drawing/2014/main" id="{730E0C92-E7B3-4166-9D00-3DF91653DD21}"/>
-              </a:ext>
-            </a:extLst>
-          </p:cNvPr>
-          <p:cNvSpPr>
-            <a:spLocks noGrp="1"/>
-          </p:cNvSpPr>
-          <p:nvPr>
-            <p:ph type="ftr" sz="quarter" idx="11"/>
-          </p:nvPr>
-        </p:nvSpPr>
-        <p:spPr>
-          <a:xfrm>
-            <a:off x="1451578" y="6356350"/>
-            <a:ext cx="4114800" cy="365125"/>
-          </a:xfrm>
-        </p:spPr>
-        <p:txBody>
-          <a:bodyPr vert="horz" lIns="91440" tIns="45720" rIns="91440" bIns="45720" rtlCol="0" anchor="ctr">
-            <a:normAutofit/>
-          </a:bodyPr>
-          <a:lstStyle/>
-          <a:p>
-            <a:pPr>
-              <a:spcAft>
-                <a:spcPts val="600"/>
-              </a:spcAft>
-            </a:pPr>
-            <a:r>
-              <a:rPr lang="en-US" sz="1200" kern="1200">
-                <a:solidFill>
-                  <a:prstClr val="black">
-                    <a:tint val="75000"/>
-                  </a:prstClr>
-                </a:solidFill>
-                <a:latin typeface="+mn-lt"/>
-                <a:ea typeface="+mn-ea"/>
-                <a:cs typeface="+mn-cs"/>
-              </a:rPr>
-              <a:t>ADD A FOOTER</a:t>
-            </a:r>
-          </a:p>
-        </p:txBody>
-      </p:sp>
-      <p:sp>
-        <p:nvSpPr>
           <p:cNvPr id="2" name="Date Placeholder 1">
             <a:extLst>
               <a:ext uri="{FF2B5EF4-FFF2-40B4-BE49-F238E27FC236}">
@@ -46626,14 +46459,14 @@
               </a:spcAft>
             </a:pPr>
             <a:r>
-              <a:rPr lang="en-US" sz="1200">
+              <a:rPr lang="en-US" sz="1200" dirty="0">
                 <a:solidFill>
                   <a:prstClr val="black">
                     <a:tint val="75000"/>
                   </a:prstClr>
                 </a:solidFill>
               </a:rPr>
-              <a:t>MM.DD.20XX</a:t>
+              <a:t>11/10/2018</a:t>
             </a:r>
           </a:p>
         </p:txBody>
@@ -46728,10 +46561,10 @@
       </p:grpSpPr>
       <p:sp>
         <p:nvSpPr>
-          <p:cNvPr id="7" name="Title 6">
-            <a:extLst>
-              <a:ext uri="{FF2B5EF4-FFF2-40B4-BE49-F238E27FC236}">
-                <a16:creationId xmlns:a16="http://schemas.microsoft.com/office/drawing/2014/main" id="{DC364D85-340C-492F-91AD-297AA841312D}"/>
+          <p:cNvPr id="2" name="Title 1">
+            <a:extLst>
+              <a:ext uri="{FF2B5EF4-FFF2-40B4-BE49-F238E27FC236}">
+                <a16:creationId xmlns:a16="http://schemas.microsoft.com/office/drawing/2014/main" id="{974879D8-B384-4D8D-B10F-259048EAFDA2}"/>
               </a:ext>
             </a:extLst>
           </p:cNvPr>
@@ -46739,7 +46572,7 @@
             <a:spLocks noGrp="1"/>
           </p:cNvSpPr>
           <p:nvPr>
-            <p:ph type="title"/>
+            <p:ph type="ctrTitle"/>
           </p:nvPr>
         </p:nvSpPr>
         <p:spPr/>
@@ -46749,35 +46582,7 @@
           <a:p>
             <a:r>
               <a:rPr lang="en-US" dirty="0"/>
-              <a:t>Price vs Variety</a:t>
-            </a:r>
-          </a:p>
-        </p:txBody>
-      </p:sp>
-      <p:sp>
-        <p:nvSpPr>
-          <p:cNvPr id="8" name="Text Placeholder 7">
-            <a:extLst>
-              <a:ext uri="{FF2B5EF4-FFF2-40B4-BE49-F238E27FC236}">
-                <a16:creationId xmlns:a16="http://schemas.microsoft.com/office/drawing/2014/main" id="{8E9A91CD-30DE-4A7C-AE89-50256B9D4CBA}"/>
-              </a:ext>
-            </a:extLst>
-          </p:cNvPr>
-          <p:cNvSpPr>
-            <a:spLocks noGrp="1"/>
-          </p:cNvSpPr>
-          <p:nvPr>
-            <p:ph type="body" idx="1"/>
-          </p:nvPr>
-        </p:nvSpPr>
-        <p:spPr/>
-        <p:txBody>
-          <a:bodyPr/>
-          <a:lstStyle/>
-          <a:p>
-            <a:r>
-              <a:rPr lang="en-US" dirty="0"/>
-              <a:t>Does the variety of wine you prefer make a difference on the sticker price?</a:t>
+              <a:t>Price vs. Variety</a:t>
             </a:r>
           </a:p>
         </p:txBody>
@@ -46787,7 +46592,7 @@
           <p:cNvPr id="3" name="Date Placeholder 2">
             <a:extLst>
               <a:ext uri="{FF2B5EF4-FFF2-40B4-BE49-F238E27FC236}">
-                <a16:creationId xmlns:a16="http://schemas.microsoft.com/office/drawing/2014/main" id="{EF1AE319-E73D-4A1C-B47A-F078EFE92958}"/>
+                <a16:creationId xmlns:a16="http://schemas.microsoft.com/office/drawing/2014/main" id="{C4CA2D46-597C-4BAD-AE18-70CCEE836D54}"/>
               </a:ext>
             </a:extLst>
           </p:cNvPr>
@@ -46798,14 +46603,19 @@
             <p:ph type="dt" sz="half" idx="10"/>
           </p:nvPr>
         </p:nvSpPr>
-        <p:spPr/>
+        <p:spPr>
+          <a:xfrm>
+            <a:off x="9999518" y="5878720"/>
+            <a:ext cx="1336964" cy="298800"/>
+          </a:xfrm>
+        </p:spPr>
         <p:txBody>
           <a:bodyPr/>
           <a:lstStyle/>
           <a:p>
             <a:r>
-              <a:rPr lang="en-US"/>
-              <a:t>MM.DD.20XX</a:t>
+              <a:rPr lang="en-US" dirty="0"/>
+              <a:t>11.10.2018</a:t>
             </a:r>
             <a:endParaRPr lang="ru-RU" dirty="0"/>
           </a:p>
@@ -46813,39 +46623,10 @@
       </p:sp>
       <p:sp>
         <p:nvSpPr>
-          <p:cNvPr id="4" name="Footer Placeholder 3">
-            <a:extLst>
-              <a:ext uri="{FF2B5EF4-FFF2-40B4-BE49-F238E27FC236}">
-                <a16:creationId xmlns:a16="http://schemas.microsoft.com/office/drawing/2014/main" id="{D2886D55-2D36-4646-8921-A8322D964963}"/>
-              </a:ext>
-            </a:extLst>
-          </p:cNvPr>
-          <p:cNvSpPr>
-            <a:spLocks noGrp="1"/>
-          </p:cNvSpPr>
-          <p:nvPr>
-            <p:ph type="ftr" sz="quarter" idx="11"/>
-          </p:nvPr>
-        </p:nvSpPr>
-        <p:spPr/>
-        <p:txBody>
-          <a:bodyPr/>
-          <a:lstStyle/>
-          <a:p>
-            <a:r>
-              <a:rPr lang="en-US"/>
-              <a:t>ADD A FOOTER</a:t>
-            </a:r>
-            <a:endParaRPr lang="ru-RU" dirty="0"/>
-          </a:p>
-        </p:txBody>
-      </p:sp>
-      <p:sp>
-        <p:nvSpPr>
           <p:cNvPr id="5" name="Slide Number Placeholder 4">
             <a:extLst>
               <a:ext uri="{FF2B5EF4-FFF2-40B4-BE49-F238E27FC236}">
-                <a16:creationId xmlns:a16="http://schemas.microsoft.com/office/drawing/2014/main" id="{4B7A8729-5545-41E9-973E-69E21DE6F145}"/>
+                <a16:creationId xmlns:a16="http://schemas.microsoft.com/office/drawing/2014/main" id="{4C4F2C2B-ECFB-4395-9383-B8834808C311}"/>
               </a:ext>
             </a:extLst>
           </p:cNvPr>
@@ -46863,101 +46644,16 @@
           <a:p>
             <a:fld id="{8D581BC7-E183-40DB-AC97-C19EA4EB8894}" type="slidenum">
               <a:rPr lang="ru-RU" smtClean="0"/>
-              <a:pPr/>
               <a:t>19</a:t>
             </a:fld>
             <a:endParaRPr lang="ru-RU" dirty="0"/>
           </a:p>
         </p:txBody>
       </p:sp>
-      <p:sp>
-        <p:nvSpPr>
-          <p:cNvPr id="18" name="Picture Placeholder 17">
-            <a:extLst>
-              <a:ext uri="{FF2B5EF4-FFF2-40B4-BE49-F238E27FC236}">
-                <a16:creationId xmlns:a16="http://schemas.microsoft.com/office/drawing/2014/main" id="{BA3A0567-5AEF-4C32-B072-D8A9AA8B5AC4}"/>
-              </a:ext>
-            </a:extLst>
-          </p:cNvPr>
-          <p:cNvSpPr>
-            <a:spLocks noGrp="1"/>
-          </p:cNvSpPr>
-          <p:nvPr>
-            <p:ph type="pic" sz="quarter" idx="13"/>
-          </p:nvPr>
-        </p:nvSpPr>
-        <p:spPr/>
-      </p:sp>
-      <p:sp>
-        <p:nvSpPr>
-          <p:cNvPr id="10" name="Text Placeholder 9">
-            <a:extLst>
-              <a:ext uri="{FF2B5EF4-FFF2-40B4-BE49-F238E27FC236}">
-                <a16:creationId xmlns:a16="http://schemas.microsoft.com/office/drawing/2014/main" id="{059EF401-CD24-4D5C-B013-455AB5BAEE20}"/>
-              </a:ext>
-            </a:extLst>
-          </p:cNvPr>
-          <p:cNvSpPr>
-            <a:spLocks noGrp="1"/>
-          </p:cNvSpPr>
-          <p:nvPr>
-            <p:ph type="body" idx="14"/>
-          </p:nvPr>
-        </p:nvSpPr>
-        <p:spPr/>
-        <p:txBody>
-          <a:bodyPr/>
-          <a:lstStyle/>
-          <a:p>
-            <a:r>
-              <a:rPr lang="en-US" dirty="0"/>
-              <a:t>Our dataset represents 697 separate varieties of wine.</a:t>
-            </a:r>
-          </a:p>
-          <a:p>
-            <a:r>
-              <a:rPr lang="en-US" dirty="0"/>
-              <a:t>I narrowed the field down to the top 10 varieties that are most numerous in the dataset and calculated the average price for each variety.</a:t>
-            </a:r>
-          </a:p>
-          <a:p>
-            <a:endParaRPr lang="en-US" dirty="0"/>
-          </a:p>
-        </p:txBody>
-      </p:sp>
-      <p:pic>
-        <p:nvPicPr>
-          <p:cNvPr id="21" name="Picture Placeholder 20">
-            <a:extLst>
-              <a:ext uri="{FF2B5EF4-FFF2-40B4-BE49-F238E27FC236}">
-                <a16:creationId xmlns:a16="http://schemas.microsoft.com/office/drawing/2014/main" id="{BDE7F5BD-2210-4965-BB5B-1A9DF2152C56}"/>
-              </a:ext>
-            </a:extLst>
-          </p:cNvPr>
-          <p:cNvPicPr>
-            <a:picLocks noGrp="1" noChangeAspect="1"/>
-          </p:cNvPicPr>
-          <p:nvPr>
-            <p:ph type="pic" sz="quarter" idx="15"/>
-          </p:nvPr>
-        </p:nvPicPr>
-        <p:blipFill>
-          <a:blip r:embed="rId2"/>
-          <a:stretch>
-            <a:fillRect/>
-          </a:stretch>
-        </p:blipFill>
-        <p:spPr>
-          <a:xfrm>
-            <a:off x="6346723" y="1656735"/>
-            <a:ext cx="4847303" cy="3131575"/>
-          </a:xfrm>
-        </p:spPr>
-      </p:pic>
     </p:spTree>
     <p:extLst>
       <p:ext uri="{BB962C8B-B14F-4D97-AF65-F5344CB8AC3E}">
-        <p14:creationId xmlns:p14="http://schemas.microsoft.com/office/powerpoint/2010/main" val="1633109015"/>
+        <p14:creationId xmlns:p14="http://schemas.microsoft.com/office/powerpoint/2010/main" val="3254846185"/>
       </p:ext>
     </p:extLst>
   </p:cSld>
@@ -47035,36 +46731,7 @@
           <a:p>
             <a:r>
               <a:rPr lang="en-US" dirty="0"/>
-              <a:t>MM.DD.20XX</a:t>
-            </a:r>
-            <a:endParaRPr lang="ru-RU" dirty="0"/>
-          </a:p>
-        </p:txBody>
-      </p:sp>
-      <p:sp>
-        <p:nvSpPr>
-          <p:cNvPr id="4" name="Footer Placeholder 3">
-            <a:extLst>
-              <a:ext uri="{FF2B5EF4-FFF2-40B4-BE49-F238E27FC236}">
-                <a16:creationId xmlns:a16="http://schemas.microsoft.com/office/drawing/2014/main" id="{E1BF5346-7BD4-44CE-9487-D284ED90E960}"/>
-              </a:ext>
-            </a:extLst>
-          </p:cNvPr>
-          <p:cNvSpPr>
-            <a:spLocks noGrp="1"/>
-          </p:cNvSpPr>
-          <p:nvPr>
-            <p:ph type="ftr" sz="quarter" idx="11"/>
-          </p:nvPr>
-        </p:nvSpPr>
-        <p:spPr/>
-        <p:txBody>
-          <a:bodyPr/>
-          <a:lstStyle/>
-          <a:p>
-            <a:r>
-              <a:rPr lang="en-US" dirty="0"/>
-              <a:t>ADD A FOOTER</a:t>
+              <a:t>11/10/2018</a:t>
             </a:r>
             <a:endParaRPr lang="ru-RU" dirty="0"/>
           </a:p>
@@ -47159,7 +46826,7 @@
             </a:pPr>
             <a:r>
               <a:rPr lang="en-US" dirty="0"/>
-              <a:t>Which regions or countries have the most wines and wineries and which have the best reviews and prices.</a:t>
+              <a:t>Which regions or countries have the most wines and wineries and what is the relationship to price.</a:t>
             </a:r>
           </a:p>
           <a:p>
@@ -47189,7 +46856,7 @@
             </a:pPr>
             <a:r>
               <a:rPr lang="en-US" dirty="0"/>
-              <a:t>Is there a correlation between the type of wine that a drinker prefers and the price that they will pay for a bottle? Are some varieties that are more expensive than others?</a:t>
+              <a:t>Is there a correlation between the type of wine that a drinker prefers and the price that they will pay for a bottle? Are some varieties more expensive than others?</a:t>
             </a:r>
           </a:p>
           <a:p>
@@ -47211,6 +46878,217 @@
 </file>
 
 <file path=ppt/slides/slide20.xml><?xml version="1.0" encoding="utf-8"?>
+<p:sld xmlns:a="http://schemas.openxmlformats.org/drawingml/2006/main" xmlns:r="http://schemas.openxmlformats.org/officeDocument/2006/relationships" xmlns:p="http://schemas.openxmlformats.org/presentationml/2006/main">
+  <p:cSld>
+    <p:spTree>
+      <p:nvGrpSpPr>
+        <p:cNvPr id="1" name=""/>
+        <p:cNvGrpSpPr/>
+        <p:nvPr/>
+      </p:nvGrpSpPr>
+      <p:grpSpPr>
+        <a:xfrm>
+          <a:off x="0" y="0"/>
+          <a:ext cx="0" cy="0"/>
+          <a:chOff x="0" y="0"/>
+          <a:chExt cx="0" cy="0"/>
+        </a:xfrm>
+      </p:grpSpPr>
+      <p:sp>
+        <p:nvSpPr>
+          <p:cNvPr id="7" name="Title 6">
+            <a:extLst>
+              <a:ext uri="{FF2B5EF4-FFF2-40B4-BE49-F238E27FC236}">
+                <a16:creationId xmlns:a16="http://schemas.microsoft.com/office/drawing/2014/main" id="{DC364D85-340C-492F-91AD-297AA841312D}"/>
+              </a:ext>
+            </a:extLst>
+          </p:cNvPr>
+          <p:cNvSpPr>
+            <a:spLocks noGrp="1"/>
+          </p:cNvSpPr>
+          <p:nvPr>
+            <p:ph type="title"/>
+          </p:nvPr>
+        </p:nvSpPr>
+        <p:spPr/>
+        <p:txBody>
+          <a:bodyPr/>
+          <a:lstStyle/>
+          <a:p>
+            <a:r>
+              <a:rPr lang="en-US" dirty="0"/>
+              <a:t>Price vs Variety</a:t>
+            </a:r>
+          </a:p>
+        </p:txBody>
+      </p:sp>
+      <p:sp>
+        <p:nvSpPr>
+          <p:cNvPr id="8" name="Text Placeholder 7">
+            <a:extLst>
+              <a:ext uri="{FF2B5EF4-FFF2-40B4-BE49-F238E27FC236}">
+                <a16:creationId xmlns:a16="http://schemas.microsoft.com/office/drawing/2014/main" id="{8E9A91CD-30DE-4A7C-AE89-50256B9D4CBA}"/>
+              </a:ext>
+            </a:extLst>
+          </p:cNvPr>
+          <p:cNvSpPr>
+            <a:spLocks noGrp="1"/>
+          </p:cNvSpPr>
+          <p:nvPr>
+            <p:ph type="body" idx="1"/>
+          </p:nvPr>
+        </p:nvSpPr>
+        <p:spPr/>
+        <p:txBody>
+          <a:bodyPr/>
+          <a:lstStyle/>
+          <a:p>
+            <a:r>
+              <a:rPr lang="en-US" dirty="0"/>
+              <a:t>Does the variety of wine make a difference on the sticker price?</a:t>
+            </a:r>
+          </a:p>
+        </p:txBody>
+      </p:sp>
+      <p:sp>
+        <p:nvSpPr>
+          <p:cNvPr id="3" name="Date Placeholder 2">
+            <a:extLst>
+              <a:ext uri="{FF2B5EF4-FFF2-40B4-BE49-F238E27FC236}">
+                <a16:creationId xmlns:a16="http://schemas.microsoft.com/office/drawing/2014/main" id="{EF1AE319-E73D-4A1C-B47A-F078EFE92958}"/>
+              </a:ext>
+            </a:extLst>
+          </p:cNvPr>
+          <p:cNvSpPr>
+            <a:spLocks noGrp="1"/>
+          </p:cNvSpPr>
+          <p:nvPr>
+            <p:ph type="dt" sz="half" idx="10"/>
+          </p:nvPr>
+        </p:nvSpPr>
+        <p:spPr/>
+        <p:txBody>
+          <a:bodyPr/>
+          <a:lstStyle/>
+          <a:p>
+            <a:r>
+              <a:rPr lang="en-US" dirty="0"/>
+              <a:t>11/20/2018</a:t>
+            </a:r>
+            <a:endParaRPr lang="ru-RU" dirty="0"/>
+          </a:p>
+        </p:txBody>
+      </p:sp>
+      <p:sp>
+        <p:nvSpPr>
+          <p:cNvPr id="5" name="Slide Number Placeholder 4">
+            <a:extLst>
+              <a:ext uri="{FF2B5EF4-FFF2-40B4-BE49-F238E27FC236}">
+                <a16:creationId xmlns:a16="http://schemas.microsoft.com/office/drawing/2014/main" id="{4B7A8729-5545-41E9-973E-69E21DE6F145}"/>
+              </a:ext>
+            </a:extLst>
+          </p:cNvPr>
+          <p:cNvSpPr>
+            <a:spLocks noGrp="1"/>
+          </p:cNvSpPr>
+          <p:nvPr>
+            <p:ph type="sldNum" sz="quarter" idx="12"/>
+          </p:nvPr>
+        </p:nvSpPr>
+        <p:spPr/>
+        <p:txBody>
+          <a:bodyPr/>
+          <a:lstStyle/>
+          <a:p>
+            <a:fld id="{8D581BC7-E183-40DB-AC97-C19EA4EB8894}" type="slidenum">
+              <a:rPr lang="ru-RU" smtClean="0"/>
+              <a:pPr/>
+              <a:t>20</a:t>
+            </a:fld>
+            <a:endParaRPr lang="ru-RU" dirty="0"/>
+          </a:p>
+        </p:txBody>
+      </p:sp>
+      <p:sp>
+        <p:nvSpPr>
+          <p:cNvPr id="10" name="Text Placeholder 9">
+            <a:extLst>
+              <a:ext uri="{FF2B5EF4-FFF2-40B4-BE49-F238E27FC236}">
+                <a16:creationId xmlns:a16="http://schemas.microsoft.com/office/drawing/2014/main" id="{059EF401-CD24-4D5C-B013-455AB5BAEE20}"/>
+              </a:ext>
+            </a:extLst>
+          </p:cNvPr>
+          <p:cNvSpPr>
+            <a:spLocks noGrp="1"/>
+          </p:cNvSpPr>
+          <p:nvPr>
+            <p:ph type="body" idx="14"/>
+          </p:nvPr>
+        </p:nvSpPr>
+        <p:spPr/>
+        <p:txBody>
+          <a:bodyPr/>
+          <a:lstStyle/>
+          <a:p>
+            <a:r>
+              <a:rPr lang="en-US" dirty="0"/>
+              <a:t>Our dataset represents 697 varieties of wine.</a:t>
+            </a:r>
+          </a:p>
+          <a:p>
+            <a:r>
+              <a:rPr lang="en-US" dirty="0"/>
+              <a:t>I narrowed the field down to the top 10 varieties and calculated the average price for each variety.</a:t>
+            </a:r>
+          </a:p>
+          <a:p>
+            <a:endParaRPr lang="en-US" dirty="0"/>
+          </a:p>
+        </p:txBody>
+      </p:sp>
+      <p:pic>
+        <p:nvPicPr>
+          <p:cNvPr id="21" name="Picture Placeholder 20">
+            <a:extLst>
+              <a:ext uri="{FF2B5EF4-FFF2-40B4-BE49-F238E27FC236}">
+                <a16:creationId xmlns:a16="http://schemas.microsoft.com/office/drawing/2014/main" id="{BDE7F5BD-2210-4965-BB5B-1A9DF2152C56}"/>
+              </a:ext>
+            </a:extLst>
+          </p:cNvPr>
+          <p:cNvPicPr>
+            <a:picLocks noGrp="1" noChangeAspect="1"/>
+          </p:cNvPicPr>
+          <p:nvPr>
+            <p:ph type="pic" sz="quarter" idx="15"/>
+          </p:nvPr>
+        </p:nvPicPr>
+        <p:blipFill>
+          <a:blip r:embed="rId2"/>
+          <a:stretch>
+            <a:fillRect/>
+          </a:stretch>
+        </p:blipFill>
+        <p:spPr>
+          <a:xfrm>
+            <a:off x="5399847" y="1408250"/>
+            <a:ext cx="6565672" cy="4241718"/>
+          </a:xfrm>
+        </p:spPr>
+      </p:pic>
+    </p:spTree>
+    <p:extLst>
+      <p:ext uri="{BB962C8B-B14F-4D97-AF65-F5344CB8AC3E}">
+        <p14:creationId xmlns:p14="http://schemas.microsoft.com/office/powerpoint/2010/main" val="1633109015"/>
+      </p:ext>
+    </p:extLst>
+  </p:cSld>
+  <p:clrMapOvr>
+    <a:masterClrMapping/>
+  </p:clrMapOvr>
+</p:sld>
+</file>
+
+<file path=ppt/slides/slide21.xml><?xml version="1.0" encoding="utf-8"?>
 <p:sld xmlns:a="http://schemas.openxmlformats.org/drawingml/2006/main" xmlns:r="http://schemas.openxmlformats.org/officeDocument/2006/relationships" xmlns:p="http://schemas.openxmlformats.org/presentationml/2006/main">
   <p:cSld>
     <p:bg>
@@ -47490,59 +47368,12 @@
               </a:spcAft>
             </a:pPr>
             <a:r>
-              <a:rPr lang="en-US" sz="1200">
+              <a:rPr lang="en-US" sz="1200" dirty="0">
                 <a:solidFill>
                   <a:srgbClr val="898989"/>
                 </a:solidFill>
               </a:rPr>
-              <a:t>MM.DD.20XX</a:t>
-            </a:r>
-          </a:p>
-        </p:txBody>
-      </p:sp>
-      <p:sp>
-        <p:nvSpPr>
-          <p:cNvPr id="5" name="Footer Placeholder 4">
-            <a:extLst>
-              <a:ext uri="{FF2B5EF4-FFF2-40B4-BE49-F238E27FC236}">
-                <a16:creationId xmlns:a16="http://schemas.microsoft.com/office/drawing/2014/main" id="{FC6D245F-5039-4093-B6C0-71DB79828011}"/>
-              </a:ext>
-            </a:extLst>
-          </p:cNvPr>
-          <p:cNvSpPr>
-            <a:spLocks noGrp="1"/>
-          </p:cNvSpPr>
-          <p:nvPr>
-            <p:ph type="ftr" sz="quarter" idx="11"/>
-          </p:nvPr>
-        </p:nvSpPr>
-        <p:spPr>
-          <a:xfrm>
-            <a:off x="4038600" y="6522430"/>
-            <a:ext cx="4114800" cy="347472"/>
-          </a:xfrm>
-        </p:spPr>
-        <p:txBody>
-          <a:bodyPr vert="horz" lIns="91440" tIns="45720" rIns="91440" bIns="45720" rtlCol="0" anchor="ctr">
-            <a:normAutofit/>
-          </a:bodyPr>
-          <a:lstStyle/>
-          <a:p>
-            <a:pPr algn="ctr">
-              <a:spcAft>
-                <a:spcPts val="600"/>
-              </a:spcAft>
-            </a:pPr>
-            <a:r>
-              <a:rPr lang="en-US" sz="1200" kern="1200">
-                <a:solidFill>
-                  <a:srgbClr val="898989"/>
-                </a:solidFill>
-                <a:latin typeface="+mn-lt"/>
-                <a:ea typeface="+mn-ea"/>
-                <a:cs typeface="+mn-cs"/>
-              </a:rPr>
-              <a:t>ADD A FOOTER</a:t>
+              <a:t>11/10/2018</a:t>
             </a:r>
           </a:p>
         </p:txBody>
@@ -47591,7 +47422,7 @@
                   <a:spcPts val="600"/>
                 </a:spcAft>
               </a:pPr>
-              <a:t>20</a:t>
+              <a:t>21</a:t>
             </a:fld>
             <a:endParaRPr lang="en-US" sz="1200">
               <a:solidFill>
@@ -47605,308 +47436,6 @@
     <p:extLst>
       <p:ext uri="{BB962C8B-B14F-4D97-AF65-F5344CB8AC3E}">
         <p14:creationId xmlns:p14="http://schemas.microsoft.com/office/powerpoint/2010/main" val="1874728189"/>
-      </p:ext>
-    </p:extLst>
-  </p:cSld>
-  <p:clrMapOvr>
-    <a:masterClrMapping/>
-  </p:clrMapOvr>
-</p:sld>
-</file>
-
-<file path=ppt/slides/slide21.xml><?xml version="1.0" encoding="utf-8"?>
-<p:sld xmlns:a="http://schemas.openxmlformats.org/drawingml/2006/main" xmlns:r="http://schemas.openxmlformats.org/officeDocument/2006/relationships" xmlns:p="http://schemas.openxmlformats.org/presentationml/2006/main">
-  <p:cSld>
-    <p:spTree>
-      <p:nvGrpSpPr>
-        <p:cNvPr id="1" name=""/>
-        <p:cNvGrpSpPr/>
-        <p:nvPr/>
-      </p:nvGrpSpPr>
-      <p:grpSpPr>
-        <a:xfrm>
-          <a:off x="0" y="0"/>
-          <a:ext cx="0" cy="0"/>
-          <a:chOff x="0" y="0"/>
-          <a:chExt cx="0" cy="0"/>
-        </a:xfrm>
-      </p:grpSpPr>
-      <p:sp>
-        <p:nvSpPr>
-          <p:cNvPr id="3" name="Date Placeholder 2">
-            <a:extLst>
-              <a:ext uri="{FF2B5EF4-FFF2-40B4-BE49-F238E27FC236}">
-                <a16:creationId xmlns:a16="http://schemas.microsoft.com/office/drawing/2014/main" id="{6C83D2DD-34AF-412E-ADC4-8C1E181CFC8D}"/>
-              </a:ext>
-            </a:extLst>
-          </p:cNvPr>
-          <p:cNvSpPr>
-            <a:spLocks noGrp="1"/>
-          </p:cNvSpPr>
-          <p:nvPr>
-            <p:ph type="dt" sz="half" idx="10"/>
-          </p:nvPr>
-        </p:nvSpPr>
-        <p:spPr/>
-        <p:txBody>
-          <a:bodyPr/>
-          <a:lstStyle/>
-          <a:p>
-            <a:r>
-              <a:rPr lang="en-US"/>
-              <a:t>MM.DD.20XX</a:t>
-            </a:r>
-            <a:endParaRPr lang="ru-RU" dirty="0"/>
-          </a:p>
-        </p:txBody>
-      </p:sp>
-      <p:sp>
-        <p:nvSpPr>
-          <p:cNvPr id="4" name="Footer Placeholder 3">
-            <a:extLst>
-              <a:ext uri="{FF2B5EF4-FFF2-40B4-BE49-F238E27FC236}">
-                <a16:creationId xmlns:a16="http://schemas.microsoft.com/office/drawing/2014/main" id="{129E134B-64F0-4498-92FB-8E54B70F91A5}"/>
-              </a:ext>
-            </a:extLst>
-          </p:cNvPr>
-          <p:cNvSpPr>
-            <a:spLocks noGrp="1"/>
-          </p:cNvSpPr>
-          <p:nvPr>
-            <p:ph type="ftr" sz="quarter" idx="11"/>
-          </p:nvPr>
-        </p:nvSpPr>
-        <p:spPr/>
-        <p:txBody>
-          <a:bodyPr/>
-          <a:lstStyle/>
-          <a:p>
-            <a:r>
-              <a:rPr lang="en-US"/>
-              <a:t>ADD A FOOTER</a:t>
-            </a:r>
-            <a:endParaRPr lang="ru-RU" dirty="0"/>
-          </a:p>
-        </p:txBody>
-      </p:sp>
-      <p:sp>
-        <p:nvSpPr>
-          <p:cNvPr id="5" name="Slide Number Placeholder 4">
-            <a:extLst>
-              <a:ext uri="{FF2B5EF4-FFF2-40B4-BE49-F238E27FC236}">
-                <a16:creationId xmlns:a16="http://schemas.microsoft.com/office/drawing/2014/main" id="{868D9A5B-91BF-48C3-B71F-432F0E6ECD5F}"/>
-              </a:ext>
-            </a:extLst>
-          </p:cNvPr>
-          <p:cNvSpPr>
-            <a:spLocks noGrp="1"/>
-          </p:cNvSpPr>
-          <p:nvPr>
-            <p:ph type="sldNum" sz="quarter" idx="12"/>
-          </p:nvPr>
-        </p:nvSpPr>
-        <p:spPr/>
-        <p:txBody>
-          <a:bodyPr/>
-          <a:lstStyle/>
-          <a:p>
-            <a:fld id="{8D581BC7-E183-40DB-AC97-C19EA4EB8894}" type="slidenum">
-              <a:rPr lang="ru-RU" smtClean="0"/>
-              <a:pPr/>
-              <a:t>21</a:t>
-            </a:fld>
-            <a:endParaRPr lang="ru-RU" dirty="0"/>
-          </a:p>
-        </p:txBody>
-      </p:sp>
-      <p:sp>
-        <p:nvSpPr>
-          <p:cNvPr id="2" name="Title 1">
-            <a:extLst>
-              <a:ext uri="{FF2B5EF4-FFF2-40B4-BE49-F238E27FC236}">
-                <a16:creationId xmlns:a16="http://schemas.microsoft.com/office/drawing/2014/main" id="{8F73829A-ADB2-4902-9B0D-6E69DAC6ACDA}"/>
-              </a:ext>
-            </a:extLst>
-          </p:cNvPr>
-          <p:cNvSpPr>
-            <a:spLocks noGrp="1"/>
-          </p:cNvSpPr>
-          <p:nvPr>
-            <p:ph type="title"/>
-          </p:nvPr>
-        </p:nvSpPr>
-        <p:spPr/>
-        <p:txBody>
-          <a:bodyPr>
-            <a:normAutofit fontScale="90000"/>
-          </a:bodyPr>
-          <a:lstStyle/>
-          <a:p>
-            <a:r>
-              <a:rPr lang="en-US" dirty="0"/>
-              <a:t>What words are used most frequently in wine reviews?</a:t>
-            </a:r>
-          </a:p>
-        </p:txBody>
-      </p:sp>
-      <p:sp>
-        <p:nvSpPr>
-          <p:cNvPr id="7" name="Text Placeholder 6">
-            <a:extLst>
-              <a:ext uri="{FF2B5EF4-FFF2-40B4-BE49-F238E27FC236}">
-                <a16:creationId xmlns:a16="http://schemas.microsoft.com/office/drawing/2014/main" id="{68AED2D4-5EA2-4136-AC9A-D20A4662F8E1}"/>
-              </a:ext>
-            </a:extLst>
-          </p:cNvPr>
-          <p:cNvSpPr>
-            <a:spLocks noGrp="1"/>
-          </p:cNvSpPr>
-          <p:nvPr>
-            <p:ph type="body" idx="1"/>
-          </p:nvPr>
-        </p:nvSpPr>
-        <p:spPr/>
-        <p:txBody>
-          <a:bodyPr>
-            <a:normAutofit fontScale="92500"/>
-          </a:bodyPr>
-          <a:lstStyle/>
-          <a:p>
-            <a:r>
-              <a:rPr lang="en-US" b="0" u="sng" dirty="0" err="1">
-                <a:hlinkClick r:id="rId2">
-                  <a:extLst>
-                    <a:ext uri="{A12FA001-AC4F-418D-AE19-62706E023703}">
-                      <ahyp:hlinkClr xmlns:ahyp="http://schemas.microsoft.com/office/drawing/2018/hyperlinkcolor" val="tx"/>
-                    </a:ext>
-                  </a:extLst>
-                </a:hlinkClick>
-              </a:rPr>
-              <a:t>WordCloud</a:t>
-            </a:r>
-            <a:r>
-              <a:rPr lang="en-US" b="0" dirty="0"/>
-              <a:t> is a technique to show which words are the most frequent among a given text.</a:t>
-            </a:r>
-            <a:endParaRPr lang="en-US" dirty="0"/>
-          </a:p>
-        </p:txBody>
-      </p:sp>
-      <p:sp>
-        <p:nvSpPr>
-          <p:cNvPr id="8" name="Picture Placeholder 7">
-            <a:extLst>
-              <a:ext uri="{FF2B5EF4-FFF2-40B4-BE49-F238E27FC236}">
-                <a16:creationId xmlns:a16="http://schemas.microsoft.com/office/drawing/2014/main" id="{730896CA-1A14-4761-9090-E78D00272763}"/>
-              </a:ext>
-            </a:extLst>
-          </p:cNvPr>
-          <p:cNvSpPr>
-            <a:spLocks noGrp="1"/>
-          </p:cNvSpPr>
-          <p:nvPr>
-            <p:ph type="pic" sz="quarter" idx="13"/>
-          </p:nvPr>
-        </p:nvSpPr>
-        <p:spPr/>
-      </p:sp>
-      <p:sp>
-        <p:nvSpPr>
-          <p:cNvPr id="9" name="Text Placeholder 8">
-            <a:extLst>
-              <a:ext uri="{FF2B5EF4-FFF2-40B4-BE49-F238E27FC236}">
-                <a16:creationId xmlns:a16="http://schemas.microsoft.com/office/drawing/2014/main" id="{436F9A20-B1AA-4C6C-8748-DDFDD6FC9840}"/>
-              </a:ext>
-            </a:extLst>
-          </p:cNvPr>
-          <p:cNvSpPr>
-            <a:spLocks noGrp="1"/>
-          </p:cNvSpPr>
-          <p:nvPr>
-            <p:ph type="body" idx="14"/>
-          </p:nvPr>
-        </p:nvSpPr>
-        <p:spPr/>
-        <p:txBody>
-          <a:bodyPr>
-            <a:normAutofit fontScale="92500"/>
-          </a:bodyPr>
-          <a:lstStyle/>
-          <a:p>
-            <a:r>
-              <a:rPr lang="en-US" dirty="0"/>
-              <a:t>Using the “Description” column of our dataset, we wanted to explore what words were most frequently used in describing the wines.</a:t>
-            </a:r>
-          </a:p>
-          <a:p>
-            <a:r>
-              <a:rPr lang="en-US" dirty="0"/>
-              <a:t>I installed a specific package to sort through the descriptions, and based on their frequency in the column, generate a “</a:t>
-            </a:r>
-            <a:r>
-              <a:rPr lang="en-US" dirty="0" err="1"/>
-              <a:t>WordCloud</a:t>
-            </a:r>
-            <a:r>
-              <a:rPr lang="en-US" dirty="0"/>
-              <a:t>” with the 100 most commonly used words. </a:t>
-            </a:r>
-          </a:p>
-          <a:p>
-            <a:r>
-              <a:rPr lang="en-US" dirty="0"/>
-              <a:t>The size of the word in the “Cloud” correlates with the frequency of the word’s use in the column. </a:t>
-            </a:r>
-          </a:p>
-          <a:p>
-            <a:r>
-              <a:rPr lang="en-US" dirty="0"/>
-              <a:t>Using the “</a:t>
-            </a:r>
-            <a:r>
-              <a:rPr lang="en-US" dirty="0" err="1"/>
-              <a:t>stopwords</a:t>
-            </a:r>
-            <a:r>
-              <a:rPr lang="en-US" dirty="0"/>
-              <a:t>” parameter, I specifically removed words like “The” and “Wine” from the list, since they would most likely be used in nearly every review. </a:t>
-            </a:r>
-          </a:p>
-        </p:txBody>
-      </p:sp>
-      <p:pic>
-        <p:nvPicPr>
-          <p:cNvPr id="20" name="Picture Placeholder 19">
-            <a:extLst>
-              <a:ext uri="{FF2B5EF4-FFF2-40B4-BE49-F238E27FC236}">
-                <a16:creationId xmlns:a16="http://schemas.microsoft.com/office/drawing/2014/main" id="{A9E8C1E6-4100-46BE-91D5-EFF035C7C962}"/>
-              </a:ext>
-            </a:extLst>
-          </p:cNvPr>
-          <p:cNvPicPr preferRelativeResize="0">
-            <a:picLocks noGrp="1"/>
-          </p:cNvPicPr>
-          <p:nvPr>
-            <p:ph type="pic" sz="quarter" idx="15"/>
-          </p:nvPr>
-        </p:nvPicPr>
-        <p:blipFill>
-          <a:blip r:embed="rId3"/>
-          <a:stretch>
-            <a:fillRect/>
-          </a:stretch>
-        </p:blipFill>
-        <p:spPr>
-          <a:xfrm>
-            <a:off x="343522" y="1656819"/>
-            <a:ext cx="5752478" cy="3544361"/>
-          </a:xfrm>
-        </p:spPr>
-      </p:pic>
-    </p:spTree>
-    <p:extLst>
-      <p:ext uri="{BB962C8B-B14F-4D97-AF65-F5344CB8AC3E}">
-        <p14:creationId xmlns:p14="http://schemas.microsoft.com/office/powerpoint/2010/main" val="2924347537"/>
       </p:ext>
     </p:extLst>
   </p:cSld>
@@ -47935,10 +47464,69 @@
       </p:grpSpPr>
       <p:sp>
         <p:nvSpPr>
+          <p:cNvPr id="3" name="Date Placeholder 2">
+            <a:extLst>
+              <a:ext uri="{FF2B5EF4-FFF2-40B4-BE49-F238E27FC236}">
+                <a16:creationId xmlns:a16="http://schemas.microsoft.com/office/drawing/2014/main" id="{6C83D2DD-34AF-412E-ADC4-8C1E181CFC8D}"/>
+              </a:ext>
+            </a:extLst>
+          </p:cNvPr>
+          <p:cNvSpPr>
+            <a:spLocks noGrp="1"/>
+          </p:cNvSpPr>
+          <p:nvPr>
+            <p:ph type="dt" sz="half" idx="10"/>
+          </p:nvPr>
+        </p:nvSpPr>
+        <p:spPr/>
+        <p:txBody>
+          <a:bodyPr/>
+          <a:lstStyle/>
+          <a:p>
+            <a:r>
+              <a:rPr lang="en-US" dirty="0"/>
+              <a:t>11/10/2018</a:t>
+            </a:r>
+            <a:endParaRPr lang="ru-RU" dirty="0"/>
+          </a:p>
+        </p:txBody>
+      </p:sp>
+      <p:sp>
+        <p:nvSpPr>
+          <p:cNvPr id="5" name="Slide Number Placeholder 4">
+            <a:extLst>
+              <a:ext uri="{FF2B5EF4-FFF2-40B4-BE49-F238E27FC236}">
+                <a16:creationId xmlns:a16="http://schemas.microsoft.com/office/drawing/2014/main" id="{868D9A5B-91BF-48C3-B71F-432F0E6ECD5F}"/>
+              </a:ext>
+            </a:extLst>
+          </p:cNvPr>
+          <p:cNvSpPr>
+            <a:spLocks noGrp="1"/>
+          </p:cNvSpPr>
+          <p:nvPr>
+            <p:ph type="sldNum" sz="quarter" idx="12"/>
+          </p:nvPr>
+        </p:nvSpPr>
+        <p:spPr/>
+        <p:txBody>
+          <a:bodyPr/>
+          <a:lstStyle/>
+          <a:p>
+            <a:fld id="{8D581BC7-E183-40DB-AC97-C19EA4EB8894}" type="slidenum">
+              <a:rPr lang="ru-RU" smtClean="0"/>
+              <a:pPr/>
+              <a:t>22</a:t>
+            </a:fld>
+            <a:endParaRPr lang="ru-RU" dirty="0"/>
+          </a:p>
+        </p:txBody>
+      </p:sp>
+      <p:sp>
+        <p:nvSpPr>
           <p:cNvPr id="2" name="Title 1">
             <a:extLst>
               <a:ext uri="{FF2B5EF4-FFF2-40B4-BE49-F238E27FC236}">
-                <a16:creationId xmlns:a16="http://schemas.microsoft.com/office/drawing/2014/main" id="{C23E0FD3-D0E6-48A7-BD5D-D62633B3D248}"/>
+                <a16:creationId xmlns:a16="http://schemas.microsoft.com/office/drawing/2014/main" id="{8F73829A-ADB2-4902-9B0D-6E69DAC6ACDA}"/>
               </a:ext>
             </a:extLst>
           </p:cNvPr>
@@ -47949,29 +47537,26 @@
             <p:ph type="title"/>
           </p:nvPr>
         </p:nvSpPr>
-        <p:spPr>
-          <a:xfrm>
-            <a:off x="899666" y="353995"/>
-            <a:ext cx="10515600" cy="652969"/>
-          </a:xfrm>
-        </p:spPr>
-        <p:txBody>
-          <a:bodyPr/>
+        <p:spPr/>
+        <p:txBody>
+          <a:bodyPr>
+            <a:normAutofit fontScale="90000"/>
+          </a:bodyPr>
           <a:lstStyle/>
           <a:p>
             <a:r>
               <a:rPr lang="en-US" dirty="0"/>
-              <a:t>Top Cheap Wines ($20 or under)</a:t>
-            </a:r>
-          </a:p>
-        </p:txBody>
-      </p:sp>
-      <p:sp>
-        <p:nvSpPr>
-          <p:cNvPr id="3" name="Date Placeholder 2">
-            <a:extLst>
-              <a:ext uri="{FF2B5EF4-FFF2-40B4-BE49-F238E27FC236}">
-                <a16:creationId xmlns:a16="http://schemas.microsoft.com/office/drawing/2014/main" id="{7D374778-3FD0-41C5-BBB7-089F90AE2115}"/>
+              <a:t>What words are used most frequently in wine reviews?</a:t>
+            </a:r>
+          </a:p>
+        </p:txBody>
+      </p:sp>
+      <p:sp>
+        <p:nvSpPr>
+          <p:cNvPr id="7" name="Text Placeholder 6">
+            <a:extLst>
+              <a:ext uri="{FF2B5EF4-FFF2-40B4-BE49-F238E27FC236}">
+                <a16:creationId xmlns:a16="http://schemas.microsoft.com/office/drawing/2014/main" id="{68AED2D4-5EA2-4136-AC9A-D20A4662F8E1}"/>
               </a:ext>
             </a:extLst>
           </p:cNvPr>
@@ -47979,28 +47564,42 @@
             <a:spLocks noGrp="1"/>
           </p:cNvSpPr>
           <p:nvPr>
-            <p:ph type="dt" sz="half" idx="10"/>
+            <p:ph type="body" idx="1"/>
           </p:nvPr>
         </p:nvSpPr>
         <p:spPr/>
         <p:txBody>
-          <a:bodyPr/>
+          <a:bodyPr>
+            <a:normAutofit fontScale="92500"/>
+          </a:bodyPr>
           <a:lstStyle/>
           <a:p>
             <a:r>
-              <a:rPr lang="en-US" dirty="0"/>
-              <a:t>11.10.2018</a:t>
-            </a:r>
-            <a:endParaRPr lang="ru-RU" dirty="0"/>
-          </a:p>
-        </p:txBody>
-      </p:sp>
-      <p:sp>
-        <p:nvSpPr>
-          <p:cNvPr id="5" name="Slide Number Placeholder 4">
-            <a:extLst>
-              <a:ext uri="{FF2B5EF4-FFF2-40B4-BE49-F238E27FC236}">
-                <a16:creationId xmlns:a16="http://schemas.microsoft.com/office/drawing/2014/main" id="{4E0D58E0-FB88-44D3-8151-6E5B0CF49491}"/>
+              <a:rPr lang="en-US" b="0" u="sng" dirty="0" err="1">
+                <a:hlinkClick r:id="rId2">
+                  <a:extLst>
+                    <a:ext uri="{A12FA001-AC4F-418D-AE19-62706E023703}">
+                      <ahyp:hlinkClr xmlns:ahyp="http://schemas.microsoft.com/office/drawing/2018/hyperlinkcolor" val="tx"/>
+                    </a:ext>
+                  </a:extLst>
+                </a:hlinkClick>
+              </a:rPr>
+              <a:t>WordCloud</a:t>
+            </a:r>
+            <a:r>
+              <a:rPr lang="en-US" b="0" dirty="0"/>
+              <a:t> is a technique to show which words are the most frequent among a given text.</a:t>
+            </a:r>
+            <a:endParaRPr lang="en-US" dirty="0"/>
+          </a:p>
+        </p:txBody>
+      </p:sp>
+      <p:sp>
+        <p:nvSpPr>
+          <p:cNvPr id="9" name="Text Placeholder 8">
+            <a:extLst>
+              <a:ext uri="{FF2B5EF4-FFF2-40B4-BE49-F238E27FC236}">
+                <a16:creationId xmlns:a16="http://schemas.microsoft.com/office/drawing/2014/main" id="{436F9A20-B1AA-4C6C-8748-DDFDD6FC9840}"/>
               </a:ext>
             </a:extLst>
           </p:cNvPr>
@@ -48008,117 +47607,90 @@
             <a:spLocks noGrp="1"/>
           </p:cNvSpPr>
           <p:nvPr>
-            <p:ph type="sldNum" sz="quarter" idx="12"/>
+            <p:ph type="body" idx="14"/>
           </p:nvPr>
         </p:nvSpPr>
         <p:spPr/>
         <p:txBody>
-          <a:bodyPr/>
+          <a:bodyPr>
+            <a:normAutofit fontScale="92500"/>
+          </a:bodyPr>
           <a:lstStyle/>
           <a:p>
-            <a:fld id="{8D581BC7-E183-40DB-AC97-C19EA4EB8894}" type="slidenum">
-              <a:rPr lang="ru-RU" smtClean="0"/>
-              <a:pPr/>
-              <a:t>22</a:t>
-            </a:fld>
-            <a:endParaRPr lang="ru-RU" dirty="0"/>
+            <a:r>
+              <a:rPr lang="en-US" dirty="0"/>
+              <a:t>Using the “Description” column of our dataset, we wanted to explore what words were most frequently used in describing the wines.</a:t>
+            </a:r>
+          </a:p>
+          <a:p>
+            <a:r>
+              <a:rPr lang="en-US" dirty="0"/>
+              <a:t>I installed a specific package to sort through the descriptions, and based on their frequency in the column, generate a “</a:t>
+            </a:r>
+            <a:r>
+              <a:rPr lang="en-US" dirty="0" err="1"/>
+              <a:t>WordCloud</a:t>
+            </a:r>
+            <a:r>
+              <a:rPr lang="en-US" dirty="0"/>
+              <a:t>” with the 100 most commonly used words. </a:t>
+            </a:r>
+          </a:p>
+          <a:p>
+            <a:r>
+              <a:rPr lang="en-US" dirty="0"/>
+              <a:t>The size of the word in the “Cloud” correlates with the frequency of the word’s use in the column. </a:t>
+            </a:r>
+          </a:p>
+          <a:p>
+            <a:r>
+              <a:rPr lang="en-US" dirty="0"/>
+              <a:t>Using the “</a:t>
+            </a:r>
+            <a:r>
+              <a:rPr lang="en-US" dirty="0" err="1"/>
+              <a:t>stopwords</a:t>
+            </a:r>
+            <a:r>
+              <a:rPr lang="en-US" dirty="0"/>
+              <a:t>” parameter, I specifically removed words like “The” and “Wine” from the list, since they would most likely be used in nearly every review. </a:t>
+            </a:r>
           </a:p>
         </p:txBody>
       </p:sp>
       <p:pic>
         <p:nvPicPr>
-          <p:cNvPr id="11" name="Picture 10">
-            <a:extLst>
-              <a:ext uri="{FF2B5EF4-FFF2-40B4-BE49-F238E27FC236}">
-                <a16:creationId xmlns:a16="http://schemas.microsoft.com/office/drawing/2014/main" id="{0B962F66-3AFC-4F89-8497-33E55B7F93F7}"/>
-              </a:ext>
-            </a:extLst>
-          </p:cNvPr>
-          <p:cNvPicPr>
-            <a:picLocks noChangeAspect="1"/>
+          <p:cNvPr id="20" name="Picture Placeholder 19">
+            <a:extLst>
+              <a:ext uri="{FF2B5EF4-FFF2-40B4-BE49-F238E27FC236}">
+                <a16:creationId xmlns:a16="http://schemas.microsoft.com/office/drawing/2014/main" id="{A9E8C1E6-4100-46BE-91D5-EFF035C7C962}"/>
+              </a:ext>
+            </a:extLst>
+          </p:cNvPr>
+          <p:cNvPicPr preferRelativeResize="0">
+            <a:picLocks noGrp="1"/>
           </p:cNvPicPr>
-          <p:nvPr/>
+          <p:nvPr>
+            <p:ph type="pic" sz="quarter" idx="15"/>
+          </p:nvPr>
         </p:nvPicPr>
         <p:blipFill>
-          <a:blip r:embed="rId2"/>
+          <a:blip r:embed="rId3"/>
           <a:stretch>
             <a:fillRect/>
           </a:stretch>
         </p:blipFill>
         <p:spPr>
           <a:xfrm>
-            <a:off x="955888" y="1091762"/>
-            <a:ext cx="7414083" cy="4786958"/>
-          </a:xfrm>
-          <a:prstGeom prst="rect">
-            <a:avLst/>
-          </a:prstGeom>
+            <a:off x="184494" y="1696278"/>
+            <a:ext cx="6388583" cy="3873643"/>
+          </a:xfrm>
         </p:spPr>
       </p:pic>
-      <p:sp>
-        <p:nvSpPr>
-          <p:cNvPr id="12" name="TextBox 11">
-            <a:extLst>
-              <a:ext uri="{FF2B5EF4-FFF2-40B4-BE49-F238E27FC236}">
-                <a16:creationId xmlns:a16="http://schemas.microsoft.com/office/drawing/2014/main" id="{F02E6442-E63C-444D-B86A-83E1744FC1EC}"/>
-              </a:ext>
-            </a:extLst>
-          </p:cNvPr>
-          <p:cNvSpPr txBox="1"/>
-          <p:nvPr/>
-        </p:nvSpPr>
-        <p:spPr>
-          <a:xfrm>
-            <a:off x="8637494" y="1091762"/>
-            <a:ext cx="3061447" cy="1754326"/>
-          </a:xfrm>
-          <a:prstGeom prst="rect">
-            <a:avLst/>
-          </a:prstGeom>
-          <a:noFill/>
-        </p:spPr>
-        <p:txBody>
-          <a:bodyPr wrap="square" rtlCol="0">
-            <a:spAutoFit/>
-          </a:bodyPr>
-          <a:lstStyle/>
-          <a:p>
-            <a:pPr marL="285750" indent="-285750">
-              <a:buFontTx/>
-              <a:buChar char="-"/>
-            </a:pPr>
-            <a:r>
-              <a:rPr lang="en-US" dirty="0"/>
-              <a:t>Top Wines By Variety</a:t>
-            </a:r>
-            <a:br>
-              <a:rPr lang="en-US" dirty="0"/>
-            </a:br>
-            <a:endParaRPr lang="en-US" dirty="0"/>
-          </a:p>
-          <a:p>
-            <a:pPr marL="285750" indent="-285750">
-              <a:buFontTx/>
-              <a:buChar char="-"/>
-            </a:pPr>
-            <a:r>
-              <a:rPr lang="en-US" dirty="0"/>
-              <a:t>There were some ties for top points, so other options are available</a:t>
-            </a:r>
-          </a:p>
-          <a:p>
-            <a:pPr marL="285750" indent="-285750">
-              <a:buFontTx/>
-              <a:buChar char="-"/>
-            </a:pPr>
-            <a:endParaRPr lang="en-US" dirty="0"/>
-          </a:p>
-        </p:txBody>
-      </p:sp>
     </p:spTree>
     <p:extLst>
       <p:ext uri="{BB962C8B-B14F-4D97-AF65-F5344CB8AC3E}">
-        <p14:creationId xmlns:p14="http://schemas.microsoft.com/office/powerpoint/2010/main" val="3039596939"/>
+        <p14:creationId xmlns:p14="http://schemas.microsoft.com/office/powerpoint/2010/main" val="2924347537"/>
       </p:ext>
     </p:extLst>
   </p:cSld>
@@ -48147,10 +47719,10 @@
       </p:grpSpPr>
       <p:sp>
         <p:nvSpPr>
-          <p:cNvPr id="4" name="Title 3">
-            <a:extLst>
-              <a:ext uri="{FF2B5EF4-FFF2-40B4-BE49-F238E27FC236}">
-                <a16:creationId xmlns:a16="http://schemas.microsoft.com/office/drawing/2014/main" id="{E98DCA46-603B-4178-8707-30E192CE6B8D}"/>
+          <p:cNvPr id="2" name="Title 1">
+            <a:extLst>
+              <a:ext uri="{FF2B5EF4-FFF2-40B4-BE49-F238E27FC236}">
+                <a16:creationId xmlns:a16="http://schemas.microsoft.com/office/drawing/2014/main" id="{C23E0FD3-D0E6-48A7-BD5D-D62633B3D248}"/>
               </a:ext>
             </a:extLst>
           </p:cNvPr>
@@ -48161,25 +47733,118 @@
             <p:ph type="title"/>
           </p:nvPr>
         </p:nvSpPr>
-        <p:spPr/>
+        <p:spPr>
+          <a:xfrm>
+            <a:off x="899666" y="353995"/>
+            <a:ext cx="10515600" cy="652969"/>
+          </a:xfrm>
+        </p:spPr>
         <p:txBody>
           <a:bodyPr/>
           <a:lstStyle/>
           <a:p>
             <a:r>
               <a:rPr lang="en-US" dirty="0"/>
-              <a:t>Data for this presentation available here:</a:t>
-            </a:r>
-          </a:p>
-        </p:txBody>
-      </p:sp>
-      <p:sp>
-        <p:nvSpPr>
-          <p:cNvPr id="8" name="TextBox 7">
-            <a:hlinkClick r:id="rId2"/>
-            <a:extLst>
-              <a:ext uri="{FF2B5EF4-FFF2-40B4-BE49-F238E27FC236}">
-                <a16:creationId xmlns:a16="http://schemas.microsoft.com/office/drawing/2014/main" id="{5FC6C278-4035-446A-A94B-030E792FDDF5}"/>
+              <a:t>Top Wines $20 and under</a:t>
+            </a:r>
+          </a:p>
+        </p:txBody>
+      </p:sp>
+      <p:sp>
+        <p:nvSpPr>
+          <p:cNvPr id="3" name="Date Placeholder 2">
+            <a:extLst>
+              <a:ext uri="{FF2B5EF4-FFF2-40B4-BE49-F238E27FC236}">
+                <a16:creationId xmlns:a16="http://schemas.microsoft.com/office/drawing/2014/main" id="{7D374778-3FD0-41C5-BBB7-089F90AE2115}"/>
+              </a:ext>
+            </a:extLst>
+          </p:cNvPr>
+          <p:cNvSpPr>
+            <a:spLocks noGrp="1"/>
+          </p:cNvSpPr>
+          <p:nvPr>
+            <p:ph type="dt" sz="half" idx="10"/>
+          </p:nvPr>
+        </p:nvSpPr>
+        <p:spPr/>
+        <p:txBody>
+          <a:bodyPr/>
+          <a:lstStyle/>
+          <a:p>
+            <a:r>
+              <a:rPr lang="en-US" dirty="0"/>
+              <a:t>11.10.2018</a:t>
+            </a:r>
+            <a:endParaRPr lang="ru-RU" dirty="0"/>
+          </a:p>
+        </p:txBody>
+      </p:sp>
+      <p:sp>
+        <p:nvSpPr>
+          <p:cNvPr id="5" name="Slide Number Placeholder 4">
+            <a:extLst>
+              <a:ext uri="{FF2B5EF4-FFF2-40B4-BE49-F238E27FC236}">
+                <a16:creationId xmlns:a16="http://schemas.microsoft.com/office/drawing/2014/main" id="{4E0D58E0-FB88-44D3-8151-6E5B0CF49491}"/>
+              </a:ext>
+            </a:extLst>
+          </p:cNvPr>
+          <p:cNvSpPr>
+            <a:spLocks noGrp="1"/>
+          </p:cNvSpPr>
+          <p:nvPr>
+            <p:ph type="sldNum" sz="quarter" idx="12"/>
+          </p:nvPr>
+        </p:nvSpPr>
+        <p:spPr/>
+        <p:txBody>
+          <a:bodyPr/>
+          <a:lstStyle/>
+          <a:p>
+            <a:fld id="{8D581BC7-E183-40DB-AC97-C19EA4EB8894}" type="slidenum">
+              <a:rPr lang="ru-RU" smtClean="0"/>
+              <a:pPr/>
+              <a:t>23</a:t>
+            </a:fld>
+            <a:endParaRPr lang="ru-RU" dirty="0"/>
+          </a:p>
+        </p:txBody>
+      </p:sp>
+      <p:pic>
+        <p:nvPicPr>
+          <p:cNvPr id="11" name="Picture 10">
+            <a:extLst>
+              <a:ext uri="{FF2B5EF4-FFF2-40B4-BE49-F238E27FC236}">
+                <a16:creationId xmlns:a16="http://schemas.microsoft.com/office/drawing/2014/main" id="{0B962F66-3AFC-4F89-8497-33E55B7F93F7}"/>
+              </a:ext>
+            </a:extLst>
+          </p:cNvPr>
+          <p:cNvPicPr>
+            <a:picLocks noChangeAspect="1"/>
+          </p:cNvPicPr>
+          <p:nvPr/>
+        </p:nvPicPr>
+        <p:blipFill>
+          <a:blip r:embed="rId2"/>
+          <a:stretch>
+            <a:fillRect/>
+          </a:stretch>
+        </p:blipFill>
+        <p:spPr>
+          <a:xfrm>
+            <a:off x="955889" y="1091762"/>
+            <a:ext cx="7856807" cy="5072806"/>
+          </a:xfrm>
+          <a:prstGeom prst="rect">
+            <a:avLst/>
+          </a:prstGeom>
+        </p:spPr>
+      </p:pic>
+      <p:sp>
+        <p:nvSpPr>
+          <p:cNvPr id="12" name="TextBox 11">
+            <a:extLst>
+              <a:ext uri="{FF2B5EF4-FFF2-40B4-BE49-F238E27FC236}">
+                <a16:creationId xmlns:a16="http://schemas.microsoft.com/office/drawing/2014/main" id="{F02E6442-E63C-444D-B86A-83E1744FC1EC}"/>
               </a:ext>
             </a:extLst>
           </p:cNvPr>
@@ -48188,8 +47853,8 @@
         </p:nvSpPr>
         <p:spPr>
           <a:xfrm>
-            <a:off x="1547813" y="2459504"/>
-            <a:ext cx="9096374" cy="400110"/>
+            <a:off x="8945217" y="1091762"/>
+            <a:ext cx="2753724" cy="3139321"/>
           </a:xfrm>
           <a:prstGeom prst="rect">
             <a:avLst/>
@@ -48202,18 +47867,76 @@
           </a:bodyPr>
           <a:lstStyle/>
           <a:p>
-            <a:pPr algn="ctr"/>
-            <a:r>
-              <a:rPr lang="en-US" sz="2000" b="1" u="sng" dirty="0"/>
-              <a:t>https://www.kaggle.com/zynicide/wine-reviews#winemag-data-130k-v2.csv</a:t>
-            </a:r>
+            <a:pPr marL="285750" indent="-285750">
+              <a:buFontTx/>
+              <a:buChar char="-"/>
+            </a:pPr>
+            <a:r>
+              <a:rPr lang="en-US" dirty="0"/>
+              <a:t>Top Wines By Variety</a:t>
+            </a:r>
+            <a:br>
+              <a:rPr lang="en-US" dirty="0"/>
+            </a:br>
+            <a:endParaRPr lang="en-US" dirty="0"/>
+          </a:p>
+          <a:p>
+            <a:pPr marL="285750" indent="-285750">
+              <a:buFontTx/>
+              <a:buChar char="-"/>
+            </a:pPr>
+            <a:r>
+              <a:rPr lang="en-US" dirty="0"/>
+              <a:t>There were some ties for top points, so other options are available</a:t>
+            </a:r>
+          </a:p>
+          <a:p>
+            <a:pPr marL="285750" indent="-285750">
+              <a:buFontTx/>
+              <a:buChar char="-"/>
+            </a:pPr>
+            <a:endParaRPr lang="en-US" dirty="0"/>
+          </a:p>
+          <a:p>
+            <a:pPr marL="285750" indent="-285750">
+              <a:buFontTx/>
+              <a:buChar char="-"/>
+            </a:pPr>
+            <a:r>
+              <a:rPr lang="en-US" dirty="0"/>
+              <a:t>All prices were $20</a:t>
+            </a:r>
+          </a:p>
+          <a:p>
+            <a:pPr marL="285750" indent="-285750">
+              <a:buFontTx/>
+              <a:buChar char="-"/>
+            </a:pPr>
+            <a:endParaRPr lang="en-US" dirty="0"/>
+          </a:p>
+          <a:p>
+            <a:pPr marL="285750" indent="-285750">
+              <a:buFontTx/>
+              <a:buChar char="-"/>
+            </a:pPr>
+            <a:r>
+              <a:rPr lang="en-US" dirty="0"/>
+              <a:t>Also this dataset was up-to-date as of 2016</a:t>
+            </a:r>
+          </a:p>
+          <a:p>
+            <a:pPr marL="285750" indent="-285750">
+              <a:buFontTx/>
+              <a:buChar char="-"/>
+            </a:pPr>
+            <a:endParaRPr lang="en-US" dirty="0"/>
           </a:p>
         </p:txBody>
       </p:sp>
     </p:spTree>
     <p:extLst>
       <p:ext uri="{BB962C8B-B14F-4D97-AF65-F5344CB8AC3E}">
-        <p14:creationId xmlns:p14="http://schemas.microsoft.com/office/powerpoint/2010/main" val="59582380"/>
+        <p14:creationId xmlns:p14="http://schemas.microsoft.com/office/powerpoint/2010/main" val="3039596939"/>
       </p:ext>
     </p:extLst>
   </p:cSld>
@@ -48242,10 +47965,10 @@
       </p:grpSpPr>
       <p:sp>
         <p:nvSpPr>
-          <p:cNvPr id="2" name="Title 1">
-            <a:extLst>
-              <a:ext uri="{FF2B5EF4-FFF2-40B4-BE49-F238E27FC236}">
-                <a16:creationId xmlns:a16="http://schemas.microsoft.com/office/drawing/2014/main" id="{86B3CD6B-7951-4520-BB79-BE460CFE2A9C}"/>
+          <p:cNvPr id="4" name="Title 3">
+            <a:extLst>
+              <a:ext uri="{FF2B5EF4-FFF2-40B4-BE49-F238E27FC236}">
+                <a16:creationId xmlns:a16="http://schemas.microsoft.com/office/drawing/2014/main" id="{E98DCA46-603B-4178-8707-30E192CE6B8D}"/>
               </a:ext>
             </a:extLst>
           </p:cNvPr>
@@ -48253,7 +47976,7 @@
             <a:spLocks noGrp="1"/>
           </p:cNvSpPr>
           <p:nvPr>
-            <p:ph type="ctrTitle"/>
+            <p:ph type="title"/>
           </p:nvPr>
         </p:nvSpPr>
         <p:spPr/>
@@ -48263,58 +47986,52 @@
           <a:p>
             <a:r>
               <a:rPr lang="en-US" dirty="0"/>
-              <a:t>Appendices</a:t>
-            </a:r>
-          </a:p>
-        </p:txBody>
-      </p:sp>
-      <p:sp>
-        <p:nvSpPr>
-          <p:cNvPr id="3" name="Subtitle 2">
-            <a:extLst>
-              <a:ext uri="{FF2B5EF4-FFF2-40B4-BE49-F238E27FC236}">
-                <a16:creationId xmlns:a16="http://schemas.microsoft.com/office/drawing/2014/main" id="{CA694711-974F-4709-8AA0-55E5C6AA33F8}"/>
-              </a:ext>
-            </a:extLst>
-          </p:cNvPr>
-          <p:cNvSpPr>
-            <a:spLocks noGrp="1"/>
-          </p:cNvSpPr>
-          <p:nvPr>
-            <p:ph type="subTitle" idx="1"/>
-          </p:nvPr>
-        </p:nvSpPr>
-        <p:spPr/>
-        <p:txBody>
-          <a:bodyPr/>
+              <a:t>Data for this presentation available here:</a:t>
+            </a:r>
+          </a:p>
+        </p:txBody>
+      </p:sp>
+      <p:sp>
+        <p:nvSpPr>
+          <p:cNvPr id="8" name="TextBox 7">
+            <a:hlinkClick r:id="rId2"/>
+            <a:extLst>
+              <a:ext uri="{FF2B5EF4-FFF2-40B4-BE49-F238E27FC236}">
+                <a16:creationId xmlns:a16="http://schemas.microsoft.com/office/drawing/2014/main" id="{5FC6C278-4035-446A-A94B-030E792FDDF5}"/>
+              </a:ext>
+            </a:extLst>
+          </p:cNvPr>
+          <p:cNvSpPr txBox="1"/>
+          <p:nvPr/>
+        </p:nvSpPr>
+        <p:spPr>
+          <a:xfrm>
+            <a:off x="1547813" y="2459504"/>
+            <a:ext cx="9096374" cy="400110"/>
+          </a:xfrm>
+          <a:prstGeom prst="rect">
+            <a:avLst/>
+          </a:prstGeom>
+          <a:noFill/>
+        </p:spPr>
+        <p:txBody>
+          <a:bodyPr wrap="square" rtlCol="0">
+            <a:spAutoFit/>
+          </a:bodyPr>
           <a:lstStyle/>
           <a:p>
-            <a:endParaRPr lang="en-US"/>
-          </a:p>
-        </p:txBody>
-      </p:sp>
-      <p:sp>
-        <p:nvSpPr>
-          <p:cNvPr id="4" name="Picture Placeholder 3">
-            <a:extLst>
-              <a:ext uri="{FF2B5EF4-FFF2-40B4-BE49-F238E27FC236}">
-                <a16:creationId xmlns:a16="http://schemas.microsoft.com/office/drawing/2014/main" id="{F6DEDA5F-68F0-45D9-B88A-56B972A8D288}"/>
-              </a:ext>
-            </a:extLst>
-          </p:cNvPr>
-          <p:cNvSpPr>
-            <a:spLocks noGrp="1"/>
-          </p:cNvSpPr>
-          <p:nvPr>
-            <p:ph type="pic" sz="quarter" idx="13"/>
-          </p:nvPr>
-        </p:nvSpPr>
-        <p:spPr/>
+            <a:pPr algn="ctr"/>
+            <a:r>
+              <a:rPr lang="en-US" sz="2000" b="1" u="sng" dirty="0"/>
+              <a:t>https://www.kaggle.com/zynicide/wine-reviews#winemag-data-130k-v2.csv</a:t>
+            </a:r>
+          </a:p>
+        </p:txBody>
       </p:sp>
     </p:spTree>
     <p:extLst>
       <p:ext uri="{BB962C8B-B14F-4D97-AF65-F5344CB8AC3E}">
-        <p14:creationId xmlns:p14="http://schemas.microsoft.com/office/powerpoint/2010/main" val="360691602"/>
+        <p14:creationId xmlns:p14="http://schemas.microsoft.com/office/powerpoint/2010/main" val="59582380"/>
       </p:ext>
     </p:extLst>
   </p:cSld>
@@ -48346,7 +48063,7 @@
           <p:cNvPr id="2" name="Title 1">
             <a:extLst>
               <a:ext uri="{FF2B5EF4-FFF2-40B4-BE49-F238E27FC236}">
-                <a16:creationId xmlns:a16="http://schemas.microsoft.com/office/drawing/2014/main" id="{022A0214-6A19-4399-A522-E958DE6A5717}"/>
+                <a16:creationId xmlns:a16="http://schemas.microsoft.com/office/drawing/2014/main" id="{86B3CD6B-7951-4520-BB79-BE460CFE2A9C}"/>
               </a:ext>
             </a:extLst>
           </p:cNvPr>
@@ -48354,163 +48071,25 @@
             <a:spLocks noGrp="1"/>
           </p:cNvSpPr>
           <p:nvPr>
-            <p:ph type="title"/>
+            <p:ph type="ctrTitle"/>
           </p:nvPr>
         </p:nvSpPr>
-        <p:spPr>
-          <a:xfrm>
-            <a:off x="838200" y="365126"/>
-            <a:ext cx="10515600" cy="652969"/>
-          </a:xfrm>
-        </p:spPr>
+        <p:spPr/>
         <p:txBody>
           <a:bodyPr/>
           <a:lstStyle/>
           <a:p>
             <a:r>
               <a:rPr lang="en-US" dirty="0"/>
-              <a:t>Appendix 1 – Country Data</a:t>
-            </a:r>
-          </a:p>
-        </p:txBody>
-      </p:sp>
-      <p:sp>
-        <p:nvSpPr>
-          <p:cNvPr id="3" name="Date Placeholder 2">
-            <a:extLst>
-              <a:ext uri="{FF2B5EF4-FFF2-40B4-BE49-F238E27FC236}">
-                <a16:creationId xmlns:a16="http://schemas.microsoft.com/office/drawing/2014/main" id="{0E7342DC-544D-487F-9AD0-B781D85D1CD4}"/>
-              </a:ext>
-            </a:extLst>
-          </p:cNvPr>
-          <p:cNvSpPr>
-            <a:spLocks noGrp="1"/>
-          </p:cNvSpPr>
-          <p:nvPr>
-            <p:ph type="dt" sz="half" idx="10"/>
-          </p:nvPr>
-        </p:nvSpPr>
-        <p:spPr>
-          <a:xfrm>
-            <a:off x="10016836" y="5878720"/>
-            <a:ext cx="1336964" cy="298800"/>
-          </a:xfrm>
-        </p:spPr>
-        <p:txBody>
-          <a:bodyPr/>
-          <a:lstStyle/>
-          <a:p>
-            <a:r>
-              <a:rPr lang="en-US"/>
-              <a:t>MM.DD.20XX</a:t>
-            </a:r>
-            <a:endParaRPr lang="ru-RU" dirty="0"/>
-          </a:p>
-        </p:txBody>
-      </p:sp>
-      <p:sp>
-        <p:nvSpPr>
-          <p:cNvPr id="4" name="Footer Placeholder 3">
-            <a:extLst>
-              <a:ext uri="{FF2B5EF4-FFF2-40B4-BE49-F238E27FC236}">
-                <a16:creationId xmlns:a16="http://schemas.microsoft.com/office/drawing/2014/main" id="{969F6416-1A9D-4CA2-A385-B832A86BA0D2}"/>
-              </a:ext>
-            </a:extLst>
-          </p:cNvPr>
-          <p:cNvSpPr>
-            <a:spLocks noGrp="1"/>
-          </p:cNvSpPr>
-          <p:nvPr>
-            <p:ph type="ftr" sz="quarter" idx="11"/>
-          </p:nvPr>
-        </p:nvSpPr>
-        <p:spPr>
-          <a:xfrm>
-            <a:off x="1169960" y="5878720"/>
-            <a:ext cx="2915733" cy="298800"/>
-          </a:xfrm>
-        </p:spPr>
-        <p:txBody>
-          <a:bodyPr/>
-          <a:lstStyle/>
-          <a:p>
-            <a:r>
-              <a:rPr lang="en-US"/>
-              <a:t>ADD A FOOTER</a:t>
-            </a:r>
-            <a:endParaRPr lang="ru-RU" dirty="0"/>
-          </a:p>
-        </p:txBody>
-      </p:sp>
-      <p:sp>
-        <p:nvSpPr>
-          <p:cNvPr id="5" name="Slide Number Placeholder 4">
-            <a:extLst>
-              <a:ext uri="{FF2B5EF4-FFF2-40B4-BE49-F238E27FC236}">
-                <a16:creationId xmlns:a16="http://schemas.microsoft.com/office/drawing/2014/main" id="{53FE2CF2-9C88-4ACD-BC82-EEE1C9EE9ECF}"/>
-              </a:ext>
-            </a:extLst>
-          </p:cNvPr>
-          <p:cNvSpPr>
-            <a:spLocks noGrp="1"/>
-          </p:cNvSpPr>
-          <p:nvPr>
-            <p:ph type="sldNum" sz="quarter" idx="12"/>
-          </p:nvPr>
-        </p:nvSpPr>
-        <p:spPr>
-          <a:xfrm>
-            <a:off x="778643" y="5879656"/>
-            <a:ext cx="354492" cy="297307"/>
-          </a:xfrm>
-        </p:spPr>
-        <p:txBody>
-          <a:bodyPr/>
-          <a:lstStyle/>
-          <a:p>
-            <a:fld id="{8D581BC7-E183-40DB-AC97-C19EA4EB8894}" type="slidenum">
-              <a:rPr lang="ru-RU" smtClean="0"/>
-              <a:pPr/>
-              <a:t>25</a:t>
-            </a:fld>
-            <a:endParaRPr lang="ru-RU" dirty="0"/>
-          </a:p>
-        </p:txBody>
-      </p:sp>
-      <p:pic>
-        <p:nvPicPr>
-          <p:cNvPr id="6" name="Picture 5">
-            <a:extLst>
-              <a:ext uri="{FF2B5EF4-FFF2-40B4-BE49-F238E27FC236}">
-                <a16:creationId xmlns:a16="http://schemas.microsoft.com/office/drawing/2014/main" id="{DA46021C-78D8-47B6-B0F9-FBCF7E010E00}"/>
-              </a:ext>
-            </a:extLst>
-          </p:cNvPr>
-          <p:cNvPicPr>
-            <a:picLocks noChangeAspect="1"/>
-          </p:cNvPicPr>
-          <p:nvPr/>
-        </p:nvPicPr>
-        <p:blipFill>
-          <a:blip r:embed="rId2"/>
-          <a:stretch>
-            <a:fillRect/>
-          </a:stretch>
-        </p:blipFill>
-        <p:spPr>
-          <a:xfrm>
-            <a:off x="838200" y="1207052"/>
-            <a:ext cx="10651435" cy="4398618"/>
-          </a:xfrm>
-          <a:prstGeom prst="rect">
-            <a:avLst/>
-          </a:prstGeom>
-        </p:spPr>
-      </p:pic>
+              <a:t>Appendices</a:t>
+            </a:r>
+          </a:p>
+        </p:txBody>
+      </p:sp>
     </p:spTree>
     <p:extLst>
       <p:ext uri="{BB962C8B-B14F-4D97-AF65-F5344CB8AC3E}">
-        <p14:creationId xmlns:p14="http://schemas.microsoft.com/office/powerpoint/2010/main" val="632539000"/>
+        <p14:creationId xmlns:p14="http://schemas.microsoft.com/office/powerpoint/2010/main" val="360691602"/>
       </p:ext>
     </p:extLst>
   </p:cSld>
@@ -48565,7 +48144,7 @@
           <a:p>
             <a:r>
               <a:rPr lang="en-US" dirty="0"/>
-              <a:t>Appendix 2 – Regional Data (Top 20)</a:t>
+              <a:t>Appendix 1 – Country Data</a:t>
             </a:r>
           </a:p>
         </p:txBody>
@@ -48597,42 +48176,8 @@
           <a:lstStyle/>
           <a:p>
             <a:r>
-              <a:rPr lang="en-US"/>
-              <a:t>MM.DD.20XX</a:t>
-            </a:r>
-            <a:endParaRPr lang="ru-RU" dirty="0"/>
-          </a:p>
-        </p:txBody>
-      </p:sp>
-      <p:sp>
-        <p:nvSpPr>
-          <p:cNvPr id="4" name="Footer Placeholder 3">
-            <a:extLst>
-              <a:ext uri="{FF2B5EF4-FFF2-40B4-BE49-F238E27FC236}">
-                <a16:creationId xmlns:a16="http://schemas.microsoft.com/office/drawing/2014/main" id="{969F6416-1A9D-4CA2-A385-B832A86BA0D2}"/>
-              </a:ext>
-            </a:extLst>
-          </p:cNvPr>
-          <p:cNvSpPr>
-            <a:spLocks noGrp="1"/>
-          </p:cNvSpPr>
-          <p:nvPr>
-            <p:ph type="ftr" sz="quarter" idx="11"/>
-          </p:nvPr>
-        </p:nvSpPr>
-        <p:spPr>
-          <a:xfrm>
-            <a:off x="1169960" y="5878720"/>
-            <a:ext cx="2915733" cy="298800"/>
-          </a:xfrm>
-        </p:spPr>
-        <p:txBody>
-          <a:bodyPr/>
-          <a:lstStyle/>
-          <a:p>
-            <a:r>
-              <a:rPr lang="en-US"/>
-              <a:t>ADD A FOOTER</a:t>
+              <a:rPr lang="en-US" dirty="0"/>
+              <a:t>11/10/2018</a:t>
             </a:r>
             <a:endParaRPr lang="ru-RU" dirty="0"/>
           </a:p>
@@ -48675,10 +48220,10 @@
       </p:sp>
       <p:pic>
         <p:nvPicPr>
-          <p:cNvPr id="10" name="Picture 9">
-            <a:extLst>
-              <a:ext uri="{FF2B5EF4-FFF2-40B4-BE49-F238E27FC236}">
-                <a16:creationId xmlns:a16="http://schemas.microsoft.com/office/drawing/2014/main" id="{BF39F978-F773-4CE0-878E-52DAC003D1BD}"/>
+          <p:cNvPr id="6" name="Picture 5">
+            <a:extLst>
+              <a:ext uri="{FF2B5EF4-FFF2-40B4-BE49-F238E27FC236}">
+                <a16:creationId xmlns:a16="http://schemas.microsoft.com/office/drawing/2014/main" id="{DA46021C-78D8-47B6-B0F9-FBCF7E010E00}"/>
               </a:ext>
             </a:extLst>
           </p:cNvPr>
@@ -48695,8 +48240,170 @@
         </p:blipFill>
         <p:spPr>
           <a:xfrm>
-            <a:off x="838200" y="1339172"/>
-            <a:ext cx="9773026" cy="4179656"/>
+            <a:off x="770282" y="1018094"/>
+            <a:ext cx="11141092" cy="4600827"/>
+          </a:xfrm>
+          <a:prstGeom prst="rect">
+            <a:avLst/>
+          </a:prstGeom>
+        </p:spPr>
+      </p:pic>
+    </p:spTree>
+    <p:extLst>
+      <p:ext uri="{BB962C8B-B14F-4D97-AF65-F5344CB8AC3E}">
+        <p14:creationId xmlns:p14="http://schemas.microsoft.com/office/powerpoint/2010/main" val="632539000"/>
+      </p:ext>
+    </p:extLst>
+  </p:cSld>
+  <p:clrMapOvr>
+    <a:masterClrMapping/>
+  </p:clrMapOvr>
+</p:sld>
+</file>
+
+<file path=ppt/slides/slide27.xml><?xml version="1.0" encoding="utf-8"?>
+<p:sld xmlns:a="http://schemas.openxmlformats.org/drawingml/2006/main" xmlns:r="http://schemas.openxmlformats.org/officeDocument/2006/relationships" xmlns:p="http://schemas.openxmlformats.org/presentationml/2006/main">
+  <p:cSld>
+    <p:spTree>
+      <p:nvGrpSpPr>
+        <p:cNvPr id="1" name=""/>
+        <p:cNvGrpSpPr/>
+        <p:nvPr/>
+      </p:nvGrpSpPr>
+      <p:grpSpPr>
+        <a:xfrm>
+          <a:off x="0" y="0"/>
+          <a:ext cx="0" cy="0"/>
+          <a:chOff x="0" y="0"/>
+          <a:chExt cx="0" cy="0"/>
+        </a:xfrm>
+      </p:grpSpPr>
+      <p:sp>
+        <p:nvSpPr>
+          <p:cNvPr id="2" name="Title 1">
+            <a:extLst>
+              <a:ext uri="{FF2B5EF4-FFF2-40B4-BE49-F238E27FC236}">
+                <a16:creationId xmlns:a16="http://schemas.microsoft.com/office/drawing/2014/main" id="{022A0214-6A19-4399-A522-E958DE6A5717}"/>
+              </a:ext>
+            </a:extLst>
+          </p:cNvPr>
+          <p:cNvSpPr>
+            <a:spLocks noGrp="1"/>
+          </p:cNvSpPr>
+          <p:nvPr>
+            <p:ph type="title"/>
+          </p:nvPr>
+        </p:nvSpPr>
+        <p:spPr>
+          <a:xfrm>
+            <a:off x="838200" y="365126"/>
+            <a:ext cx="10515600" cy="652969"/>
+          </a:xfrm>
+        </p:spPr>
+        <p:txBody>
+          <a:bodyPr/>
+          <a:lstStyle/>
+          <a:p>
+            <a:r>
+              <a:rPr lang="en-US" dirty="0"/>
+              <a:t>Appendix 2 – Regional Data (Top 20)</a:t>
+            </a:r>
+          </a:p>
+        </p:txBody>
+      </p:sp>
+      <p:sp>
+        <p:nvSpPr>
+          <p:cNvPr id="3" name="Date Placeholder 2">
+            <a:extLst>
+              <a:ext uri="{FF2B5EF4-FFF2-40B4-BE49-F238E27FC236}">
+                <a16:creationId xmlns:a16="http://schemas.microsoft.com/office/drawing/2014/main" id="{0E7342DC-544D-487F-9AD0-B781D85D1CD4}"/>
+              </a:ext>
+            </a:extLst>
+          </p:cNvPr>
+          <p:cNvSpPr>
+            <a:spLocks noGrp="1"/>
+          </p:cNvSpPr>
+          <p:nvPr>
+            <p:ph type="dt" sz="half" idx="10"/>
+          </p:nvPr>
+        </p:nvSpPr>
+        <p:spPr>
+          <a:xfrm>
+            <a:off x="10016836" y="5878720"/>
+            <a:ext cx="1336964" cy="298800"/>
+          </a:xfrm>
+        </p:spPr>
+        <p:txBody>
+          <a:bodyPr/>
+          <a:lstStyle/>
+          <a:p>
+            <a:r>
+              <a:rPr lang="en-US" dirty="0"/>
+              <a:t>11/10/2018</a:t>
+            </a:r>
+            <a:endParaRPr lang="ru-RU" dirty="0"/>
+          </a:p>
+        </p:txBody>
+      </p:sp>
+      <p:sp>
+        <p:nvSpPr>
+          <p:cNvPr id="5" name="Slide Number Placeholder 4">
+            <a:extLst>
+              <a:ext uri="{FF2B5EF4-FFF2-40B4-BE49-F238E27FC236}">
+                <a16:creationId xmlns:a16="http://schemas.microsoft.com/office/drawing/2014/main" id="{53FE2CF2-9C88-4ACD-BC82-EEE1C9EE9ECF}"/>
+              </a:ext>
+            </a:extLst>
+          </p:cNvPr>
+          <p:cNvSpPr>
+            <a:spLocks noGrp="1"/>
+          </p:cNvSpPr>
+          <p:nvPr>
+            <p:ph type="sldNum" sz="quarter" idx="12"/>
+          </p:nvPr>
+        </p:nvSpPr>
+        <p:spPr>
+          <a:xfrm>
+            <a:off x="778643" y="5879656"/>
+            <a:ext cx="354492" cy="297307"/>
+          </a:xfrm>
+        </p:spPr>
+        <p:txBody>
+          <a:bodyPr/>
+          <a:lstStyle/>
+          <a:p>
+            <a:fld id="{8D581BC7-E183-40DB-AC97-C19EA4EB8894}" type="slidenum">
+              <a:rPr lang="ru-RU" smtClean="0"/>
+              <a:pPr/>
+              <a:t>27</a:t>
+            </a:fld>
+            <a:endParaRPr lang="ru-RU" dirty="0"/>
+          </a:p>
+        </p:txBody>
+      </p:sp>
+      <p:pic>
+        <p:nvPicPr>
+          <p:cNvPr id="10" name="Picture 9">
+            <a:extLst>
+              <a:ext uri="{FF2B5EF4-FFF2-40B4-BE49-F238E27FC236}">
+                <a16:creationId xmlns:a16="http://schemas.microsoft.com/office/drawing/2014/main" id="{BF39F978-F773-4CE0-878E-52DAC003D1BD}"/>
+              </a:ext>
+            </a:extLst>
+          </p:cNvPr>
+          <p:cNvPicPr>
+            <a:picLocks noChangeAspect="1"/>
+          </p:cNvPicPr>
+          <p:nvPr/>
+        </p:nvPicPr>
+        <p:blipFill>
+          <a:blip r:embed="rId2"/>
+          <a:stretch>
+            <a:fillRect/>
+          </a:stretch>
+        </p:blipFill>
+        <p:spPr>
+          <a:xfrm>
+            <a:off x="778643" y="1140388"/>
+            <a:ext cx="10502858" cy="4491785"/>
           </a:xfrm>
           <a:prstGeom prst="rect">
             <a:avLst/>
@@ -48797,35 +48504,6 @@
       </p:sp>
       <p:sp>
         <p:nvSpPr>
-          <p:cNvPr id="5" name="Slide Number Placeholder 4">
-            <a:extLst>
-              <a:ext uri="{FF2B5EF4-FFF2-40B4-BE49-F238E27FC236}">
-                <a16:creationId xmlns:a16="http://schemas.microsoft.com/office/drawing/2014/main" id="{4C4F2C2B-ECFB-4395-9383-B8834808C311}"/>
-              </a:ext>
-            </a:extLst>
-          </p:cNvPr>
-          <p:cNvSpPr>
-            <a:spLocks noGrp="1"/>
-          </p:cNvSpPr>
-          <p:nvPr>
-            <p:ph type="sldNum" sz="quarter" idx="12"/>
-          </p:nvPr>
-        </p:nvSpPr>
-        <p:spPr/>
-        <p:txBody>
-          <a:bodyPr/>
-          <a:lstStyle/>
-          <a:p>
-            <a:fld id="{8D581BC7-E183-40DB-AC97-C19EA4EB8894}" type="slidenum">
-              <a:rPr lang="ru-RU" smtClean="0"/>
-              <a:t>3</a:t>
-            </a:fld>
-            <a:endParaRPr lang="ru-RU" dirty="0"/>
-          </a:p>
-        </p:txBody>
-      </p:sp>
-      <p:sp>
-        <p:nvSpPr>
           <p:cNvPr id="6" name="Subtitle 5">
             <a:extLst>
               <a:ext uri="{FF2B5EF4-FFF2-40B4-BE49-F238E27FC236}">
@@ -48847,7 +48525,7 @@
           <a:p>
             <a:r>
               <a:rPr lang="en-US" dirty="0"/>
-              <a:t>Grouping the data by Country and Region</a:t>
+              <a:t>Analyzing the data by Country and Region</a:t>
             </a:r>
           </a:p>
         </p:txBody>
@@ -48900,19 +48578,19 @@
         </p:nvSpPr>
         <p:spPr>
           <a:xfrm>
-            <a:off x="646122" y="278311"/>
-            <a:ext cx="5021940" cy="804338"/>
+            <a:off x="659375" y="295215"/>
+            <a:ext cx="6496800" cy="591809"/>
           </a:xfrm>
         </p:spPr>
         <p:txBody>
           <a:bodyPr>
-            <a:normAutofit/>
+            <a:normAutofit fontScale="90000"/>
           </a:bodyPr>
           <a:lstStyle/>
           <a:p>
             <a:r>
               <a:rPr lang="en-US" dirty="0"/>
-              <a:t># of Wines per Country</a:t>
+              <a:t>Number of Wines per Country</a:t>
             </a:r>
           </a:p>
         </p:txBody>
@@ -48939,37 +48617,8 @@
           <a:lstStyle/>
           <a:p>
             <a:r>
-              <a:rPr lang="en-US"/>
-              <a:t>MM.DD.20XX</a:t>
-            </a:r>
-            <a:endParaRPr lang="ru-RU" dirty="0"/>
-          </a:p>
-        </p:txBody>
-      </p:sp>
-      <p:sp>
-        <p:nvSpPr>
-          <p:cNvPr id="5" name="Footer Placeholder 4">
-            <a:extLst>
-              <a:ext uri="{FF2B5EF4-FFF2-40B4-BE49-F238E27FC236}">
-                <a16:creationId xmlns:a16="http://schemas.microsoft.com/office/drawing/2014/main" id="{9F880DB2-A412-449F-9C30-530748A2AC41}"/>
-              </a:ext>
-            </a:extLst>
-          </p:cNvPr>
-          <p:cNvSpPr>
-            <a:spLocks noGrp="1"/>
-          </p:cNvSpPr>
-          <p:nvPr>
-            <p:ph type="ftr" sz="quarter" idx="11"/>
-          </p:nvPr>
-        </p:nvSpPr>
-        <p:spPr/>
-        <p:txBody>
-          <a:bodyPr/>
-          <a:lstStyle/>
-          <a:p>
-            <a:r>
-              <a:rPr lang="en-US"/>
-              <a:t>ADD A FOOTER</a:t>
+              <a:rPr lang="en-US" dirty="0"/>
+              <a:t>11/10/2018</a:t>
             </a:r>
             <a:endParaRPr lang="ru-RU" dirty="0"/>
           </a:p>
@@ -49139,8 +48788,8 @@
         </p:nvSpPr>
         <p:spPr>
           <a:xfrm>
-            <a:off x="778643" y="382019"/>
-            <a:ext cx="5021940" cy="596922"/>
+            <a:off x="778643" y="531929"/>
+            <a:ext cx="7185915" cy="596922"/>
           </a:xfrm>
         </p:spPr>
         <p:txBody>
@@ -49151,7 +48800,7 @@
           <a:p>
             <a:r>
               <a:rPr lang="en-US" dirty="0"/>
-              <a:t># of Wineries per Country</a:t>
+              <a:t>Number of  Wineries per Country</a:t>
             </a:r>
           </a:p>
         </p:txBody>
@@ -49178,37 +48827,8 @@
           <a:lstStyle/>
           <a:p>
             <a:r>
-              <a:rPr lang="en-US"/>
-              <a:t>MM.DD.20XX</a:t>
-            </a:r>
-            <a:endParaRPr lang="ru-RU" dirty="0"/>
-          </a:p>
-        </p:txBody>
-      </p:sp>
-      <p:sp>
-        <p:nvSpPr>
-          <p:cNvPr id="5" name="Footer Placeholder 4">
-            <a:extLst>
-              <a:ext uri="{FF2B5EF4-FFF2-40B4-BE49-F238E27FC236}">
-                <a16:creationId xmlns:a16="http://schemas.microsoft.com/office/drawing/2014/main" id="{9F880DB2-A412-449F-9C30-530748A2AC41}"/>
-              </a:ext>
-            </a:extLst>
-          </p:cNvPr>
-          <p:cNvSpPr>
-            <a:spLocks noGrp="1"/>
-          </p:cNvSpPr>
-          <p:nvPr>
-            <p:ph type="ftr" sz="quarter" idx="11"/>
-          </p:nvPr>
-        </p:nvSpPr>
-        <p:spPr/>
-        <p:txBody>
-          <a:bodyPr/>
-          <a:lstStyle/>
-          <a:p>
-            <a:r>
-              <a:rPr lang="en-US"/>
-              <a:t>ADD A FOOTER</a:t>
+              <a:rPr lang="en-US" dirty="0"/>
+              <a:t>11/10/2018</a:t>
             </a:r>
             <a:endParaRPr lang="ru-RU" dirty="0"/>
           </a:p>
@@ -49308,7 +48928,7 @@
         <p:spPr>
           <a:xfrm>
             <a:off x="3697357" y="1278761"/>
-            <a:ext cx="8102917" cy="4300138"/>
+            <a:ext cx="8318975" cy="4300138"/>
           </a:xfrm>
           <a:prstGeom prst="rect">
             <a:avLst/>
@@ -49402,37 +49022,8 @@
           <a:lstStyle/>
           <a:p>
             <a:r>
-              <a:rPr lang="en-US"/>
-              <a:t>MM.DD.20XX</a:t>
-            </a:r>
-            <a:endParaRPr lang="ru-RU" dirty="0"/>
-          </a:p>
-        </p:txBody>
-      </p:sp>
-      <p:sp>
-        <p:nvSpPr>
-          <p:cNvPr id="5" name="Footer Placeholder 4">
-            <a:extLst>
-              <a:ext uri="{FF2B5EF4-FFF2-40B4-BE49-F238E27FC236}">
-                <a16:creationId xmlns:a16="http://schemas.microsoft.com/office/drawing/2014/main" id="{9F880DB2-A412-449F-9C30-530748A2AC41}"/>
-              </a:ext>
-            </a:extLst>
-          </p:cNvPr>
-          <p:cNvSpPr>
-            <a:spLocks noGrp="1"/>
-          </p:cNvSpPr>
-          <p:nvPr>
-            <p:ph type="ftr" sz="quarter" idx="11"/>
-          </p:nvPr>
-        </p:nvSpPr>
-        <p:spPr/>
-        <p:txBody>
-          <a:bodyPr/>
-          <a:lstStyle/>
-          <a:p>
-            <a:r>
-              <a:rPr lang="en-US"/>
-              <a:t>ADD A FOOTER</a:t>
+              <a:rPr lang="en-US" dirty="0"/>
+              <a:t>11/10/2018</a:t>
             </a:r>
             <a:endParaRPr lang="ru-RU" dirty="0"/>
           </a:p>
@@ -49501,13 +49092,8 @@
           <a:p>
             <a:r>
               <a:rPr lang="en-US" dirty="0"/>
-              <a:t> - Following we will have to see if a high average price grants a higher </a:t>
-            </a:r>
-            <a:r>
-              <a:rPr lang="en-US"/>
-              <a:t>point value</a:t>
-            </a:r>
-            <a:endParaRPr lang="en-US" dirty="0"/>
+              <a:t> - Following we will have to see if a high average price grants a higher point value</a:t>
+            </a:r>
           </a:p>
           <a:p>
             <a:endParaRPr lang="en-US" dirty="0"/>
@@ -49593,7 +49179,7 @@
         <p:spPr>
           <a:xfrm>
             <a:off x="778643" y="198781"/>
-            <a:ext cx="6100459" cy="636679"/>
+            <a:ext cx="7570227" cy="636679"/>
           </a:xfrm>
         </p:spPr>
         <p:txBody>
@@ -49604,7 +49190,7 @@
           <a:p>
             <a:r>
               <a:rPr lang="en-US" dirty="0"/>
-              <a:t># of Wines per Region (Top 10)</a:t>
+              <a:t>Number of Wines per Region (Top 10)</a:t>
             </a:r>
           </a:p>
         </p:txBody>
@@ -49631,37 +49217,8 @@
           <a:lstStyle/>
           <a:p>
             <a:r>
-              <a:rPr lang="en-US"/>
-              <a:t>MM.DD.20XX</a:t>
-            </a:r>
-            <a:endParaRPr lang="ru-RU" dirty="0"/>
-          </a:p>
-        </p:txBody>
-      </p:sp>
-      <p:sp>
-        <p:nvSpPr>
-          <p:cNvPr id="5" name="Footer Placeholder 4">
-            <a:extLst>
-              <a:ext uri="{FF2B5EF4-FFF2-40B4-BE49-F238E27FC236}">
-                <a16:creationId xmlns:a16="http://schemas.microsoft.com/office/drawing/2014/main" id="{9F880DB2-A412-449F-9C30-530748A2AC41}"/>
-              </a:ext>
-            </a:extLst>
-          </p:cNvPr>
-          <p:cNvSpPr>
-            <a:spLocks noGrp="1"/>
-          </p:cNvSpPr>
-          <p:nvPr>
-            <p:ph type="ftr" sz="quarter" idx="11"/>
-          </p:nvPr>
-        </p:nvSpPr>
-        <p:spPr/>
-        <p:txBody>
-          <a:bodyPr/>
-          <a:lstStyle/>
-          <a:p>
-            <a:r>
-              <a:rPr lang="en-US"/>
-              <a:t>ADD A FOOTER</a:t>
+              <a:rPr lang="en-US" dirty="0"/>
+              <a:t>11/10/2018</a:t>
             </a:r>
             <a:endParaRPr lang="ru-RU" dirty="0"/>
           </a:p>
@@ -49808,7 +49365,7 @@
         <p:spPr>
           <a:xfrm>
             <a:off x="778643" y="247829"/>
-            <a:ext cx="6496801" cy="448526"/>
+            <a:ext cx="8166574" cy="448526"/>
           </a:xfrm>
         </p:spPr>
         <p:txBody>
@@ -49819,7 +49376,7 @@
           <a:p>
             <a:r>
               <a:rPr lang="en-US" dirty="0"/>
-              <a:t># of Wineries per Region (Top 10)</a:t>
+              <a:t>Number of Wineries per Region (Top 10)</a:t>
             </a:r>
           </a:p>
         </p:txBody>
@@ -49846,37 +49403,8 @@
           <a:lstStyle/>
           <a:p>
             <a:r>
-              <a:rPr lang="en-US"/>
-              <a:t>MM.DD.20XX</a:t>
-            </a:r>
-            <a:endParaRPr lang="ru-RU" dirty="0"/>
-          </a:p>
-        </p:txBody>
-      </p:sp>
-      <p:sp>
-        <p:nvSpPr>
-          <p:cNvPr id="5" name="Footer Placeholder 4">
-            <a:extLst>
-              <a:ext uri="{FF2B5EF4-FFF2-40B4-BE49-F238E27FC236}">
-                <a16:creationId xmlns:a16="http://schemas.microsoft.com/office/drawing/2014/main" id="{9F880DB2-A412-449F-9C30-530748A2AC41}"/>
-              </a:ext>
-            </a:extLst>
-          </p:cNvPr>
-          <p:cNvSpPr>
-            <a:spLocks noGrp="1"/>
-          </p:cNvSpPr>
-          <p:nvPr>
-            <p:ph type="ftr" sz="quarter" idx="11"/>
-          </p:nvPr>
-        </p:nvSpPr>
-        <p:spPr/>
-        <p:txBody>
-          <a:bodyPr/>
-          <a:lstStyle/>
-          <a:p>
-            <a:r>
-              <a:rPr lang="en-US"/>
-              <a:t>ADD A FOOTER</a:t>
+              <a:rPr lang="en-US" dirty="0"/>
+              <a:t>11/10/2018</a:t>
             </a:r>
             <a:endParaRPr lang="ru-RU" dirty="0"/>
           </a:p>
@@ -49929,8 +49457,8 @@
         </p:nvSpPr>
         <p:spPr>
           <a:xfrm>
-            <a:off x="175668" y="3120245"/>
-            <a:ext cx="3521689" cy="2077434"/>
+            <a:off x="175669" y="3120245"/>
+            <a:ext cx="3190384" cy="2077434"/>
           </a:xfrm>
         </p:spPr>
         <p:txBody>
@@ -49939,7 +49467,19 @@
           <a:p>
             <a:r>
               <a:rPr lang="en-US" dirty="0"/>
-              <a:t> - The US had 3 regions with the most wineries, Italy with 3, France with 2, Spain with 1 and Argentina with 1 </a:t>
+              <a:t> - The US had 3 regions with the most </a:t>
+            </a:r>
+          </a:p>
+          <a:p>
+            <a:r>
+              <a:rPr lang="en-US" dirty="0"/>
+              <a:t>wineries, Italy with 3, France with 2, Spain </a:t>
+            </a:r>
+          </a:p>
+          <a:p>
+            <a:r>
+              <a:rPr lang="en-US" dirty="0"/>
+              <a:t>with 1 and Argentina with 1 </a:t>
             </a:r>
           </a:p>
         </p:txBody>
@@ -50061,37 +49601,8 @@
           <a:lstStyle/>
           <a:p>
             <a:r>
-              <a:rPr lang="en-US"/>
-              <a:t>MM.DD.20XX</a:t>
-            </a:r>
-            <a:endParaRPr lang="ru-RU" dirty="0"/>
-          </a:p>
-        </p:txBody>
-      </p:sp>
-      <p:sp>
-        <p:nvSpPr>
-          <p:cNvPr id="5" name="Footer Placeholder 4">
-            <a:extLst>
-              <a:ext uri="{FF2B5EF4-FFF2-40B4-BE49-F238E27FC236}">
-                <a16:creationId xmlns:a16="http://schemas.microsoft.com/office/drawing/2014/main" id="{9F880DB2-A412-449F-9C30-530748A2AC41}"/>
-              </a:ext>
-            </a:extLst>
-          </p:cNvPr>
-          <p:cNvSpPr>
-            <a:spLocks noGrp="1"/>
-          </p:cNvSpPr>
-          <p:nvPr>
-            <p:ph type="ftr" sz="quarter" idx="11"/>
-          </p:nvPr>
-        </p:nvSpPr>
-        <p:spPr/>
-        <p:txBody>
-          <a:bodyPr/>
-          <a:lstStyle/>
-          <a:p>
-            <a:r>
-              <a:rPr lang="en-US"/>
-              <a:t>ADD A FOOTER</a:t>
+              <a:rPr lang="en-US" dirty="0"/>
+              <a:t>11/10/2018</a:t>
             </a:r>
             <a:endParaRPr lang="ru-RU" dirty="0"/>
           </a:p>
